--- a/Documentazione/Presentazione.pptx
+++ b/Documentazione/Presentazione.pptx
@@ -5,7 +5,7 @@
     <p:sldMasterId id="2147483660" r:id="rId1"/>
   </p:sldMasterIdLst>
   <p:notesMasterIdLst>
-    <p:notesMasterId r:id="rId16"/>
+    <p:notesMasterId r:id="rId28"/>
   </p:notesMasterIdLst>
   <p:sldIdLst>
     <p:sldId id="256" r:id="rId2"/>
@@ -14,14 +14,26 @@
     <p:sldId id="259" r:id="rId5"/>
     <p:sldId id="262" r:id="rId6"/>
     <p:sldId id="261" r:id="rId7"/>
-    <p:sldId id="263" r:id="rId8"/>
-    <p:sldId id="265" r:id="rId9"/>
-    <p:sldId id="264" r:id="rId10"/>
-    <p:sldId id="267" r:id="rId11"/>
-    <p:sldId id="266" r:id="rId12"/>
-    <p:sldId id="268" r:id="rId13"/>
-    <p:sldId id="269" r:id="rId14"/>
-    <p:sldId id="270" r:id="rId15"/>
+    <p:sldId id="271" r:id="rId8"/>
+    <p:sldId id="272" r:id="rId9"/>
+    <p:sldId id="273" r:id="rId10"/>
+    <p:sldId id="274" r:id="rId11"/>
+    <p:sldId id="275" r:id="rId12"/>
+    <p:sldId id="276" r:id="rId13"/>
+    <p:sldId id="277" r:id="rId14"/>
+    <p:sldId id="278" r:id="rId15"/>
+    <p:sldId id="279" r:id="rId16"/>
+    <p:sldId id="280" r:id="rId17"/>
+    <p:sldId id="281" r:id="rId18"/>
+    <p:sldId id="282" r:id="rId19"/>
+    <p:sldId id="283" r:id="rId20"/>
+    <p:sldId id="268" r:id="rId21"/>
+    <p:sldId id="263" r:id="rId22"/>
+    <p:sldId id="265" r:id="rId23"/>
+    <p:sldId id="264" r:id="rId24"/>
+    <p:sldId id="267" r:id="rId25"/>
+    <p:sldId id="266" r:id="rId26"/>
+    <p:sldId id="270" r:id="rId27"/>
   </p:sldIdLst>
   <p:sldSz cx="12192000" cy="6858000"/>
   <p:notesSz cx="6858000" cy="9144000"/>
@@ -120,6 +132,11 @@
       </a:defRPr>
     </a:lvl9pPr>
   </p:defaultTextStyle>
+  <p:extLst>
+    <p:ext uri="{EFAFB233-063F-42B5-8137-9DF3F51BA10A}">
+      <p15:sldGuideLst xmlns:p15="http://schemas.microsoft.com/office/powerpoint/2012/main"/>
+    </p:ext>
+  </p:extLst>
 </p:presentation>
 </file>
 
@@ -205,7 +222,7 @@
           <a:p>
             <a:fld id="{242A818A-065C-4CD4-8158-C4CAFC66772C}" type="datetimeFigureOut">
               <a:rPr lang="it-IT" smtClean="0"/>
-              <a:t>17/09/2025</a:t>
+              <a:t>21/09/2025</a:t>
             </a:fld>
             <a:endParaRPr lang="it-IT"/>
           </a:p>
@@ -723,6 +740,13 @@
               <a:schemeClr val="lt1"/>
             </a:fontRef>
           </p:style>
+          <p:txBody>
+            <a:bodyPr/>
+            <a:lstStyle/>
+            <a:p>
+              <a:endParaRPr lang="it-IT"/>
+            </a:p>
+          </p:txBody>
         </p:sp>
         <p:sp>
           <p:nvSpPr>
@@ -786,6 +810,13 @@
               <a:schemeClr val="lt1"/>
             </a:fontRef>
           </p:style>
+          <p:txBody>
+            <a:bodyPr/>
+            <a:lstStyle/>
+            <a:p>
+              <a:endParaRPr lang="it-IT"/>
+            </a:p>
+          </p:txBody>
         </p:sp>
         <p:sp>
           <p:nvSpPr>
@@ -827,6 +858,13 @@
               <a:schemeClr val="lt1"/>
             </a:fontRef>
           </p:style>
+          <p:txBody>
+            <a:bodyPr/>
+            <a:lstStyle/>
+            <a:p>
+              <a:endParaRPr lang="it-IT"/>
+            </a:p>
+          </p:txBody>
         </p:sp>
         <p:sp>
           <p:nvSpPr>
@@ -891,6 +929,13 @@
               <a:schemeClr val="lt1"/>
             </a:fontRef>
           </p:style>
+          <p:txBody>
+            <a:bodyPr/>
+            <a:lstStyle/>
+            <a:p>
+              <a:endParaRPr lang="it-IT"/>
+            </a:p>
+          </p:txBody>
         </p:sp>
         <p:sp>
           <p:nvSpPr>
@@ -956,6 +1001,13 @@
               <a:schemeClr val="lt1"/>
             </a:fontRef>
           </p:style>
+          <p:txBody>
+            <a:bodyPr/>
+            <a:lstStyle/>
+            <a:p>
+              <a:endParaRPr lang="it-IT"/>
+            </a:p>
+          </p:txBody>
         </p:sp>
         <p:sp>
           <p:nvSpPr>
@@ -1019,6 +1071,13 @@
               <a:schemeClr val="lt1"/>
             </a:fontRef>
           </p:style>
+          <p:txBody>
+            <a:bodyPr/>
+            <a:lstStyle/>
+            <a:p>
+              <a:endParaRPr lang="it-IT"/>
+            </a:p>
+          </p:txBody>
         </p:sp>
         <p:sp>
           <p:nvSpPr>
@@ -1060,6 +1119,13 @@
               <a:schemeClr val="lt1"/>
             </a:fontRef>
           </p:style>
+          <p:txBody>
+            <a:bodyPr/>
+            <a:lstStyle/>
+            <a:p>
+              <a:endParaRPr lang="it-IT"/>
+            </a:p>
+          </p:txBody>
         </p:sp>
         <p:sp>
           <p:nvSpPr>
@@ -1101,6 +1167,13 @@
               <a:schemeClr val="lt1"/>
             </a:fontRef>
           </p:style>
+          <p:txBody>
+            <a:bodyPr/>
+            <a:lstStyle/>
+            <a:p>
+              <a:endParaRPr lang="it-IT"/>
+            </a:p>
+          </p:txBody>
         </p:sp>
       </p:grpSp>
       <p:sp>
@@ -1278,7 +1351,7 @@
           <a:p>
             <a:fld id="{93FDC664-AB37-43A8-9564-44FCBFFDF1D9}" type="datetimeFigureOut">
               <a:rPr lang="it-IT" smtClean="0"/>
-              <a:t>17/09/2025</a:t>
+              <a:t>21/09/2025</a:t>
             </a:fld>
             <a:endParaRPr lang="it-IT"/>
           </a:p>
@@ -1529,7 +1602,7 @@
           <a:p>
             <a:fld id="{93FDC664-AB37-43A8-9564-44FCBFFDF1D9}" type="datetimeFigureOut">
               <a:rPr lang="it-IT" smtClean="0"/>
-              <a:t>17/09/2025</a:t>
+              <a:t>21/09/2025</a:t>
             </a:fld>
             <a:endParaRPr lang="it-IT"/>
           </a:p>
@@ -1843,7 +1916,7 @@
           <a:p>
             <a:fld id="{93FDC664-AB37-43A8-9564-44FCBFFDF1D9}" type="datetimeFigureOut">
               <a:rPr lang="it-IT" smtClean="0"/>
-              <a:t>17/09/2025</a:t>
+              <a:t>21/09/2025</a:t>
             </a:fld>
             <a:endParaRPr lang="it-IT"/>
           </a:p>
@@ -2184,7 +2257,7 @@
           <a:p>
             <a:fld id="{93FDC664-AB37-43A8-9564-44FCBFFDF1D9}" type="datetimeFigureOut">
               <a:rPr lang="it-IT" smtClean="0"/>
-              <a:t>17/09/2025</a:t>
+              <a:t>21/09/2025</a:t>
             </a:fld>
             <a:endParaRPr lang="it-IT"/>
           </a:p>
@@ -2498,7 +2571,7 @@
           <a:p>
             <a:fld id="{93FDC664-AB37-43A8-9564-44FCBFFDF1D9}" type="datetimeFigureOut">
               <a:rPr lang="it-IT" smtClean="0"/>
-              <a:t>17/09/2025</a:t>
+              <a:t>21/09/2025</a:t>
             </a:fld>
             <a:endParaRPr lang="it-IT"/>
           </a:p>
@@ -2891,7 +2964,7 @@
           <a:p>
             <a:fld id="{93FDC664-AB37-43A8-9564-44FCBFFDF1D9}" type="datetimeFigureOut">
               <a:rPr lang="it-IT" smtClean="0"/>
-              <a:t>17/09/2025</a:t>
+              <a:t>21/09/2025</a:t>
             </a:fld>
             <a:endParaRPr lang="it-IT"/>
           </a:p>
@@ -3061,7 +3134,7 @@
           <a:p>
             <a:fld id="{93FDC664-AB37-43A8-9564-44FCBFFDF1D9}" type="datetimeFigureOut">
               <a:rPr lang="it-IT" smtClean="0"/>
-              <a:t>17/09/2025</a:t>
+              <a:t>21/09/2025</a:t>
             </a:fld>
             <a:endParaRPr lang="it-IT"/>
           </a:p>
@@ -3241,7 +3314,7 @@
           <a:p>
             <a:fld id="{93FDC664-AB37-43A8-9564-44FCBFFDF1D9}" type="datetimeFigureOut">
               <a:rPr lang="it-IT" smtClean="0"/>
-              <a:t>17/09/2025</a:t>
+              <a:t>21/09/2025</a:t>
             </a:fld>
             <a:endParaRPr lang="it-IT"/>
           </a:p>
@@ -3417,7 +3490,7 @@
           <a:p>
             <a:fld id="{93FDC664-AB37-43A8-9564-44FCBFFDF1D9}" type="datetimeFigureOut">
               <a:rPr lang="it-IT" smtClean="0"/>
-              <a:t>17/09/2025</a:t>
+              <a:t>21/09/2025</a:t>
             </a:fld>
             <a:endParaRPr lang="it-IT"/>
           </a:p>
@@ -3664,7 +3737,7 @@
           <a:p>
             <a:fld id="{93FDC664-AB37-43A8-9564-44FCBFFDF1D9}" type="datetimeFigureOut">
               <a:rPr lang="it-IT" smtClean="0"/>
-              <a:t>17/09/2025</a:t>
+              <a:t>21/09/2025</a:t>
             </a:fld>
             <a:endParaRPr lang="it-IT"/>
           </a:p>
@@ -3896,7 +3969,7 @@
           <a:p>
             <a:fld id="{93FDC664-AB37-43A8-9564-44FCBFFDF1D9}" type="datetimeFigureOut">
               <a:rPr lang="it-IT" smtClean="0"/>
-              <a:t>17/09/2025</a:t>
+              <a:t>21/09/2025</a:t>
             </a:fld>
             <a:endParaRPr lang="it-IT"/>
           </a:p>
@@ -4270,7 +4343,7 @@
           <a:p>
             <a:fld id="{93FDC664-AB37-43A8-9564-44FCBFFDF1D9}" type="datetimeFigureOut">
               <a:rPr lang="it-IT" smtClean="0"/>
-              <a:t>17/09/2025</a:t>
+              <a:t>21/09/2025</a:t>
             </a:fld>
             <a:endParaRPr lang="it-IT"/>
           </a:p>
@@ -4393,7 +4466,7 @@
           <a:p>
             <a:fld id="{93FDC664-AB37-43A8-9564-44FCBFFDF1D9}" type="datetimeFigureOut">
               <a:rPr lang="it-IT" smtClean="0"/>
-              <a:t>17/09/2025</a:t>
+              <a:t>21/09/2025</a:t>
             </a:fld>
             <a:endParaRPr lang="it-IT"/>
           </a:p>
@@ -4488,7 +4561,7 @@
           <a:p>
             <a:fld id="{93FDC664-AB37-43A8-9564-44FCBFFDF1D9}" type="datetimeFigureOut">
               <a:rPr lang="it-IT" smtClean="0"/>
-              <a:t>17/09/2025</a:t>
+              <a:t>21/09/2025</a:t>
             </a:fld>
             <a:endParaRPr lang="it-IT"/>
           </a:p>
@@ -4743,7 +4816,7 @@
           <a:p>
             <a:fld id="{93FDC664-AB37-43A8-9564-44FCBFFDF1D9}" type="datetimeFigureOut">
               <a:rPr lang="it-IT" smtClean="0"/>
-              <a:t>17/09/2025</a:t>
+              <a:t>21/09/2025</a:t>
             </a:fld>
             <a:endParaRPr lang="it-IT"/>
           </a:p>
@@ -5006,7 +5079,7 @@
           <a:p>
             <a:fld id="{93FDC664-AB37-43A8-9564-44FCBFFDF1D9}" type="datetimeFigureOut">
               <a:rPr lang="it-IT" smtClean="0"/>
-              <a:t>17/09/2025</a:t>
+              <a:t>21/09/2025</a:t>
             </a:fld>
             <a:endParaRPr lang="it-IT"/>
           </a:p>
@@ -5239,6 +5312,13 @@
               <a:schemeClr val="lt1"/>
             </a:fontRef>
           </p:style>
+          <p:txBody>
+            <a:bodyPr/>
+            <a:lstStyle/>
+            <a:p>
+              <a:endParaRPr lang="it-IT"/>
+            </a:p>
+          </p:txBody>
         </p:sp>
         <p:sp>
           <p:nvSpPr>
@@ -5302,6 +5382,13 @@
               <a:schemeClr val="lt1"/>
             </a:fontRef>
           </p:style>
+          <p:txBody>
+            <a:bodyPr/>
+            <a:lstStyle/>
+            <a:p>
+              <a:endParaRPr lang="it-IT"/>
+            </a:p>
+          </p:txBody>
         </p:sp>
         <p:sp>
           <p:nvSpPr>
@@ -5343,6 +5430,13 @@
               <a:schemeClr val="lt1"/>
             </a:fontRef>
           </p:style>
+          <p:txBody>
+            <a:bodyPr/>
+            <a:lstStyle/>
+            <a:p>
+              <a:endParaRPr lang="it-IT"/>
+            </a:p>
+          </p:txBody>
         </p:sp>
         <p:sp>
           <p:nvSpPr>
@@ -5407,6 +5501,13 @@
               <a:schemeClr val="lt1"/>
             </a:fontRef>
           </p:style>
+          <p:txBody>
+            <a:bodyPr/>
+            <a:lstStyle/>
+            <a:p>
+              <a:endParaRPr lang="it-IT"/>
+            </a:p>
+          </p:txBody>
         </p:sp>
         <p:sp>
           <p:nvSpPr>
@@ -5472,6 +5573,13 @@
               <a:schemeClr val="lt1"/>
             </a:fontRef>
           </p:style>
+          <p:txBody>
+            <a:bodyPr/>
+            <a:lstStyle/>
+            <a:p>
+              <a:endParaRPr lang="it-IT"/>
+            </a:p>
+          </p:txBody>
         </p:sp>
         <p:sp>
           <p:nvSpPr>
@@ -5535,6 +5643,13 @@
               <a:schemeClr val="lt1"/>
             </a:fontRef>
           </p:style>
+          <p:txBody>
+            <a:bodyPr/>
+            <a:lstStyle/>
+            <a:p>
+              <a:endParaRPr lang="it-IT"/>
+            </a:p>
+          </p:txBody>
         </p:sp>
         <p:sp>
           <p:nvSpPr>
@@ -5576,6 +5691,13 @@
               <a:schemeClr val="lt1"/>
             </a:fontRef>
           </p:style>
+          <p:txBody>
+            <a:bodyPr/>
+            <a:lstStyle/>
+            <a:p>
+              <a:endParaRPr lang="it-IT"/>
+            </a:p>
+          </p:txBody>
         </p:sp>
         <p:sp>
           <p:nvSpPr>
@@ -5617,6 +5739,13 @@
               <a:schemeClr val="lt1"/>
             </a:fontRef>
           </p:style>
+          <p:txBody>
+            <a:bodyPr/>
+            <a:lstStyle/>
+            <a:p>
+              <a:endParaRPr lang="it-IT"/>
+            </a:p>
+          </p:txBody>
         </p:sp>
       </p:grpSp>
       <p:sp>
@@ -5749,7 +5878,7 @@
           <a:p>
             <a:fld id="{93FDC664-AB37-43A8-9564-44FCBFFDF1D9}" type="datetimeFigureOut">
               <a:rPr lang="it-IT" smtClean="0"/>
-              <a:t>17/09/2025</a:t>
+              <a:t>21/09/2025</a:t>
             </a:fld>
             <a:endParaRPr lang="it-IT"/>
           </a:p>
@@ -6323,6 +6452,12 @@
           <a:lstStyle/>
           <a:p>
             <a:r>
+              <a:rPr lang="it-IT"/>
+              <a:t>Frontini Marco</a:t>
+            </a:r>
+          </a:p>
+          <a:p>
+            <a:r>
               <a:rPr lang="it-IT" dirty="0"/>
               <a:t>Ingegneria del software 2024-2025</a:t>
             </a:r>
@@ -6345,17 +6480,15 @@
 <file path=ppt/slides/slide10.xml><?xml version="1.0" encoding="utf-8"?>
 <p:sld xmlns:a="http://schemas.openxmlformats.org/drawingml/2006/main" xmlns:r="http://schemas.openxmlformats.org/officeDocument/2006/relationships" xmlns:p="http://schemas.openxmlformats.org/presentationml/2006/main">
   <p:cSld>
-    <p:bg>
-      <p:bgPr>
-        <a:solidFill>
-          <a:schemeClr val="bg1"/>
-        </a:solidFill>
-        <a:effectLst/>
-      </p:bgPr>
-    </p:bg>
     <p:spTree>
       <p:nvGrpSpPr>
-        <p:cNvPr id="1" name=""/>
+        <p:cNvPr id="1" name="">
+          <a:extLst>
+            <a:ext uri="{FF2B5EF4-FFF2-40B4-BE49-F238E27FC236}">
+              <a16:creationId xmlns:a16="http://schemas.microsoft.com/office/drawing/2014/main" id="{98008BA0-CCA2-5F60-218F-7AD9F5EFE11A}"/>
+            </a:ext>
+          </a:extLst>
+        </p:cNvPr>
         <p:cNvGrpSpPr/>
         <p:nvPr/>
       </p:nvGrpSpPr>
@@ -6372,7 +6505,7 @@
           <p:cNvPr id="2" name="Titolo 1">
             <a:extLst>
               <a:ext uri="{FF2B5EF4-FFF2-40B4-BE49-F238E27FC236}">
-                <a16:creationId xmlns:a16="http://schemas.microsoft.com/office/drawing/2014/main" id="{412C83A0-4B7C-481C-FBE9-078C46163626}"/>
+                <a16:creationId xmlns:a16="http://schemas.microsoft.com/office/drawing/2014/main" id="{046A808A-0F23-35BF-1316-A28AE5116CDB}"/>
               </a:ext>
             </a:extLst>
           </p:cNvPr>
@@ -6383,31 +6516,25 @@
             <p:ph type="title"/>
           </p:nvPr>
         </p:nvSpPr>
-        <p:spPr>
-          <a:xfrm>
-            <a:off x="677334" y="609600"/>
-            <a:ext cx="8596668" cy="1320800"/>
-          </a:xfrm>
-        </p:spPr>
-        <p:txBody>
-          <a:bodyPr anchor="t">
-            <a:normAutofit/>
-          </a:bodyPr>
+        <p:spPr/>
+        <p:txBody>
+          <a:bodyPr/>
           <a:lstStyle/>
           <a:p>
+            <a:pPr algn="ctr"/>
             <a:r>
               <a:rPr lang="it-IT" dirty="0"/>
-              <a:t>Il progetto</a:t>
+              <a:t>Casi d’Uso</a:t>
             </a:r>
           </a:p>
         </p:txBody>
       </p:sp>
       <p:pic>
         <p:nvPicPr>
-          <p:cNvPr id="5" name="Immagine 4">
+          <p:cNvPr id="8" name="Immagine 7">
             <a:extLst>
               <a:ext uri="{FF2B5EF4-FFF2-40B4-BE49-F238E27FC236}">
-                <a16:creationId xmlns:a16="http://schemas.microsoft.com/office/drawing/2014/main" id="{74093773-4E2A-EE7E-BD19-93F7E2D09C47}"/>
+                <a16:creationId xmlns:a16="http://schemas.microsoft.com/office/drawing/2014/main" id="{B0244782-153A-1250-6784-F2D638AE9859}"/>
               </a:ext>
             </a:extLst>
           </p:cNvPr>
@@ -6424,85 +6551,48 @@
         </p:blipFill>
         <p:spPr>
           <a:xfrm>
-            <a:off x="526221" y="2387249"/>
-            <a:ext cx="3903605" cy="1690298"/>
+            <a:off x="2214612" y="1474127"/>
+            <a:ext cx="5522111" cy="2742273"/>
           </a:xfrm>
           <a:prstGeom prst="rect">
             <a:avLst/>
           </a:prstGeom>
         </p:spPr>
       </p:pic>
-      <p:sp>
-        <p:nvSpPr>
-          <p:cNvPr id="3" name="Segnaposto contenuto 2">
+      <p:pic>
+        <p:nvPicPr>
+          <p:cNvPr id="10" name="Immagine 9">
             <a:extLst>
               <a:ext uri="{FF2B5EF4-FFF2-40B4-BE49-F238E27FC236}">
-                <a16:creationId xmlns:a16="http://schemas.microsoft.com/office/drawing/2014/main" id="{1D663F08-B412-359A-4556-90B269F152E6}"/>
+                <a16:creationId xmlns:a16="http://schemas.microsoft.com/office/drawing/2014/main" id="{B7C1707D-9D12-A402-1C80-363986C7A532}"/>
               </a:ext>
             </a:extLst>
           </p:cNvPr>
-          <p:cNvSpPr>
-            <a:spLocks noGrp="1"/>
-          </p:cNvSpPr>
-          <p:nvPr>
-            <p:ph idx="1"/>
-          </p:nvPr>
-        </p:nvSpPr>
+          <p:cNvPicPr>
+            <a:picLocks noChangeAspect="1"/>
+          </p:cNvPicPr>
+          <p:nvPr/>
+        </p:nvPicPr>
+        <p:blipFill>
+          <a:blip r:embed="rId3"/>
+          <a:stretch>
+            <a:fillRect/>
+          </a:stretch>
+        </p:blipFill>
         <p:spPr>
           <a:xfrm>
-            <a:off x="4829387" y="2160590"/>
-            <a:ext cx="4513837" cy="2038878"/>
+            <a:off x="2214612" y="4446589"/>
+            <a:ext cx="5554401" cy="2171816"/>
           </a:xfrm>
+          <a:prstGeom prst="rect">
+            <a:avLst/>
+          </a:prstGeom>
         </p:spPr>
-        <p:txBody>
-          <a:bodyPr>
-            <a:normAutofit/>
-          </a:bodyPr>
-          <a:lstStyle/>
-          <a:p>
-            <a:r>
-              <a:rPr lang="it-IT" sz="1500" dirty="0"/>
-              <a:t>Sistema di gestione degli esami</a:t>
-            </a:r>
-          </a:p>
-          <a:p>
-            <a:pPr lvl="1"/>
-            <a:r>
-              <a:rPr lang="it-IT" sz="1300" dirty="0"/>
-              <a:t>Creazione</a:t>
-            </a:r>
-          </a:p>
-          <a:p>
-            <a:pPr lvl="1"/>
-            <a:r>
-              <a:rPr lang="it-IT" sz="1300" dirty="0"/>
-              <a:t>Visualizzazione</a:t>
-            </a:r>
-          </a:p>
-          <a:p>
-            <a:pPr lvl="1"/>
-            <a:r>
-              <a:rPr lang="it-IT" sz="1300" dirty="0"/>
-              <a:t>Modifica</a:t>
-            </a:r>
-          </a:p>
-          <a:p>
-            <a:pPr lvl="1"/>
-            <a:r>
-              <a:rPr lang="it-IT" sz="1300" dirty="0"/>
-              <a:t>Salvataggio in PDF</a:t>
-            </a:r>
-          </a:p>
-          <a:p>
-            <a:pPr lvl="1"/>
-            <a:endParaRPr lang="it-IT" sz="1500" dirty="0"/>
-          </a:p>
-        </p:txBody>
-      </p:sp>
+      </p:pic>
     </p:spTree>
     <p:extLst>
       <p:ext uri="{BB962C8B-B14F-4D97-AF65-F5344CB8AC3E}">
-        <p14:creationId xmlns:p14="http://schemas.microsoft.com/office/powerpoint/2010/main" val="3231177296"/>
+        <p14:creationId xmlns:p14="http://schemas.microsoft.com/office/powerpoint/2010/main" val="4140333885"/>
       </p:ext>
     </p:extLst>
   </p:cSld>
@@ -6515,17 +6605,15 @@
 <file path=ppt/slides/slide11.xml><?xml version="1.0" encoding="utf-8"?>
 <p:sld xmlns:a="http://schemas.openxmlformats.org/drawingml/2006/main" xmlns:r="http://schemas.openxmlformats.org/officeDocument/2006/relationships" xmlns:p="http://schemas.openxmlformats.org/presentationml/2006/main">
   <p:cSld>
-    <p:bg>
-      <p:bgPr>
-        <a:solidFill>
-          <a:schemeClr val="bg1"/>
-        </a:solidFill>
-        <a:effectLst/>
-      </p:bgPr>
-    </p:bg>
     <p:spTree>
       <p:nvGrpSpPr>
-        <p:cNvPr id="1" name=""/>
+        <p:cNvPr id="1" name="">
+          <a:extLst>
+            <a:ext uri="{FF2B5EF4-FFF2-40B4-BE49-F238E27FC236}">
+              <a16:creationId xmlns:a16="http://schemas.microsoft.com/office/drawing/2014/main" id="{71BC19F3-9AEE-FB64-A746-837B696F156B}"/>
+            </a:ext>
+          </a:extLst>
+        </p:cNvPr>
         <p:cNvGrpSpPr/>
         <p:nvPr/>
       </p:nvGrpSpPr>
@@ -6542,7 +6630,7 @@
           <p:cNvPr id="2" name="Titolo 1">
             <a:extLst>
               <a:ext uri="{FF2B5EF4-FFF2-40B4-BE49-F238E27FC236}">
-                <a16:creationId xmlns:a16="http://schemas.microsoft.com/office/drawing/2014/main" id="{D07FD741-6797-BA40-AF69-A2A6774715C3}"/>
+                <a16:creationId xmlns:a16="http://schemas.microsoft.com/office/drawing/2014/main" id="{E088315D-F16F-762B-3BEE-8628259167AD}"/>
               </a:ext>
             </a:extLst>
           </p:cNvPr>
@@ -6553,94 +6641,57 @@
             <p:ph type="title"/>
           </p:nvPr>
         </p:nvSpPr>
-        <p:spPr>
-          <a:xfrm>
-            <a:off x="676746" y="609600"/>
-            <a:ext cx="3729076" cy="1320800"/>
-          </a:xfrm>
-        </p:spPr>
-        <p:txBody>
-          <a:bodyPr anchor="ctr">
-            <a:normAutofit/>
-          </a:bodyPr>
+        <p:spPr/>
+        <p:txBody>
+          <a:bodyPr/>
           <a:lstStyle/>
           <a:p>
+            <a:pPr algn="ctr"/>
             <a:r>
               <a:rPr lang="it-IT" dirty="0"/>
-              <a:t>Il progetto</a:t>
-            </a:r>
-          </a:p>
-        </p:txBody>
-      </p:sp>
-      <p:sp>
-        <p:nvSpPr>
-          <p:cNvPr id="3" name="Segnaposto contenuto 2">
+              <a:t>Casi d’Uso</a:t>
+            </a:r>
+          </a:p>
+        </p:txBody>
+      </p:sp>
+      <p:pic>
+        <p:nvPicPr>
+          <p:cNvPr id="8" name="Segnaposto contenuto 7">
             <a:extLst>
               <a:ext uri="{FF2B5EF4-FFF2-40B4-BE49-F238E27FC236}">
-                <a16:creationId xmlns:a16="http://schemas.microsoft.com/office/drawing/2014/main" id="{30CC58AD-7E0C-AED9-D57E-E2C4D1C2B500}"/>
+                <a16:creationId xmlns:a16="http://schemas.microsoft.com/office/drawing/2014/main" id="{24C3F57D-11B0-E006-8D0A-82805C46DFD7}"/>
               </a:ext>
             </a:extLst>
           </p:cNvPr>
-          <p:cNvSpPr>
-            <a:spLocks noGrp="1"/>
-          </p:cNvSpPr>
+          <p:cNvPicPr>
+            <a:picLocks noGrp="1" noChangeAspect="1"/>
+          </p:cNvPicPr>
           <p:nvPr>
             <p:ph idx="1"/>
           </p:nvPr>
-        </p:nvSpPr>
+        </p:nvPicPr>
+        <p:blipFill>
+          <a:blip r:embed="rId2"/>
+          <a:stretch>
+            <a:fillRect/>
+          </a:stretch>
+        </p:blipFill>
         <p:spPr>
           <a:xfrm>
-            <a:off x="685167" y="2160589"/>
-            <a:ext cx="3720916" cy="3560733"/>
+            <a:off x="2779847" y="1270000"/>
+            <a:ext cx="4391641" cy="1908378"/>
           </a:xfrm>
+          <a:prstGeom prst="rect">
+            <a:avLst/>
+          </a:prstGeom>
         </p:spPr>
-        <p:txBody>
-          <a:bodyPr>
-            <a:normAutofit/>
-          </a:bodyPr>
-          <a:lstStyle/>
-          <a:p>
-            <a:r>
-              <a:rPr lang="it-IT" dirty="0"/>
-              <a:t>Sistema Editor di esami</a:t>
-            </a:r>
-          </a:p>
-          <a:p>
-            <a:pPr lvl="1"/>
-            <a:r>
-              <a:rPr lang="it-IT" dirty="0"/>
-              <a:t>Creazione/Modifica degli esami</a:t>
-            </a:r>
-          </a:p>
-          <a:p>
-            <a:pPr lvl="1"/>
-            <a:r>
-              <a:rPr lang="it-IT" dirty="0"/>
-              <a:t>Creazione di sezioni</a:t>
-            </a:r>
-          </a:p>
-          <a:p>
-            <a:pPr lvl="1"/>
-            <a:r>
-              <a:rPr lang="it-IT" dirty="0"/>
-              <a:t>Selezione degli esercizi</a:t>
-            </a:r>
-          </a:p>
-          <a:p>
-            <a:pPr lvl="1"/>
-            <a:r>
-              <a:rPr lang="it-IT" dirty="0"/>
-              <a:t>Riordino esercizi e sezioni</a:t>
-            </a:r>
-          </a:p>
-        </p:txBody>
-      </p:sp>
+      </p:pic>
       <p:pic>
         <p:nvPicPr>
-          <p:cNvPr id="5" name="Immagine 4">
+          <p:cNvPr id="10" name="Immagine 9">
             <a:extLst>
               <a:ext uri="{FF2B5EF4-FFF2-40B4-BE49-F238E27FC236}">
-                <a16:creationId xmlns:a16="http://schemas.microsoft.com/office/drawing/2014/main" id="{2DA525FB-E318-C258-9E45-58D951853AC9}"/>
+                <a16:creationId xmlns:a16="http://schemas.microsoft.com/office/drawing/2014/main" id="{DAD5B913-A93C-2410-BD4A-F167F7723A49}"/>
               </a:ext>
             </a:extLst>
           </p:cNvPr>
@@ -6650,15 +6701,15 @@
           <p:nvPr/>
         </p:nvPicPr>
         <p:blipFill>
-          <a:blip r:embed="rId2"/>
+          <a:blip r:embed="rId3"/>
           <a:stretch>
             <a:fillRect/>
           </a:stretch>
         </p:blipFill>
         <p:spPr>
           <a:xfrm>
-            <a:off x="4654035" y="1772896"/>
-            <a:ext cx="4602747" cy="2807675"/>
+            <a:off x="2829039" y="3251200"/>
+            <a:ext cx="4293256" cy="3606800"/>
           </a:xfrm>
           <a:prstGeom prst="rect">
             <a:avLst/>
@@ -6668,7 +6719,7 @@
     </p:spTree>
     <p:extLst>
       <p:ext uri="{BB962C8B-B14F-4D97-AF65-F5344CB8AC3E}">
-        <p14:creationId xmlns:p14="http://schemas.microsoft.com/office/powerpoint/2010/main" val="744588470"/>
+        <p14:creationId xmlns:p14="http://schemas.microsoft.com/office/powerpoint/2010/main" val="2865963921"/>
       </p:ext>
     </p:extLst>
   </p:cSld>
@@ -6683,7 +6734,13 @@
   <p:cSld>
     <p:spTree>
       <p:nvGrpSpPr>
-        <p:cNvPr id="1" name=""/>
+        <p:cNvPr id="1" name="">
+          <a:extLst>
+            <a:ext uri="{FF2B5EF4-FFF2-40B4-BE49-F238E27FC236}">
+              <a16:creationId xmlns:a16="http://schemas.microsoft.com/office/drawing/2014/main" id="{D5FA99B1-2D5D-3D12-E5C4-9FF1E75DB737}"/>
+            </a:ext>
+          </a:extLst>
+        </p:cNvPr>
         <p:cNvGrpSpPr/>
         <p:nvPr/>
       </p:nvGrpSpPr>
@@ -6700,7 +6757,7 @@
           <p:cNvPr id="2" name="Titolo 1">
             <a:extLst>
               <a:ext uri="{FF2B5EF4-FFF2-40B4-BE49-F238E27FC236}">
-                <a16:creationId xmlns:a16="http://schemas.microsoft.com/office/drawing/2014/main" id="{82567EF0-26AB-E5AA-FDDC-8654EE34F302}"/>
+                <a16:creationId xmlns:a16="http://schemas.microsoft.com/office/drawing/2014/main" id="{DEDBC98C-64C5-EAF5-249C-8E2B1E884F83}"/>
               </a:ext>
             </a:extLst>
           </p:cNvPr>
@@ -6716,44 +6773,52 @@
           <a:bodyPr/>
           <a:lstStyle/>
           <a:p>
+            <a:pPr algn="ctr"/>
             <a:r>
               <a:rPr lang="it-IT" dirty="0"/>
-              <a:t>Test Case del progetto</a:t>
-            </a:r>
-          </a:p>
-        </p:txBody>
-      </p:sp>
-      <p:sp>
-        <p:nvSpPr>
-          <p:cNvPr id="3" name="Segnaposto contenuto 2">
+              <a:t>Casi d’Uso</a:t>
+            </a:r>
+          </a:p>
+        </p:txBody>
+      </p:sp>
+      <p:pic>
+        <p:nvPicPr>
+          <p:cNvPr id="8" name="Segnaposto contenuto 7">
             <a:extLst>
               <a:ext uri="{FF2B5EF4-FFF2-40B4-BE49-F238E27FC236}">
-                <a16:creationId xmlns:a16="http://schemas.microsoft.com/office/drawing/2014/main" id="{FFF5C281-F526-1D4F-1B69-DA7F3A2EC133}"/>
+                <a16:creationId xmlns:a16="http://schemas.microsoft.com/office/drawing/2014/main" id="{74CBBF05-A4FC-BFFA-BD80-1AFC44DE5798}"/>
               </a:ext>
             </a:extLst>
           </p:cNvPr>
-          <p:cNvSpPr>
-            <a:spLocks noGrp="1"/>
-          </p:cNvSpPr>
+          <p:cNvPicPr>
+            <a:picLocks noGrp="1" noChangeAspect="1"/>
+          </p:cNvPicPr>
           <p:nvPr>
             <p:ph idx="1"/>
           </p:nvPr>
-        </p:nvSpPr>
-        <p:spPr/>
-        <p:txBody>
-          <a:bodyPr/>
-          <a:lstStyle/>
-          <a:p>
-            <a:endParaRPr lang="it-IT" dirty="0"/>
-          </a:p>
-        </p:txBody>
-      </p:sp>
+        </p:nvPicPr>
+        <p:blipFill>
+          <a:blip r:embed="rId2"/>
+          <a:stretch>
+            <a:fillRect/>
+          </a:stretch>
+        </p:blipFill>
+        <p:spPr>
+          <a:xfrm>
+            <a:off x="2372017" y="1270000"/>
+            <a:ext cx="5207302" cy="2771628"/>
+          </a:xfrm>
+          <a:prstGeom prst="rect">
+            <a:avLst/>
+          </a:prstGeom>
+        </p:spPr>
+      </p:pic>
       <p:pic>
         <p:nvPicPr>
-          <p:cNvPr id="5" name="Immagine 4">
+          <p:cNvPr id="10" name="Immagine 9">
             <a:extLst>
               <a:ext uri="{FF2B5EF4-FFF2-40B4-BE49-F238E27FC236}">
-                <a16:creationId xmlns:a16="http://schemas.microsoft.com/office/drawing/2014/main" id="{9ADA79DA-8CCC-75A7-B73D-DC09138E5333}"/>
+                <a16:creationId xmlns:a16="http://schemas.microsoft.com/office/drawing/2014/main" id="{4830ADF5-2B85-B934-CD96-2C76B44DD46B}"/>
               </a:ext>
             </a:extLst>
           </p:cNvPr>
@@ -6763,15 +6828,15 @@
           <p:nvPr/>
         </p:nvPicPr>
         <p:blipFill>
-          <a:blip r:embed="rId2"/>
+          <a:blip r:embed="rId3"/>
           <a:stretch>
             <a:fillRect/>
           </a:stretch>
         </p:blipFill>
         <p:spPr>
           <a:xfrm>
-            <a:off x="506412" y="1849120"/>
-            <a:ext cx="8938512" cy="4110962"/>
+            <a:off x="2372018" y="4232119"/>
+            <a:ext cx="5207302" cy="2068942"/>
           </a:xfrm>
           <a:prstGeom prst="rect">
             <a:avLst/>
@@ -6781,7 +6846,7 @@
     </p:spTree>
     <p:extLst>
       <p:ext uri="{BB962C8B-B14F-4D97-AF65-F5344CB8AC3E}">
-        <p14:creationId xmlns:p14="http://schemas.microsoft.com/office/powerpoint/2010/main" val="2799677219"/>
+        <p14:creationId xmlns:p14="http://schemas.microsoft.com/office/powerpoint/2010/main" val="94467981"/>
       </p:ext>
     </p:extLst>
   </p:cSld>
@@ -6794,17 +6859,15 @@
 <file path=ppt/slides/slide13.xml><?xml version="1.0" encoding="utf-8"?>
 <p:sld xmlns:a="http://schemas.openxmlformats.org/drawingml/2006/main" xmlns:r="http://schemas.openxmlformats.org/officeDocument/2006/relationships" xmlns:p="http://schemas.openxmlformats.org/presentationml/2006/main">
   <p:cSld>
-    <p:bg>
-      <p:bgPr>
-        <a:solidFill>
-          <a:schemeClr val="bg1"/>
-        </a:solidFill>
-        <a:effectLst/>
-      </p:bgPr>
-    </p:bg>
     <p:spTree>
       <p:nvGrpSpPr>
-        <p:cNvPr id="1" name=""/>
+        <p:cNvPr id="1" name="">
+          <a:extLst>
+            <a:ext uri="{FF2B5EF4-FFF2-40B4-BE49-F238E27FC236}">
+              <a16:creationId xmlns:a16="http://schemas.microsoft.com/office/drawing/2014/main" id="{7EC43D92-2967-1C2D-240B-F84561221BA7}"/>
+            </a:ext>
+          </a:extLst>
+        </p:cNvPr>
         <p:cNvGrpSpPr/>
         <p:nvPr/>
       </p:nvGrpSpPr>
@@ -6816,131 +6879,71 @@
           <a:chExt cx="0" cy="0"/>
         </a:xfrm>
       </p:grpSpPr>
-      <p:cxnSp>
-        <p:nvCxnSpPr>
-          <p:cNvPr id="8" name="Straight Connector 7">
+      <p:sp>
+        <p:nvSpPr>
+          <p:cNvPr id="2" name="Titolo 1">
             <a:extLst>
               <a:ext uri="{FF2B5EF4-FFF2-40B4-BE49-F238E27FC236}">
-                <a16:creationId xmlns:a16="http://schemas.microsoft.com/office/drawing/2014/main" id="{0B5F7E3B-C5F1-40E0-A491-558BAFBC1127}"/>
-              </a:ext>
-              <a:ext uri="{C183D7F6-B498-43B3-948B-1728B52AA6E4}">
-                <adec:decorative xmlns:adec="http://schemas.microsoft.com/office/drawing/2017/decorative" val="1"/>
+                <a16:creationId xmlns:a16="http://schemas.microsoft.com/office/drawing/2014/main" id="{7C993310-AA2F-7F98-E124-2BBAFF609E38}"/>
               </a:ext>
             </a:extLst>
           </p:cNvPr>
-          <p:cNvCxnSpPr>
-            <a:cxnSpLocks noGrp="1" noRot="1" noChangeAspect="1" noMove="1" noResize="1" noEditPoints="1" noAdjustHandles="1" noChangeArrowheads="1" noChangeShapeType="1"/>
-          </p:cNvCxnSpPr>
-          <p:nvPr>
-            <p:extLst>
-              <p:ext uri="{386F3935-93C4-4BCD-93E2-E3B085C9AB24}">
-                <p16:designElem xmlns:p16="http://schemas.microsoft.com/office/powerpoint/2015/main" val="1"/>
-              </p:ext>
-            </p:extLst>
-          </p:nvPr>
-        </p:nvCxnSpPr>
+          <p:cNvSpPr>
+            <a:spLocks noGrp="1"/>
+          </p:cNvSpPr>
+          <p:nvPr>
+            <p:ph type="title"/>
+          </p:nvPr>
+        </p:nvSpPr>
+        <p:spPr/>
+        <p:txBody>
+          <a:bodyPr/>
+          <a:lstStyle/>
+          <a:p>
+            <a:pPr algn="ctr"/>
+            <a:r>
+              <a:rPr lang="it-IT" dirty="0"/>
+              <a:t>Casi d’Uso</a:t>
+            </a:r>
+          </a:p>
+        </p:txBody>
+      </p:sp>
+      <p:pic>
+        <p:nvPicPr>
+          <p:cNvPr id="8" name="Segnaposto contenuto 7">
+            <a:extLst>
+              <a:ext uri="{FF2B5EF4-FFF2-40B4-BE49-F238E27FC236}">
+                <a16:creationId xmlns:a16="http://schemas.microsoft.com/office/drawing/2014/main" id="{CF227E8F-32E0-CE87-17F4-6A498C2F0400}"/>
+              </a:ext>
+            </a:extLst>
+          </p:cNvPr>
+          <p:cNvPicPr>
+            <a:picLocks noGrp="1" noChangeAspect="1"/>
+          </p:cNvPicPr>
+          <p:nvPr>
+            <p:ph idx="1"/>
+          </p:nvPr>
+        </p:nvPicPr>
+        <p:blipFill>
+          <a:blip r:embed="rId2"/>
+          <a:stretch>
+            <a:fillRect/>
+          </a:stretch>
+        </p:blipFill>
         <p:spPr>
           <a:xfrm>
-            <a:off x="4241804" y="1460500"/>
-            <a:ext cx="0" cy="3937000"/>
+            <a:off x="1422347" y="1930400"/>
+            <a:ext cx="7106642" cy="3067478"/>
           </a:xfrm>
-          <a:prstGeom prst="line">
+          <a:prstGeom prst="rect">
             <a:avLst/>
           </a:prstGeom>
         </p:spPr>
-        <p:style>
-          <a:lnRef idx="1">
-            <a:schemeClr val="accent1"/>
-          </a:lnRef>
-          <a:fillRef idx="0">
-            <a:schemeClr val="accent1"/>
-          </a:fillRef>
-          <a:effectRef idx="0">
-            <a:schemeClr val="accent1"/>
-          </a:effectRef>
-          <a:fontRef idx="minor">
-            <a:schemeClr val="tx1"/>
-          </a:fontRef>
-        </p:style>
-      </p:cxnSp>
-      <p:sp>
-        <p:nvSpPr>
-          <p:cNvPr id="2" name="Titolo 1">
-            <a:extLst>
-              <a:ext uri="{FF2B5EF4-FFF2-40B4-BE49-F238E27FC236}">
-                <a16:creationId xmlns:a16="http://schemas.microsoft.com/office/drawing/2014/main" id="{0411A8DE-CDEB-1D0D-99C6-6B9B3AE11647}"/>
-              </a:ext>
-            </a:extLst>
-          </p:cNvPr>
-          <p:cNvSpPr>
-            <a:spLocks noGrp="1"/>
-          </p:cNvSpPr>
-          <p:nvPr>
-            <p:ph type="title"/>
-          </p:nvPr>
-        </p:nvSpPr>
-        <p:spPr>
-          <a:xfrm>
-            <a:off x="643467" y="816638"/>
-            <a:ext cx="3367359" cy="5224724"/>
-          </a:xfrm>
-        </p:spPr>
-        <p:txBody>
-          <a:bodyPr anchor="ctr">
-            <a:normAutofit/>
-          </a:bodyPr>
-          <a:lstStyle/>
-          <a:p>
-            <a:r>
-              <a:rPr lang="it-IT" dirty="0"/>
-              <a:t>REQUISITI NON SODDISFATTI</a:t>
-            </a:r>
-            <a:br>
-              <a:rPr lang="it-IT" dirty="0"/>
-            </a:br>
-            <a:endParaRPr lang="it-IT" dirty="0"/>
-          </a:p>
-        </p:txBody>
-      </p:sp>
-      <p:sp>
-        <p:nvSpPr>
-          <p:cNvPr id="3" name="Segnaposto contenuto 2">
-            <a:extLst>
-              <a:ext uri="{FF2B5EF4-FFF2-40B4-BE49-F238E27FC236}">
-                <a16:creationId xmlns:a16="http://schemas.microsoft.com/office/drawing/2014/main" id="{CC97ABC7-B13B-54FB-A5DB-00EB86AE5A85}"/>
-              </a:ext>
-            </a:extLst>
-          </p:cNvPr>
-          <p:cNvSpPr>
-            <a:spLocks noGrp="1"/>
-          </p:cNvSpPr>
-          <p:nvPr>
-            <p:ph idx="1"/>
-          </p:nvPr>
-        </p:nvSpPr>
-        <p:spPr>
-          <a:xfrm>
-            <a:off x="4654295" y="816638"/>
-            <a:ext cx="4619706" cy="5224724"/>
-          </a:xfrm>
-        </p:spPr>
-        <p:txBody>
-          <a:bodyPr anchor="ctr">
-            <a:normAutofit/>
-          </a:bodyPr>
-          <a:lstStyle/>
-          <a:p>
-            <a:r>
-              <a:rPr lang="it-IT" dirty="0"/>
-              <a:t>Salvataggio degli esami in PDF</a:t>
-            </a:r>
-          </a:p>
-        </p:txBody>
-      </p:sp>
+      </p:pic>
     </p:spTree>
     <p:extLst>
       <p:ext uri="{BB962C8B-B14F-4D97-AF65-F5344CB8AC3E}">
-        <p14:creationId xmlns:p14="http://schemas.microsoft.com/office/powerpoint/2010/main" val="3732228088"/>
+        <p14:creationId xmlns:p14="http://schemas.microsoft.com/office/powerpoint/2010/main" val="3484413769"/>
       </p:ext>
     </p:extLst>
   </p:cSld>
@@ -6975,12 +6978,178 @@
           <a:chExt cx="0" cy="0"/>
         </a:xfrm>
       </p:grpSpPr>
+      <p:sp>
+        <p:nvSpPr>
+          <p:cNvPr id="2" name="Titolo 1">
+            <a:extLst>
+              <a:ext uri="{FF2B5EF4-FFF2-40B4-BE49-F238E27FC236}">
+                <a16:creationId xmlns:a16="http://schemas.microsoft.com/office/drawing/2014/main" id="{D1E95E00-E6FB-C034-33FA-F0C28F40A278}"/>
+              </a:ext>
+            </a:extLst>
+          </p:cNvPr>
+          <p:cNvSpPr>
+            <a:spLocks noGrp="1"/>
+          </p:cNvSpPr>
+          <p:nvPr>
+            <p:ph type="title"/>
+          </p:nvPr>
+        </p:nvSpPr>
+        <p:spPr>
+          <a:xfrm>
+            <a:off x="6090445" y="609600"/>
+            <a:ext cx="3183556" cy="1320800"/>
+          </a:xfrm>
+        </p:spPr>
+        <p:txBody>
+          <a:bodyPr anchor="ctr">
+            <a:normAutofit/>
+          </a:bodyPr>
+          <a:lstStyle/>
+          <a:p>
+            <a:r>
+              <a:rPr lang="it-IT"/>
+              <a:t>Diagramma di attività</a:t>
+            </a:r>
+            <a:endParaRPr lang="it-IT" dirty="0"/>
+          </a:p>
+        </p:txBody>
+      </p:sp>
+      <p:sp>
+        <p:nvSpPr>
+          <p:cNvPr id="9" name="Content Placeholder 8">
+            <a:extLst>
+              <a:ext uri="{FF2B5EF4-FFF2-40B4-BE49-F238E27FC236}">
+                <a16:creationId xmlns:a16="http://schemas.microsoft.com/office/drawing/2014/main" id="{E15B2A24-62AB-B0E1-BC6D-003AADC1F1E5}"/>
+              </a:ext>
+            </a:extLst>
+          </p:cNvPr>
+          <p:cNvSpPr>
+            <a:spLocks noGrp="1"/>
+          </p:cNvSpPr>
+          <p:nvPr>
+            <p:ph idx="1"/>
+          </p:nvPr>
+        </p:nvSpPr>
+        <p:spPr>
+          <a:xfrm>
+            <a:off x="6094410" y="2160589"/>
+            <a:ext cx="3176589" cy="3880773"/>
+          </a:xfrm>
+        </p:spPr>
+        <p:txBody>
+          <a:bodyPr>
+            <a:normAutofit lnSpcReduction="10000"/>
+          </a:bodyPr>
+          <a:lstStyle/>
+          <a:p>
+            <a:r>
+              <a:rPr lang="it-IT" dirty="0"/>
+              <a:t>Descrivere il flusso di controllo e di informazioni dei processi.</a:t>
+            </a:r>
+          </a:p>
+          <a:p>
+            <a:r>
+              <a:rPr lang="it-IT" dirty="0"/>
+              <a:t>Possono essere usati per descrivere algoritmi o implementazioni di operazioni</a:t>
+            </a:r>
+          </a:p>
+          <a:p>
+            <a:r>
+              <a:rPr lang="it-IT" dirty="0"/>
+              <a:t>Possono descrivere attività svolte da entità differenti, raggruppandole graficamente in gruppi (</a:t>
+            </a:r>
+            <a:r>
+              <a:rPr lang="it-IT" dirty="0" err="1"/>
+              <a:t>Swimlane</a:t>
+            </a:r>
+            <a:r>
+              <a:rPr lang="it-IT" dirty="0"/>
+              <a:t>)</a:t>
+            </a:r>
+            <a:endParaRPr lang="en-US" dirty="0"/>
+          </a:p>
+        </p:txBody>
+      </p:sp>
+      <p:pic>
+        <p:nvPicPr>
+          <p:cNvPr id="5" name="Segnaposto contenuto 4" descr="Immagine che contiene diagramma, testo, Piano, Disegno tecnico&#10;&#10;Il contenuto generato dall'IA potrebbe non essere corretto.">
+            <a:extLst>
+              <a:ext uri="{FF2B5EF4-FFF2-40B4-BE49-F238E27FC236}">
+                <a16:creationId xmlns:a16="http://schemas.microsoft.com/office/drawing/2014/main" id="{CB770276-673B-2D57-8AAC-1F5AC5A77189}"/>
+              </a:ext>
+            </a:extLst>
+          </p:cNvPr>
+          <p:cNvPicPr>
+            <a:picLocks noChangeAspect="1"/>
+          </p:cNvPicPr>
+          <p:nvPr/>
+        </p:nvPicPr>
+        <p:blipFill>
+          <a:blip r:embed="rId2">
+            <a:extLst>
+              <a:ext uri="{28A0092B-C50C-407E-A947-70E740481C1C}">
+                <a14:useLocalDpi xmlns:a14="http://schemas.microsoft.com/office/drawing/2010/main" val="0"/>
+              </a:ext>
+            </a:extLst>
+          </a:blip>
+          <a:stretch>
+            <a:fillRect/>
+          </a:stretch>
+        </p:blipFill>
+        <p:spPr>
+          <a:xfrm>
+            <a:off x="711200" y="670003"/>
+            <a:ext cx="5076552" cy="5517993"/>
+          </a:xfrm>
+          <a:prstGeom prst="rect">
+            <a:avLst/>
+          </a:prstGeom>
+        </p:spPr>
+      </p:pic>
+    </p:spTree>
+    <p:extLst>
+      <p:ext uri="{BB962C8B-B14F-4D97-AF65-F5344CB8AC3E}">
+        <p14:creationId xmlns:p14="http://schemas.microsoft.com/office/powerpoint/2010/main" val="3382054069"/>
+      </p:ext>
+    </p:extLst>
+  </p:cSld>
+  <p:clrMapOvr>
+    <a:masterClrMapping/>
+  </p:clrMapOvr>
+</p:sld>
+</file>
+
+<file path=ppt/slides/slide15.xml><?xml version="1.0" encoding="utf-8"?>
+<p:sld xmlns:a="http://schemas.openxmlformats.org/drawingml/2006/main" xmlns:r="http://schemas.openxmlformats.org/officeDocument/2006/relationships" xmlns:p="http://schemas.openxmlformats.org/presentationml/2006/main">
+  <p:cSld>
+    <p:bg>
+      <p:bgPr>
+        <a:solidFill>
+          <a:schemeClr val="bg1"/>
+        </a:solidFill>
+        <a:effectLst/>
+      </p:bgPr>
+    </p:bg>
+    <p:spTree>
+      <p:nvGrpSpPr>
+        <p:cNvPr id="1" name=""/>
+        <p:cNvGrpSpPr/>
+        <p:nvPr/>
+      </p:nvGrpSpPr>
+      <p:grpSpPr>
+        <a:xfrm>
+          <a:off x="0" y="0"/>
+          <a:ext cx="0" cy="0"/>
+          <a:chOff x="0" y="0"/>
+          <a:chExt cx="0" cy="0"/>
+        </a:xfrm>
+      </p:grpSpPr>
       <p:grpSp>
         <p:nvGrpSpPr>
-          <p:cNvPr id="8" name="Group 7">
+          <p:cNvPr id="10" name="Group 9">
             <a:extLst>
               <a:ext uri="{FF2B5EF4-FFF2-40B4-BE49-F238E27FC236}">
-                <a16:creationId xmlns:a16="http://schemas.microsoft.com/office/drawing/2014/main" id="{28460BD8-AE3F-4AC9-9D0B-717052AA5D3A}"/>
+                <a16:creationId xmlns:a16="http://schemas.microsoft.com/office/drawing/2014/main" id="{B4DE830A-B531-4A3B-96F6-0ECE88B08555}"/>
               </a:ext>
               <a:ext uri="{C183D7F6-B498-43B3-948B-1728B52AA6E4}">
                 <adec:decorative xmlns:adec="http://schemas.microsoft.com/office/drawing/2017/decorative" val="1"/>
@@ -7008,10 +7177,10 @@
         </p:grpSpPr>
         <p:cxnSp>
           <p:nvCxnSpPr>
-            <p:cNvPr id="9" name="Straight Connector 8">
+            <p:cNvPr id="11" name="Straight Connector 10">
               <a:extLst>
                 <a:ext uri="{FF2B5EF4-FFF2-40B4-BE49-F238E27FC236}">
-                  <a16:creationId xmlns:a16="http://schemas.microsoft.com/office/drawing/2014/main" id="{54420CFE-F482-466E-9E1E-C78513C0B85D}"/>
+                  <a16:creationId xmlns:a16="http://schemas.microsoft.com/office/drawing/2014/main" id="{2813DF2C-461A-4A8F-9679-A172790D1F3A}"/>
                 </a:ext>
                 <a:ext uri="{C183D7F6-B498-43B3-948B-1728B52AA6E4}">
                   <adec:decorative xmlns:adec="http://schemas.microsoft.com/office/drawing/2017/decorative" val="1"/>
@@ -7060,10 +7229,10 @@
         </p:cxnSp>
         <p:cxnSp>
           <p:nvCxnSpPr>
-            <p:cNvPr id="10" name="Straight Connector 9">
+            <p:cNvPr id="12" name="Straight Connector 11">
               <a:extLst>
                 <a:ext uri="{FF2B5EF4-FFF2-40B4-BE49-F238E27FC236}">
-                  <a16:creationId xmlns:a16="http://schemas.microsoft.com/office/drawing/2014/main" id="{5331032B-BD21-4BDA-920C-12E358052567}"/>
+                  <a16:creationId xmlns:a16="http://schemas.microsoft.com/office/drawing/2014/main" id="{54CD3A85-C039-4249-86E4-1EB9318B5495}"/>
                 </a:ext>
                 <a:ext uri="{C183D7F6-B498-43B3-948B-1728B52AA6E4}">
                   <adec:decorative xmlns:adec="http://schemas.microsoft.com/office/drawing/2017/decorative" val="1"/>
@@ -7112,10 +7281,10 @@
         </p:cxnSp>
         <p:sp>
           <p:nvSpPr>
-            <p:cNvPr id="11" name="Rectangle 23">
+            <p:cNvPr id="13" name="Rectangle 23">
               <a:extLst>
                 <a:ext uri="{FF2B5EF4-FFF2-40B4-BE49-F238E27FC236}">
-                  <a16:creationId xmlns:a16="http://schemas.microsoft.com/office/drawing/2014/main" id="{E7514DA3-59E7-409E-8A3B-AD097F6E5644}"/>
+                  <a16:creationId xmlns:a16="http://schemas.microsoft.com/office/drawing/2014/main" id="{887EA6D2-2883-42C2-993D-094CA6D65DA3}"/>
                 </a:ext>
                 <a:ext uri="{C183D7F6-B498-43B3-948B-1728B52AA6E4}">
                   <adec:decorative xmlns:adec="http://schemas.microsoft.com/office/drawing/2017/decorative" val="1"/>
@@ -7197,10 +7366,10 @@
         </p:sp>
         <p:sp>
           <p:nvSpPr>
-            <p:cNvPr id="12" name="Rectangle 25">
+            <p:cNvPr id="14" name="Rectangle 25">
               <a:extLst>
                 <a:ext uri="{FF2B5EF4-FFF2-40B4-BE49-F238E27FC236}">
-                  <a16:creationId xmlns:a16="http://schemas.microsoft.com/office/drawing/2014/main" id="{57B9A2A6-3BE4-4599-9364-F71C5BFD61F8}"/>
+                  <a16:creationId xmlns:a16="http://schemas.microsoft.com/office/drawing/2014/main" id="{3B895046-636F-4D1B-ACA4-29AA0CB3329F}"/>
                 </a:ext>
                 <a:ext uri="{C183D7F6-B498-43B3-948B-1728B52AA6E4}">
                   <adec:decorative xmlns:adec="http://schemas.microsoft.com/office/drawing/2017/decorative" val="1"/>
@@ -7282,10 +7451,10 @@
         </p:sp>
         <p:sp>
           <p:nvSpPr>
-            <p:cNvPr id="13" name="Isosceles Triangle 12">
+            <p:cNvPr id="15" name="Isosceles Triangle 14">
               <a:extLst>
                 <a:ext uri="{FF2B5EF4-FFF2-40B4-BE49-F238E27FC236}">
-                  <a16:creationId xmlns:a16="http://schemas.microsoft.com/office/drawing/2014/main" id="{4FD744C6-4ED8-4BC9-BF68-6BDF701C5DB4}"/>
+                  <a16:creationId xmlns:a16="http://schemas.microsoft.com/office/drawing/2014/main" id="{C6B0CDE3-E054-4EDD-A43B-F96843D8BF51}"/>
                 </a:ext>
                 <a:ext uri="{C183D7F6-B498-43B3-948B-1728B52AA6E4}">
                   <adec:decorative xmlns:adec="http://schemas.microsoft.com/office/drawing/2017/decorative" val="1"/>
@@ -7345,10 +7514,10 @@
         </p:sp>
         <p:sp>
           <p:nvSpPr>
-            <p:cNvPr id="14" name="Rectangle 27">
+            <p:cNvPr id="16" name="Rectangle 27">
               <a:extLst>
                 <a:ext uri="{FF2B5EF4-FFF2-40B4-BE49-F238E27FC236}">
-                  <a16:creationId xmlns:a16="http://schemas.microsoft.com/office/drawing/2014/main" id="{092C5BAD-C911-4F8F-A1C5-470268BE668B}"/>
+                  <a16:creationId xmlns:a16="http://schemas.microsoft.com/office/drawing/2014/main" id="{3B66B1A2-F145-4C9B-85CC-4BF30D58CBC5}"/>
                 </a:ext>
                 <a:ext uri="{C183D7F6-B498-43B3-948B-1728B52AA6E4}">
                   <adec:decorative xmlns:adec="http://schemas.microsoft.com/office/drawing/2017/decorative" val="1"/>
@@ -7431,10 +7600,10 @@
         </p:sp>
         <p:sp>
           <p:nvSpPr>
-            <p:cNvPr id="15" name="Rectangle 28">
+            <p:cNvPr id="17" name="Rectangle 28">
               <a:extLst>
                 <a:ext uri="{FF2B5EF4-FFF2-40B4-BE49-F238E27FC236}">
-                  <a16:creationId xmlns:a16="http://schemas.microsoft.com/office/drawing/2014/main" id="{B133D0C8-4EC4-424F-8E70-0482D5B1B653}"/>
+                  <a16:creationId xmlns:a16="http://schemas.microsoft.com/office/drawing/2014/main" id="{5D4FC972-94B3-4035-8D31-E668C132B411}"/>
                 </a:ext>
                 <a:ext uri="{C183D7F6-B498-43B3-948B-1728B52AA6E4}">
                   <adec:decorative xmlns:adec="http://schemas.microsoft.com/office/drawing/2017/decorative" val="1"/>
@@ -7518,10 +7687,10 @@
         </p:sp>
         <p:sp>
           <p:nvSpPr>
-            <p:cNvPr id="16" name="Rectangle 29">
+            <p:cNvPr id="18" name="Rectangle 29">
               <a:extLst>
                 <a:ext uri="{FF2B5EF4-FFF2-40B4-BE49-F238E27FC236}">
-                  <a16:creationId xmlns:a16="http://schemas.microsoft.com/office/drawing/2014/main" id="{7B1532A0-F4B3-4DE8-B18F-740CAAD25AC4}"/>
+                  <a16:creationId xmlns:a16="http://schemas.microsoft.com/office/drawing/2014/main" id="{374B9941-AFBE-4A77-A50E-B6EA04A746AE}"/>
                 </a:ext>
                 <a:ext uri="{C183D7F6-B498-43B3-948B-1728B52AA6E4}">
                   <adec:decorative xmlns:adec="http://schemas.microsoft.com/office/drawing/2017/decorative" val="1"/>
@@ -7603,10 +7772,10 @@
         </p:sp>
         <p:sp>
           <p:nvSpPr>
-            <p:cNvPr id="17" name="Isosceles Triangle 16">
+            <p:cNvPr id="19" name="Isosceles Triangle 18">
               <a:extLst>
                 <a:ext uri="{FF2B5EF4-FFF2-40B4-BE49-F238E27FC236}">
-                  <a16:creationId xmlns:a16="http://schemas.microsoft.com/office/drawing/2014/main" id="{8EFDD162-BBBA-4062-8BBF-53DBA1091374}"/>
+                  <a16:creationId xmlns:a16="http://schemas.microsoft.com/office/drawing/2014/main" id="{27A982C5-2C38-4CE9-BC18-94697AD657FB}"/>
                 </a:ext>
                 <a:ext uri="{C183D7F6-B498-43B3-948B-1728B52AA6E4}">
                   <adec:decorative xmlns:adec="http://schemas.microsoft.com/office/drawing/2017/decorative" val="1"/>
@@ -7666,10 +7835,10 @@
         </p:sp>
         <p:sp>
           <p:nvSpPr>
-            <p:cNvPr id="18" name="Isosceles Triangle 17">
+            <p:cNvPr id="20" name="Isosceles Triangle 19">
               <a:extLst>
                 <a:ext uri="{FF2B5EF4-FFF2-40B4-BE49-F238E27FC236}">
-                  <a16:creationId xmlns:a16="http://schemas.microsoft.com/office/drawing/2014/main" id="{DCFC9E65-3E19-4483-B952-25D29683CA56}"/>
+                  <a16:creationId xmlns:a16="http://schemas.microsoft.com/office/drawing/2014/main" id="{0060D8D1-7BB1-498F-AFBB-ADAC130A9E90}"/>
                 </a:ext>
                 <a:ext uri="{C183D7F6-B498-43B3-948B-1728B52AA6E4}">
                   <adec:decorative xmlns:adec="http://schemas.microsoft.com/office/drawing/2017/decorative" val="1"/>
@@ -7728,72 +7897,450 @@
           </p:txBody>
         </p:sp>
       </p:grpSp>
-      <p:sp useBgFill="1">
-        <p:nvSpPr>
-          <p:cNvPr id="20" name="Rectangle 19">
+      <p:sp>
+        <p:nvSpPr>
+          <p:cNvPr id="2" name="Titolo 1">
             <a:extLst>
               <a:ext uri="{FF2B5EF4-FFF2-40B4-BE49-F238E27FC236}">
-                <a16:creationId xmlns:a16="http://schemas.microsoft.com/office/drawing/2014/main" id="{0ADFFC45-3DC9-4433-926F-043E879D9DFC}"/>
-              </a:ext>
-              <a:ext uri="{C183D7F6-B498-43B3-948B-1728B52AA6E4}">
-                <adec:decorative xmlns:adec="http://schemas.microsoft.com/office/drawing/2017/decorative" val="1"/>
+                <a16:creationId xmlns:a16="http://schemas.microsoft.com/office/drawing/2014/main" id="{A19B0E00-A376-522D-481B-D604C5A03378}"/>
               </a:ext>
             </a:extLst>
           </p:cNvPr>
           <p:cNvSpPr>
-            <a:spLocks noGrp="1" noRot="1" noChangeAspect="1" noMove="1" noResize="1" noEditPoints="1" noAdjustHandles="1" noChangeArrowheads="1" noChangeShapeType="1" noTextEdit="1"/>
-          </p:cNvSpPr>
-          <p:nvPr>
-            <p:extLst>
-              <p:ext uri="{386F3935-93C4-4BCD-93E2-E3B085C9AB24}">
-                <p16:designElem xmlns:p16="http://schemas.microsoft.com/office/powerpoint/2015/main" val="1"/>
-              </p:ext>
-            </p:extLst>
+            <a:spLocks noGrp="1"/>
+          </p:cNvSpPr>
+          <p:nvPr>
+            <p:ph type="title"/>
           </p:nvPr>
         </p:nvSpPr>
         <p:spPr>
           <a:xfrm>
-            <a:off x="0" y="0"/>
-            <a:ext cx="12192000" cy="6858000"/>
+            <a:off x="928721" y="239492"/>
+            <a:ext cx="8288032" cy="732588"/>
+          </a:xfrm>
+        </p:spPr>
+        <p:txBody>
+          <a:bodyPr vert="horz" lIns="91440" tIns="45720" rIns="91440" bIns="45720" rtlCol="0" anchor="b">
+            <a:normAutofit fontScale="90000"/>
+          </a:bodyPr>
+          <a:lstStyle/>
+          <a:p>
+            <a:pPr algn="ctr"/>
+            <a:r>
+              <a:rPr lang="en-US" sz="4800" kern="1200" dirty="0" err="1">
+                <a:solidFill>
+                  <a:schemeClr val="accent1"/>
+                </a:solidFill>
+                <a:latin typeface="+mj-lt"/>
+                <a:ea typeface="+mj-ea"/>
+                <a:cs typeface="+mj-cs"/>
+              </a:rPr>
+              <a:t>Diagramma</a:t>
+            </a:r>
+            <a:r>
+              <a:rPr lang="en-US" sz="4800" kern="1200" dirty="0">
+                <a:solidFill>
+                  <a:schemeClr val="accent1"/>
+                </a:solidFill>
+                <a:latin typeface="+mj-lt"/>
+                <a:ea typeface="+mj-ea"/>
+                <a:cs typeface="+mj-cs"/>
+              </a:rPr>
+              <a:t> </a:t>
+            </a:r>
+            <a:r>
+              <a:rPr lang="en-US" sz="4800" kern="1200" dirty="0" err="1">
+                <a:solidFill>
+                  <a:schemeClr val="accent1"/>
+                </a:solidFill>
+                <a:latin typeface="+mj-lt"/>
+                <a:ea typeface="+mj-ea"/>
+                <a:cs typeface="+mj-cs"/>
+              </a:rPr>
+              <a:t>delle</a:t>
+            </a:r>
+            <a:r>
+              <a:rPr lang="en-US" sz="4800" kern="1200" dirty="0">
+                <a:solidFill>
+                  <a:schemeClr val="accent1"/>
+                </a:solidFill>
+                <a:latin typeface="+mj-lt"/>
+                <a:ea typeface="+mj-ea"/>
+                <a:cs typeface="+mj-cs"/>
+              </a:rPr>
+              <a:t> </a:t>
+            </a:r>
+            <a:r>
+              <a:rPr lang="en-US" sz="4800" kern="1200" dirty="0" err="1">
+                <a:solidFill>
+                  <a:schemeClr val="accent1"/>
+                </a:solidFill>
+                <a:latin typeface="+mj-lt"/>
+                <a:ea typeface="+mj-ea"/>
+                <a:cs typeface="+mj-cs"/>
+              </a:rPr>
+              <a:t>classi</a:t>
+            </a:r>
+            <a:endParaRPr lang="en-US" sz="4800" kern="1200" dirty="0">
+              <a:solidFill>
+                <a:schemeClr val="accent1"/>
+              </a:solidFill>
+              <a:latin typeface="+mj-lt"/>
+              <a:ea typeface="+mj-ea"/>
+              <a:cs typeface="+mj-cs"/>
+            </a:endParaRPr>
+          </a:p>
+        </p:txBody>
+      </p:sp>
+      <p:sp>
+        <p:nvSpPr>
+          <p:cNvPr id="7" name="Segnaposto contenuto 6">
+            <a:extLst>
+              <a:ext uri="{FF2B5EF4-FFF2-40B4-BE49-F238E27FC236}">
+                <a16:creationId xmlns:a16="http://schemas.microsoft.com/office/drawing/2014/main" id="{EE0EF9E0-412E-4349-C6BC-0659A58ED6C2}"/>
+              </a:ext>
+            </a:extLst>
+          </p:cNvPr>
+          <p:cNvSpPr>
+            <a:spLocks noGrp="1"/>
+          </p:cNvSpPr>
+          <p:nvPr>
+            <p:ph idx="1"/>
+          </p:nvPr>
+        </p:nvSpPr>
+        <p:spPr>
+          <a:xfrm>
+            <a:off x="677334" y="5116623"/>
+            <a:ext cx="8596668" cy="1693700"/>
+          </a:xfrm>
+        </p:spPr>
+        <p:txBody>
+          <a:bodyPr>
+            <a:normAutofit/>
+          </a:bodyPr>
+          <a:lstStyle/>
+          <a:p>
+            <a:r>
+              <a:rPr lang="it-IT" dirty="0"/>
+              <a:t>Rappresenta la struttura del sistema</a:t>
+            </a:r>
+          </a:p>
+          <a:p>
+            <a:pPr lvl="1"/>
+            <a:r>
+              <a:rPr lang="it-IT" dirty="0"/>
+              <a:t>Classi, i loro attributi (dati), le loro operazioni (funzioni), le relazioni tra loro(come associazione, ereditarietà, ecc.)</a:t>
+            </a:r>
+          </a:p>
+        </p:txBody>
+      </p:sp>
+      <p:pic>
+        <p:nvPicPr>
+          <p:cNvPr id="9" name="Segnaposto contenuto 4" descr="Immagine che contiene testo, schermata, diagramma, Piano&#10;&#10;Il contenuto generato dall'IA potrebbe non essere corretto.">
+            <a:extLst>
+              <a:ext uri="{FF2B5EF4-FFF2-40B4-BE49-F238E27FC236}">
+                <a16:creationId xmlns:a16="http://schemas.microsoft.com/office/drawing/2014/main" id="{EC6AAD8C-36A7-DE6A-272C-55FE4248066D}"/>
+              </a:ext>
+            </a:extLst>
+          </p:cNvPr>
+          <p:cNvPicPr>
+            <a:picLocks noChangeAspect="1"/>
+          </p:cNvPicPr>
+          <p:nvPr/>
+        </p:nvPicPr>
+        <p:blipFill>
+          <a:blip r:embed="rId2">
+            <a:extLst>
+              <a:ext uri="{28A0092B-C50C-407E-A947-70E740481C1C}">
+                <a14:useLocalDpi xmlns:a14="http://schemas.microsoft.com/office/drawing/2010/main" val="0"/>
+              </a:ext>
+            </a:extLst>
+          </a:blip>
+          <a:stretch>
+            <a:fillRect/>
+          </a:stretch>
+        </p:blipFill>
+        <p:spPr>
+          <a:xfrm>
+            <a:off x="695758" y="1135702"/>
+            <a:ext cx="8877435" cy="3817298"/>
           </a:xfrm>
           <a:prstGeom prst="rect">
             <a:avLst/>
           </a:prstGeom>
-          <a:ln>
-            <a:noFill/>
-          </a:ln>
         </p:spPr>
-        <p:style>
-          <a:lnRef idx="2">
-            <a:schemeClr val="accent1">
-              <a:shade val="50000"/>
-            </a:schemeClr>
-          </a:lnRef>
-          <a:fillRef idx="1">
-            <a:schemeClr val="accent1"/>
-          </a:fillRef>
-          <a:effectRef idx="0">
-            <a:schemeClr val="accent1"/>
-          </a:effectRef>
-          <a:fontRef idx="minor">
-            <a:schemeClr val="lt1"/>
-          </a:fontRef>
-        </p:style>
-        <p:txBody>
-          <a:bodyPr rtlCol="0" anchor="ctr"/>
+      </p:pic>
+    </p:spTree>
+    <p:extLst>
+      <p:ext uri="{BB962C8B-B14F-4D97-AF65-F5344CB8AC3E}">
+        <p14:creationId xmlns:p14="http://schemas.microsoft.com/office/powerpoint/2010/main" val="400367454"/>
+      </p:ext>
+    </p:extLst>
+  </p:cSld>
+  <p:clrMapOvr>
+    <a:masterClrMapping/>
+  </p:clrMapOvr>
+</p:sld>
+</file>
+
+<file path=ppt/slides/slide16.xml><?xml version="1.0" encoding="utf-8"?>
+<p:sld xmlns:a="http://schemas.openxmlformats.org/drawingml/2006/main" xmlns:r="http://schemas.openxmlformats.org/officeDocument/2006/relationships" xmlns:p="http://schemas.openxmlformats.org/presentationml/2006/main">
+  <p:cSld>
+    <p:spTree>
+      <p:nvGrpSpPr>
+        <p:cNvPr id="1" name=""/>
+        <p:cNvGrpSpPr/>
+        <p:nvPr/>
+      </p:nvGrpSpPr>
+      <p:grpSpPr>
+        <a:xfrm>
+          <a:off x="0" y="0"/>
+          <a:ext cx="0" cy="0"/>
+          <a:chOff x="0" y="0"/>
+          <a:chExt cx="0" cy="0"/>
+        </a:xfrm>
+      </p:grpSpPr>
+      <p:sp>
+        <p:nvSpPr>
+          <p:cNvPr id="2" name="Titolo 1">
+            <a:extLst>
+              <a:ext uri="{FF2B5EF4-FFF2-40B4-BE49-F238E27FC236}">
+                <a16:creationId xmlns:a16="http://schemas.microsoft.com/office/drawing/2014/main" id="{13F01329-A8D4-4D1A-14B2-7B3BEF8EDCAA}"/>
+              </a:ext>
+            </a:extLst>
+          </p:cNvPr>
+          <p:cNvSpPr>
+            <a:spLocks noGrp="1"/>
+          </p:cNvSpPr>
+          <p:nvPr>
+            <p:ph type="title"/>
+          </p:nvPr>
+        </p:nvSpPr>
+        <p:spPr/>
+        <p:txBody>
+          <a:bodyPr/>
           <a:lstStyle/>
           <a:p>
-            <a:pPr algn="ctr"/>
-            <a:endParaRPr lang="en-US"/>
-          </a:p>
-        </p:txBody>
-      </p:sp>
+            <a:r>
+              <a:rPr lang="it-IT" dirty="0"/>
+              <a:t>Diagramma di sequenza</a:t>
+            </a:r>
+          </a:p>
+        </p:txBody>
+      </p:sp>
+      <p:sp>
+        <p:nvSpPr>
+          <p:cNvPr id="3" name="Segnaposto contenuto 2">
+            <a:extLst>
+              <a:ext uri="{FF2B5EF4-FFF2-40B4-BE49-F238E27FC236}">
+                <a16:creationId xmlns:a16="http://schemas.microsoft.com/office/drawing/2014/main" id="{0A467C4C-C8E0-EB01-1615-243B2206543B}"/>
+              </a:ext>
+            </a:extLst>
+          </p:cNvPr>
+          <p:cNvSpPr>
+            <a:spLocks noGrp="1"/>
+          </p:cNvSpPr>
+          <p:nvPr>
+            <p:ph idx="1"/>
+          </p:nvPr>
+        </p:nvSpPr>
+        <p:spPr>
+          <a:xfrm>
+            <a:off x="391989" y="1408317"/>
+            <a:ext cx="8596668" cy="919837"/>
+          </a:xfrm>
+        </p:spPr>
+        <p:txBody>
+          <a:bodyPr/>
+          <a:lstStyle/>
+          <a:p>
+            <a:r>
+              <a:rPr lang="it-IT" dirty="0"/>
+              <a:t>Descrive il comportamento dinamico del sistema</a:t>
+            </a:r>
+          </a:p>
+          <a:p>
+            <a:pPr lvl="1"/>
+            <a:r>
+              <a:rPr lang="it-IT" dirty="0"/>
+              <a:t>Flussi di messaggi scambiati e la loro successione temporale.</a:t>
+            </a:r>
+          </a:p>
+        </p:txBody>
+      </p:sp>
+      <p:pic>
+        <p:nvPicPr>
+          <p:cNvPr id="5" name="Immagine 4" descr="Immagine che contiene testo, schermata, diagramma, linea&#10;&#10;Il contenuto generato dall'IA potrebbe non essere corretto.">
+            <a:extLst>
+              <a:ext uri="{FF2B5EF4-FFF2-40B4-BE49-F238E27FC236}">
+                <a16:creationId xmlns:a16="http://schemas.microsoft.com/office/drawing/2014/main" id="{BB96F984-FCC4-B35A-3CD9-3C08A9805139}"/>
+              </a:ext>
+            </a:extLst>
+          </p:cNvPr>
+          <p:cNvPicPr>
+            <a:picLocks noChangeAspect="1"/>
+          </p:cNvPicPr>
+          <p:nvPr/>
+        </p:nvPicPr>
+        <p:blipFill>
+          <a:blip r:embed="rId2">
+            <a:extLst>
+              <a:ext uri="{28A0092B-C50C-407E-A947-70E740481C1C}">
+                <a14:useLocalDpi xmlns:a14="http://schemas.microsoft.com/office/drawing/2010/main" val="0"/>
+              </a:ext>
+            </a:extLst>
+          </a:blip>
+          <a:stretch>
+            <a:fillRect/>
+          </a:stretch>
+        </p:blipFill>
+        <p:spPr>
+          <a:xfrm>
+            <a:off x="1789976" y="2487408"/>
+            <a:ext cx="5162550" cy="2962275"/>
+          </a:xfrm>
+          <a:prstGeom prst="rect">
+            <a:avLst/>
+          </a:prstGeom>
+        </p:spPr>
+      </p:pic>
+    </p:spTree>
+    <p:extLst>
+      <p:ext uri="{BB962C8B-B14F-4D97-AF65-F5344CB8AC3E}">
+        <p14:creationId xmlns:p14="http://schemas.microsoft.com/office/powerpoint/2010/main" val="3699650945"/>
+      </p:ext>
+    </p:extLst>
+  </p:cSld>
+  <p:clrMapOvr>
+    <a:masterClrMapping/>
+  </p:clrMapOvr>
+</p:sld>
+</file>
+
+<file path=ppt/slides/slide17.xml><?xml version="1.0" encoding="utf-8"?>
+<p:sld xmlns:a="http://schemas.openxmlformats.org/drawingml/2006/main" xmlns:r="http://schemas.openxmlformats.org/officeDocument/2006/relationships" xmlns:p="http://schemas.openxmlformats.org/presentationml/2006/main">
+  <p:cSld>
+    <p:spTree>
+      <p:nvGrpSpPr>
+        <p:cNvPr id="1" name=""/>
+        <p:cNvGrpSpPr/>
+        <p:nvPr/>
+      </p:nvGrpSpPr>
+      <p:grpSpPr>
+        <a:xfrm>
+          <a:off x="0" y="0"/>
+          <a:ext cx="0" cy="0"/>
+          <a:chOff x="0" y="0"/>
+          <a:chExt cx="0" cy="0"/>
+        </a:xfrm>
+      </p:grpSpPr>
+      <p:sp>
+        <p:nvSpPr>
+          <p:cNvPr id="2" name="Titolo 1">
+            <a:extLst>
+              <a:ext uri="{FF2B5EF4-FFF2-40B4-BE49-F238E27FC236}">
+                <a16:creationId xmlns:a16="http://schemas.microsoft.com/office/drawing/2014/main" id="{CF309272-A0BD-6076-5185-ACE6553E1DA7}"/>
+              </a:ext>
+            </a:extLst>
+          </p:cNvPr>
+          <p:cNvSpPr>
+            <a:spLocks noGrp="1"/>
+          </p:cNvSpPr>
+          <p:nvPr>
+            <p:ph type="title"/>
+          </p:nvPr>
+        </p:nvSpPr>
+        <p:spPr/>
+        <p:txBody>
+          <a:bodyPr/>
+          <a:lstStyle/>
+          <a:p>
+            <a:r>
+              <a:rPr lang="it-IT" dirty="0"/>
+              <a:t>Diagramma di sequenza</a:t>
+            </a:r>
+          </a:p>
+        </p:txBody>
+      </p:sp>
+      <p:pic>
+        <p:nvPicPr>
+          <p:cNvPr id="5" name="Segnaposto contenuto 4" descr="Immagine che contiene testo, diagramma, Parallelo, numero&#10;&#10;Il contenuto generato dall'IA potrebbe non essere corretto.">
+            <a:extLst>
+              <a:ext uri="{FF2B5EF4-FFF2-40B4-BE49-F238E27FC236}">
+                <a16:creationId xmlns:a16="http://schemas.microsoft.com/office/drawing/2014/main" id="{2D3A9474-E872-10A1-5CE5-1C980E5BD9F2}"/>
+              </a:ext>
+            </a:extLst>
+          </p:cNvPr>
+          <p:cNvPicPr>
+            <a:picLocks noGrp="1" noChangeAspect="1"/>
+          </p:cNvPicPr>
+          <p:nvPr>
+            <p:ph idx="1"/>
+          </p:nvPr>
+        </p:nvPicPr>
+        <p:blipFill>
+          <a:blip r:embed="rId2">
+            <a:extLst>
+              <a:ext uri="{28A0092B-C50C-407E-A947-70E740481C1C}">
+                <a14:useLocalDpi xmlns:a14="http://schemas.microsoft.com/office/drawing/2010/main" val="0"/>
+              </a:ext>
+            </a:extLst>
+          </a:blip>
+          <a:stretch>
+            <a:fillRect/>
+          </a:stretch>
+        </p:blipFill>
+        <p:spPr>
+          <a:xfrm>
+            <a:off x="1998133" y="1930400"/>
+            <a:ext cx="5384799" cy="4419542"/>
+          </a:xfrm>
+        </p:spPr>
+      </p:pic>
+    </p:spTree>
+    <p:extLst>
+      <p:ext uri="{BB962C8B-B14F-4D97-AF65-F5344CB8AC3E}">
+        <p14:creationId xmlns:p14="http://schemas.microsoft.com/office/powerpoint/2010/main" val="2904742086"/>
+      </p:ext>
+    </p:extLst>
+  </p:cSld>
+  <p:clrMapOvr>
+    <a:masterClrMapping/>
+  </p:clrMapOvr>
+</p:sld>
+</file>
+
+<file path=ppt/slides/slide18.xml><?xml version="1.0" encoding="utf-8"?>
+<p:sld xmlns:a="http://schemas.openxmlformats.org/drawingml/2006/main" xmlns:r="http://schemas.openxmlformats.org/officeDocument/2006/relationships" xmlns:p="http://schemas.openxmlformats.org/presentationml/2006/main">
+  <p:cSld>
+    <p:bg>
+      <p:bgPr>
+        <a:solidFill>
+          <a:schemeClr val="bg1"/>
+        </a:solidFill>
+        <a:effectLst/>
+      </p:bgPr>
+    </p:bg>
+    <p:spTree>
+      <p:nvGrpSpPr>
+        <p:cNvPr id="1" name=""/>
+        <p:cNvGrpSpPr/>
+        <p:nvPr/>
+      </p:nvGrpSpPr>
+      <p:grpSpPr>
+        <a:xfrm>
+          <a:off x="0" y="0"/>
+          <a:ext cx="0" cy="0"/>
+          <a:chOff x="0" y="0"/>
+          <a:chExt cx="0" cy="0"/>
+        </a:xfrm>
+      </p:grpSpPr>
       <p:grpSp>
         <p:nvGrpSpPr>
-          <p:cNvPr id="22" name="Group 21">
+          <p:cNvPr id="23" name="Group 9">
             <a:extLst>
               <a:ext uri="{FF2B5EF4-FFF2-40B4-BE49-F238E27FC236}">
-                <a16:creationId xmlns:a16="http://schemas.microsoft.com/office/drawing/2014/main" id="{B5F26A87-0610-435F-AA13-BD658385C9D9}"/>
+                <a16:creationId xmlns:a16="http://schemas.microsoft.com/office/drawing/2014/main" id="{B4DE830A-B531-4A3B-96F6-0ECE88B08555}"/>
               </a:ext>
               <a:ext uri="{C183D7F6-B498-43B3-948B-1728B52AA6E4}">
                 <adec:decorative xmlns:adec="http://schemas.microsoft.com/office/drawing/2017/decorative" val="1"/>
@@ -7813,18 +8360,18 @@
         </p:nvGrpSpPr>
         <p:grpSpPr>
           <a:xfrm>
-            <a:off x="4267230" y="-8468"/>
-            <a:ext cx="4763558" cy="6866467"/>
-            <a:chOff x="67175" y="-8467"/>
-            <a:chExt cx="4763558" cy="6866467"/>
+            <a:off x="0" y="-8467"/>
+            <a:ext cx="12192000" cy="6866467"/>
+            <a:chOff x="0" y="-8467"/>
+            <a:chExt cx="12192000" cy="6866467"/>
           </a:xfrm>
         </p:grpSpPr>
         <p:cxnSp>
           <p:nvCxnSpPr>
-            <p:cNvPr id="23" name="Straight Connector 22">
+            <p:cNvPr id="11" name="Straight Connector 10">
               <a:extLst>
                 <a:ext uri="{FF2B5EF4-FFF2-40B4-BE49-F238E27FC236}">
-                  <a16:creationId xmlns:a16="http://schemas.microsoft.com/office/drawing/2014/main" id="{E6321436-5AAD-4FB6-BB0D-316D4540E82A}"/>
+                  <a16:creationId xmlns:a16="http://schemas.microsoft.com/office/drawing/2014/main" id="{2813DF2C-461A-4A8F-9679-A172790D1F3A}"/>
                 </a:ext>
                 <a:ext uri="{C183D7F6-B498-43B3-948B-1728B52AA6E4}">
                   <adec:decorative xmlns:adec="http://schemas.microsoft.com/office/drawing/2017/decorative" val="1"/>
@@ -7842,7 +8389,7 @@
           </p:nvCxnSpPr>
           <p:spPr>
             <a:xfrm>
-              <a:off x="1448300" y="0"/>
+              <a:off x="9371012" y="0"/>
               <a:ext cx="1219200" cy="6858000"/>
             </a:xfrm>
             <a:prstGeom prst="line">
@@ -7850,7 +8397,7 @@
             </a:prstGeom>
             <a:ln w="9525">
               <a:solidFill>
-                <a:schemeClr val="accent1">
+                <a:schemeClr val="bg1">
                   <a:lumMod val="75000"/>
                 </a:schemeClr>
               </a:solidFill>
@@ -7873,10 +8420,10 @@
         </p:cxnSp>
         <p:cxnSp>
           <p:nvCxnSpPr>
-            <p:cNvPr id="24" name="Straight Connector 23">
+            <p:cNvPr id="12" name="Straight Connector 11">
               <a:extLst>
                 <a:ext uri="{FF2B5EF4-FFF2-40B4-BE49-F238E27FC236}">
-                  <a16:creationId xmlns:a16="http://schemas.microsoft.com/office/drawing/2014/main" id="{94B0BD33-3D46-4F43-947A-825DFEF6106A}"/>
+                  <a16:creationId xmlns:a16="http://schemas.microsoft.com/office/drawing/2014/main" id="{54CD3A85-C039-4249-86E4-1EB9318B5495}"/>
                 </a:ext>
                 <a:ext uri="{C183D7F6-B498-43B3-948B-1728B52AA6E4}">
                   <adec:decorative xmlns:adec="http://schemas.microsoft.com/office/drawing/2017/decorative" val="1"/>
@@ -7894,7 +8441,7 @@
           </p:nvCxnSpPr>
           <p:spPr>
             <a:xfrm flipH="1">
-              <a:off x="67175" y="3681413"/>
+              <a:off x="7425267" y="3681413"/>
               <a:ext cx="4763558" cy="3176587"/>
             </a:xfrm>
             <a:prstGeom prst="line">
@@ -7902,10 +8449,8 @@
             </a:prstGeom>
             <a:ln w="9525">
               <a:solidFill>
-                <a:schemeClr val="tx1">
-                  <a:lumMod val="50000"/>
-                  <a:lumOff val="50000"/>
-                  <a:alpha val="80000"/>
+                <a:schemeClr val="bg1">
+                  <a:lumMod val="85000"/>
                 </a:schemeClr>
               </a:solidFill>
             </a:ln>
@@ -7927,10 +8472,10 @@
         </p:cxnSp>
         <p:sp>
           <p:nvSpPr>
-            <p:cNvPr id="25" name="Rectangle 23">
+            <p:cNvPr id="24" name="Rectangle 23">
               <a:extLst>
                 <a:ext uri="{FF2B5EF4-FFF2-40B4-BE49-F238E27FC236}">
-                  <a16:creationId xmlns:a16="http://schemas.microsoft.com/office/drawing/2014/main" id="{92E26C27-E1F5-47DC-9F83-469D196C55D0}"/>
+                  <a16:creationId xmlns:a16="http://schemas.microsoft.com/office/drawing/2014/main" id="{887EA6D2-2883-42C2-993D-094CA6D65DA3}"/>
                 </a:ext>
                 <a:ext uri="{C183D7F6-B498-43B3-948B-1728B52AA6E4}">
                   <adec:decorative xmlns:adec="http://schemas.microsoft.com/office/drawing/2017/decorative" val="1"/>
@@ -7948,7 +8493,7 @@
           </p:nvSpPr>
           <p:spPr>
             <a:xfrm>
-              <a:off x="1258764" y="-8467"/>
+              <a:off x="9181476" y="-8467"/>
               <a:ext cx="3007349" cy="6866467"/>
             </a:xfrm>
             <a:custGeom>
@@ -8012,10 +8557,10 @@
         </p:sp>
         <p:sp>
           <p:nvSpPr>
-            <p:cNvPr id="26" name="Rectangle 25">
+            <p:cNvPr id="25" name="Rectangle 25">
               <a:extLst>
                 <a:ext uri="{FF2B5EF4-FFF2-40B4-BE49-F238E27FC236}">
-                  <a16:creationId xmlns:a16="http://schemas.microsoft.com/office/drawing/2014/main" id="{95F944E7-2B4E-4AE2-B4DB-846FF8AE0B7A}"/>
+                  <a16:creationId xmlns:a16="http://schemas.microsoft.com/office/drawing/2014/main" id="{3B895046-636F-4D1B-ACA4-29AA0CB3329F}"/>
                 </a:ext>
                 <a:ext uri="{C183D7F6-B498-43B3-948B-1728B52AA6E4}">
                   <adec:decorative xmlns:adec="http://schemas.microsoft.com/office/drawing/2017/decorative" val="1"/>
@@ -8033,7 +8578,7 @@
           </p:nvSpPr>
           <p:spPr>
             <a:xfrm>
-              <a:off x="1680730" y="-8467"/>
+              <a:off x="9603442" y="-8467"/>
               <a:ext cx="2588558" cy="6866467"/>
             </a:xfrm>
             <a:custGeom>
@@ -8097,10 +8642,10 @@
         </p:sp>
         <p:sp>
           <p:nvSpPr>
-            <p:cNvPr id="27" name="Isosceles Triangle 26">
+            <p:cNvPr id="26" name="Isosceles Triangle 14">
               <a:extLst>
                 <a:ext uri="{FF2B5EF4-FFF2-40B4-BE49-F238E27FC236}">
-                  <a16:creationId xmlns:a16="http://schemas.microsoft.com/office/drawing/2014/main" id="{FF14952D-390F-46CC-B302-73DDD9C4160F}"/>
+                  <a16:creationId xmlns:a16="http://schemas.microsoft.com/office/drawing/2014/main" id="{C6B0CDE3-E054-4EDD-A43B-F96843D8BF51}"/>
                 </a:ext>
                 <a:ext uri="{C183D7F6-B498-43B3-948B-1728B52AA6E4}">
                   <adec:decorative xmlns:adec="http://schemas.microsoft.com/office/drawing/2017/decorative" val="1"/>
@@ -8118,7 +8663,7 @@
           </p:nvSpPr>
           <p:spPr>
             <a:xfrm>
-              <a:off x="1009621" y="3048000"/>
+              <a:off x="8932333" y="3048000"/>
               <a:ext cx="3259667" cy="3810000"/>
             </a:xfrm>
             <a:prstGeom prst="triangle">
@@ -8160,10 +8705,10 @@
         </p:sp>
         <p:sp>
           <p:nvSpPr>
-            <p:cNvPr id="28" name="Rectangle 27">
+            <p:cNvPr id="27" name="Rectangle 27">
               <a:extLst>
                 <a:ext uri="{FF2B5EF4-FFF2-40B4-BE49-F238E27FC236}">
-                  <a16:creationId xmlns:a16="http://schemas.microsoft.com/office/drawing/2014/main" id="{867CDE55-B22A-40D0-882A-9452919EEC28}"/>
+                  <a16:creationId xmlns:a16="http://schemas.microsoft.com/office/drawing/2014/main" id="{3B66B1A2-F145-4C9B-85CC-4BF30D58CBC5}"/>
                 </a:ext>
                 <a:ext uri="{C183D7F6-B498-43B3-948B-1728B52AA6E4}">
                   <adec:decorative xmlns:adec="http://schemas.microsoft.com/office/drawing/2017/decorative" val="1"/>
@@ -8181,7 +8726,7 @@
           </p:nvSpPr>
           <p:spPr>
             <a:xfrm>
-              <a:off x="1411788" y="-8467"/>
+              <a:off x="9334500" y="-8467"/>
               <a:ext cx="2854326" cy="6866467"/>
             </a:xfrm>
             <a:custGeom>
@@ -8246,10 +8791,10 @@
         </p:sp>
         <p:sp>
           <p:nvSpPr>
-            <p:cNvPr id="29" name="Isosceles Triangle 28">
+            <p:cNvPr id="28" name="Rectangle 28">
               <a:extLst>
                 <a:ext uri="{FF2B5EF4-FFF2-40B4-BE49-F238E27FC236}">
-                  <a16:creationId xmlns:a16="http://schemas.microsoft.com/office/drawing/2014/main" id="{8C409231-C942-4808-B529-DAC32A7DB002}"/>
+                  <a16:creationId xmlns:a16="http://schemas.microsoft.com/office/drawing/2014/main" id="{5D4FC972-94B3-4035-8D31-E668C132B411}"/>
                 </a:ext>
                 <a:ext uri="{C183D7F6-B498-43B3-948B-1728B52AA6E4}">
                   <adec:decorative xmlns:adec="http://schemas.microsoft.com/office/drawing/2017/decorative" val="1"/>
@@ -8267,7 +8812,179 @@
           </p:nvSpPr>
           <p:spPr>
             <a:xfrm>
-              <a:off x="2448954" y="3589867"/>
+              <a:off x="10898730" y="-8467"/>
+              <a:ext cx="1290094" cy="6866467"/>
+            </a:xfrm>
+            <a:custGeom>
+              <a:avLst/>
+              <a:gdLst/>
+              <a:ahLst/>
+              <a:cxnLst/>
+              <a:rect l="l" t="t" r="r" b="b"/>
+              <a:pathLst>
+                <a:path w="1290094" h="6858000">
+                  <a:moveTo>
+                    <a:pt x="1019735" y="0"/>
+                  </a:moveTo>
+                  <a:lnTo>
+                    <a:pt x="1290094" y="0"/>
+                  </a:lnTo>
+                  <a:lnTo>
+                    <a:pt x="1290094" y="6858000"/>
+                  </a:lnTo>
+                  <a:lnTo>
+                    <a:pt x="0" y="6858000"/>
+                  </a:lnTo>
+                  <a:lnTo>
+                    <a:pt x="1019735" y="0"/>
+                  </a:lnTo>
+                  <a:close/>
+                </a:path>
+              </a:pathLst>
+            </a:custGeom>
+            <a:solidFill>
+              <a:schemeClr val="accent1">
+                <a:lumMod val="60000"/>
+                <a:lumOff val="40000"/>
+                <a:alpha val="70000"/>
+              </a:schemeClr>
+            </a:solidFill>
+            <a:ln>
+              <a:noFill/>
+            </a:ln>
+            <a:effectLst/>
+          </p:spPr>
+          <p:style>
+            <a:lnRef idx="1">
+              <a:schemeClr val="accent1"/>
+            </a:lnRef>
+            <a:fillRef idx="3">
+              <a:schemeClr val="accent1"/>
+            </a:fillRef>
+            <a:effectRef idx="2">
+              <a:schemeClr val="accent1"/>
+            </a:effectRef>
+            <a:fontRef idx="minor">
+              <a:schemeClr val="lt1"/>
+            </a:fontRef>
+          </p:style>
+          <p:txBody>
+            <a:bodyPr/>
+            <a:lstStyle/>
+            <a:p>
+              <a:endParaRPr lang="it-IT"/>
+            </a:p>
+          </p:txBody>
+        </p:sp>
+        <p:sp>
+          <p:nvSpPr>
+            <p:cNvPr id="29" name="Rectangle 29">
+              <a:extLst>
+                <a:ext uri="{FF2B5EF4-FFF2-40B4-BE49-F238E27FC236}">
+                  <a16:creationId xmlns:a16="http://schemas.microsoft.com/office/drawing/2014/main" id="{374B9941-AFBE-4A77-A50E-B6EA04A746AE}"/>
+                </a:ext>
+                <a:ext uri="{C183D7F6-B498-43B3-948B-1728B52AA6E4}">
+                  <adec:decorative xmlns:adec="http://schemas.microsoft.com/office/drawing/2017/decorative" val="1"/>
+                </a:ext>
+              </a:extLst>
+            </p:cNvPr>
+            <p:cNvSpPr/>
+            <p:nvPr>
+              <p:extLst>
+                <p:ext uri="{386F3935-93C4-4BCD-93E2-E3B085C9AB24}">
+                  <p16:designElem xmlns:p16="http://schemas.microsoft.com/office/powerpoint/2015/main" val="1"/>
+                </p:ext>
+              </p:extLst>
+            </p:nvPr>
+          </p:nvSpPr>
+          <p:spPr>
+            <a:xfrm>
+              <a:off x="10938999" y="-8467"/>
+              <a:ext cx="1249825" cy="6866467"/>
+            </a:xfrm>
+            <a:custGeom>
+              <a:avLst/>
+              <a:gdLst/>
+              <a:ahLst/>
+              <a:cxnLst/>
+              <a:rect l="l" t="t" r="r" b="b"/>
+              <a:pathLst>
+                <a:path w="1249825" h="6858000">
+                  <a:moveTo>
+                    <a:pt x="0" y="0"/>
+                  </a:moveTo>
+                  <a:lnTo>
+                    <a:pt x="1249825" y="0"/>
+                  </a:lnTo>
+                  <a:lnTo>
+                    <a:pt x="1249825" y="6858000"/>
+                  </a:lnTo>
+                  <a:lnTo>
+                    <a:pt x="1109382" y="6858000"/>
+                  </a:lnTo>
+                  <a:lnTo>
+                    <a:pt x="0" y="0"/>
+                  </a:lnTo>
+                  <a:close/>
+                </a:path>
+              </a:pathLst>
+            </a:custGeom>
+            <a:solidFill>
+              <a:schemeClr val="accent1">
+                <a:alpha val="65000"/>
+              </a:schemeClr>
+            </a:solidFill>
+            <a:ln>
+              <a:noFill/>
+            </a:ln>
+            <a:effectLst/>
+          </p:spPr>
+          <p:style>
+            <a:lnRef idx="1">
+              <a:schemeClr val="accent1"/>
+            </a:lnRef>
+            <a:fillRef idx="3">
+              <a:schemeClr val="accent1"/>
+            </a:fillRef>
+            <a:effectRef idx="2">
+              <a:schemeClr val="accent1"/>
+            </a:effectRef>
+            <a:fontRef idx="minor">
+              <a:schemeClr val="lt1"/>
+            </a:fontRef>
+          </p:style>
+          <p:txBody>
+            <a:bodyPr/>
+            <a:lstStyle/>
+            <a:p>
+              <a:endParaRPr lang="it-IT"/>
+            </a:p>
+          </p:txBody>
+        </p:sp>
+        <p:sp>
+          <p:nvSpPr>
+            <p:cNvPr id="30" name="Isosceles Triangle 18">
+              <a:extLst>
+                <a:ext uri="{FF2B5EF4-FFF2-40B4-BE49-F238E27FC236}">
+                  <a16:creationId xmlns:a16="http://schemas.microsoft.com/office/drawing/2014/main" id="{27A982C5-2C38-4CE9-BC18-94697AD657FB}"/>
+                </a:ext>
+                <a:ext uri="{C183D7F6-B498-43B3-948B-1728B52AA6E4}">
+                  <adec:decorative xmlns:adec="http://schemas.microsoft.com/office/drawing/2017/decorative" val="1"/>
+                </a:ext>
+              </a:extLst>
+            </p:cNvPr>
+            <p:cNvSpPr/>
+            <p:nvPr>
+              <p:extLst>
+                <p:ext uri="{386F3935-93C4-4BCD-93E2-E3B085C9AB24}">
+                  <p16:designElem xmlns:p16="http://schemas.microsoft.com/office/powerpoint/2015/main" val="1"/>
+                </p:ext>
+              </p:extLst>
+            </p:nvPr>
+          </p:nvSpPr>
+          <p:spPr>
+            <a:xfrm>
+              <a:off x="10371666" y="3589867"/>
               <a:ext cx="1817159" cy="3268133"/>
             </a:xfrm>
             <a:prstGeom prst="triangle">
@@ -8307,13 +9024,76 @@
             </a:p>
           </p:txBody>
         </p:sp>
+        <p:sp>
+          <p:nvSpPr>
+            <p:cNvPr id="31" name="Isosceles Triangle 19">
+              <a:extLst>
+                <a:ext uri="{FF2B5EF4-FFF2-40B4-BE49-F238E27FC236}">
+                  <a16:creationId xmlns:a16="http://schemas.microsoft.com/office/drawing/2014/main" id="{0060D8D1-7BB1-498F-AFBB-ADAC130A9E90}"/>
+                </a:ext>
+                <a:ext uri="{C183D7F6-B498-43B3-948B-1728B52AA6E4}">
+                  <adec:decorative xmlns:adec="http://schemas.microsoft.com/office/drawing/2017/decorative" val="1"/>
+                </a:ext>
+              </a:extLst>
+            </p:cNvPr>
+            <p:cNvSpPr/>
+            <p:nvPr>
+              <p:extLst>
+                <p:ext uri="{386F3935-93C4-4BCD-93E2-E3B085C9AB24}">
+                  <p16:designElem xmlns:p16="http://schemas.microsoft.com/office/powerpoint/2015/main" val="1"/>
+                </p:ext>
+              </p:extLst>
+            </p:nvPr>
+          </p:nvSpPr>
+          <p:spPr>
+            <a:xfrm rot="10800000">
+              <a:off x="0" y="0"/>
+              <a:ext cx="842596" cy="5666154"/>
+            </a:xfrm>
+            <a:prstGeom prst="triangle">
+              <a:avLst>
+                <a:gd name="adj" fmla="val 100000"/>
+              </a:avLst>
+            </a:prstGeom>
+            <a:solidFill>
+              <a:schemeClr val="accent1">
+                <a:alpha val="85000"/>
+              </a:schemeClr>
+            </a:solidFill>
+            <a:ln>
+              <a:noFill/>
+            </a:ln>
+            <a:effectLst/>
+          </p:spPr>
+          <p:style>
+            <a:lnRef idx="1">
+              <a:schemeClr val="accent1"/>
+            </a:lnRef>
+            <a:fillRef idx="3">
+              <a:schemeClr val="accent1"/>
+            </a:fillRef>
+            <a:effectRef idx="2">
+              <a:schemeClr val="accent1"/>
+            </a:effectRef>
+            <a:fontRef idx="minor">
+              <a:schemeClr val="lt1"/>
+            </a:fontRef>
+          </p:style>
+          <p:txBody>
+            <a:bodyPr/>
+            <a:lstStyle/>
+            <a:p>
+              <a:endParaRPr lang="it-IT"/>
+            </a:p>
+          </p:txBody>
+        </p:sp>
       </p:grpSp>
       <p:sp>
         <p:nvSpPr>
           <p:cNvPr id="2" name="Titolo 1">
             <a:extLst>
               <a:ext uri="{FF2B5EF4-FFF2-40B4-BE49-F238E27FC236}">
-                <a16:creationId xmlns:a16="http://schemas.microsoft.com/office/drawing/2014/main" id="{D1DEA3EC-2C7A-B705-7E52-A690AF741C88}"/>
+                <a16:creationId xmlns:a16="http://schemas.microsoft.com/office/drawing/2014/main" id="{DAE481A9-CF1E-4B57-C679-944FE703188D}"/>
               </a:ext>
             </a:extLst>
           </p:cNvPr>
@@ -8326,34 +9106,36 @@
         </p:nvSpPr>
         <p:spPr>
           <a:xfrm>
-            <a:off x="677335" y="1282701"/>
-            <a:ext cx="5096060" cy="4307148"/>
+            <a:off x="6068826" y="2072640"/>
+            <a:ext cx="4299666" cy="1778018"/>
           </a:xfrm>
         </p:spPr>
         <p:txBody>
-          <a:bodyPr vert="horz" lIns="91440" tIns="45720" rIns="91440" bIns="45720" rtlCol="0" anchor="ctr">
+          <a:bodyPr vert="horz" lIns="91440" tIns="45720" rIns="91440" bIns="45720" rtlCol="0" anchor="b">
             <a:normAutofit/>
           </a:bodyPr>
           <a:lstStyle/>
           <a:p>
-            <a:pPr algn="r"/>
-            <a:r>
-              <a:rPr lang="en-US" sz="5400"/>
-              <a:t>Progetto: Creazione di testi d’esame </a:t>
-            </a:r>
-            <a:br>
-              <a:rPr lang="en-US" sz="5400"/>
-            </a:br>
-            <a:endParaRPr lang="en-US" sz="5400"/>
-          </a:p>
-        </p:txBody>
-      </p:sp>
-      <p:sp>
-        <p:nvSpPr>
-          <p:cNvPr id="31" name="Freeform: Shape 30">
+            <a:r>
+              <a:rPr lang="en-US" sz="5400" kern="1200" dirty="0">
+                <a:solidFill>
+                  <a:schemeClr val="accent1"/>
+                </a:solidFill>
+                <a:latin typeface="+mj-lt"/>
+                <a:ea typeface="+mj-ea"/>
+                <a:cs typeface="+mj-cs"/>
+              </a:rPr>
+              <a:t>Diagramma di sequenza</a:t>
+            </a:r>
+          </a:p>
+        </p:txBody>
+      </p:sp>
+      <p:sp>
+        <p:nvSpPr>
+          <p:cNvPr id="22" name="Isosceles Triangle 21">
             <a:extLst>
               <a:ext uri="{FF2B5EF4-FFF2-40B4-BE49-F238E27FC236}">
-                <a16:creationId xmlns:a16="http://schemas.microsoft.com/office/drawing/2014/main" id="{69370F01-B8C9-4CE4-824C-92B2792E6ED0}"/>
+                <a16:creationId xmlns:a16="http://schemas.microsoft.com/office/drawing/2014/main" id="{5A7802B6-FF37-40CF-A7E2-6F2A0D9A91EF}"/>
               </a:ext>
               <a:ext uri="{C183D7F6-B498-43B3-948B-1728B52AA6E4}">
                 <adec:decorative xmlns:adec="http://schemas.microsoft.com/office/drawing/2017/decorative" val="1"/>
@@ -8372,97 +9154,33 @@
           </p:nvPr>
         </p:nvSpPr>
         <p:spPr>
-          <a:xfrm>
-            <a:off x="7136497" y="-8468"/>
-            <a:ext cx="5074930" cy="6866468"/>
+          <a:xfrm rot="10800000">
+            <a:off x="3174" y="12700"/>
+            <a:ext cx="842596" cy="5666154"/>
           </a:xfrm>
-          <a:custGeom>
-            <a:avLst/>
-            <a:gdLst>
-              <a:gd name="connsiteX0" fmla="*/ 0 w 5074930"/>
-              <a:gd name="connsiteY0" fmla="*/ 0 h 6858000"/>
-              <a:gd name="connsiteX1" fmla="*/ 1249825 w 5074930"/>
-              <a:gd name="connsiteY1" fmla="*/ 0 h 6858000"/>
-              <a:gd name="connsiteX2" fmla="*/ 1249825 w 5074930"/>
-              <a:gd name="connsiteY2" fmla="*/ 8457 h 6858000"/>
-              <a:gd name="connsiteX3" fmla="*/ 5074930 w 5074930"/>
-              <a:gd name="connsiteY3" fmla="*/ 8457 h 6858000"/>
-              <a:gd name="connsiteX4" fmla="*/ 5074930 w 5074930"/>
-              <a:gd name="connsiteY4" fmla="*/ 6858000 h 6858000"/>
-              <a:gd name="connsiteX5" fmla="*/ 1249825 w 5074930"/>
-              <a:gd name="connsiteY5" fmla="*/ 6858000 h 6858000"/>
-              <a:gd name="connsiteX6" fmla="*/ 1109383 w 5074930"/>
-              <a:gd name="connsiteY6" fmla="*/ 6858000 h 6858000"/>
-            </a:gdLst>
-            <a:ahLst/>
-            <a:cxnLst>
-              <a:cxn ang="0">
-                <a:pos x="connsiteX0" y="connsiteY0"/>
-              </a:cxn>
-              <a:cxn ang="0">
-                <a:pos x="connsiteX1" y="connsiteY1"/>
-              </a:cxn>
-              <a:cxn ang="0">
-                <a:pos x="connsiteX2" y="connsiteY2"/>
-              </a:cxn>
-              <a:cxn ang="0">
-                <a:pos x="connsiteX3" y="connsiteY3"/>
-              </a:cxn>
-              <a:cxn ang="0">
-                <a:pos x="connsiteX4" y="connsiteY4"/>
-              </a:cxn>
-              <a:cxn ang="0">
-                <a:pos x="connsiteX5" y="connsiteY5"/>
-              </a:cxn>
-              <a:cxn ang="0">
-                <a:pos x="connsiteX6" y="connsiteY6"/>
-              </a:cxn>
-            </a:cxnLst>
-            <a:rect l="l" t="t" r="r" b="b"/>
-            <a:pathLst>
-              <a:path w="5074930" h="6858000">
-                <a:moveTo>
-                  <a:pt x="0" y="0"/>
-                </a:moveTo>
-                <a:lnTo>
-                  <a:pt x="1249825" y="0"/>
-                </a:lnTo>
-                <a:lnTo>
-                  <a:pt x="1249825" y="8457"/>
-                </a:lnTo>
-                <a:lnTo>
-                  <a:pt x="5074930" y="8457"/>
-                </a:lnTo>
-                <a:lnTo>
-                  <a:pt x="5074930" y="6858000"/>
-                </a:lnTo>
-                <a:lnTo>
-                  <a:pt x="1249825" y="6858000"/>
-                </a:lnTo>
-                <a:lnTo>
-                  <a:pt x="1109383" y="6858000"/>
-                </a:lnTo>
-                <a:close/>
-              </a:path>
-            </a:pathLst>
-          </a:custGeom>
+          <a:prstGeom prst="triangle">
+            <a:avLst>
+              <a:gd name="adj" fmla="val 100000"/>
+            </a:avLst>
+          </a:prstGeom>
           <a:solidFill>
-            <a:schemeClr val="accent1"/>
+            <a:schemeClr val="accent1">
+              <a:alpha val="85000"/>
+            </a:schemeClr>
           </a:solidFill>
           <a:ln>
             <a:noFill/>
           </a:ln>
+          <a:effectLst/>
         </p:spPr>
         <p:style>
-          <a:lnRef idx="2">
-            <a:schemeClr val="accent1">
-              <a:shade val="50000"/>
-            </a:schemeClr>
+          <a:lnRef idx="1">
+            <a:schemeClr val="accent1"/>
           </a:lnRef>
-          <a:fillRef idx="1">
+          <a:fillRef idx="3">
             <a:schemeClr val="accent1"/>
           </a:fillRef>
-          <a:effectRef idx="0">
+          <a:effectRef idx="2">
             <a:schemeClr val="accent1"/>
           </a:effectRef>
           <a:fontRef idx="minor">
@@ -8470,62 +9188,146 @@
           </a:fontRef>
         </p:style>
         <p:txBody>
-          <a:bodyPr wrap="square" rtlCol="0" anchor="ctr">
-            <a:noAutofit/>
-          </a:bodyPr>
+          <a:bodyPr/>
           <a:lstStyle/>
           <a:p>
-            <a:pPr algn="ctr"/>
-            <a:endParaRPr lang="en-US"/>
-          </a:p>
-        </p:txBody>
-      </p:sp>
-      <p:sp>
-        <p:nvSpPr>
-          <p:cNvPr id="3" name="Segnaposto contenuto 2">
+            <a:endParaRPr lang="it-IT"/>
+          </a:p>
+        </p:txBody>
+      </p:sp>
+      <p:pic>
+        <p:nvPicPr>
+          <p:cNvPr id="5" name="Segnaposto contenuto 4" descr="Immagine che contiene testo, documento, Parallelo, numero&#10;&#10;Il contenuto generato dall'IA potrebbe non essere corretto.">
             <a:extLst>
               <a:ext uri="{FF2B5EF4-FFF2-40B4-BE49-F238E27FC236}">
-                <a16:creationId xmlns:a16="http://schemas.microsoft.com/office/drawing/2014/main" id="{1C55DE99-4083-E5E4-914F-7B9EDBBAB623}"/>
+                <a16:creationId xmlns:a16="http://schemas.microsoft.com/office/drawing/2014/main" id="{66CF6A81-B610-55FA-171B-0C9101A8FF89}"/>
               </a:ext>
             </a:extLst>
           </p:cNvPr>
-          <p:cNvSpPr>
-            <a:spLocks noGrp="1"/>
-          </p:cNvSpPr>
-          <p:nvPr>
-            <p:ph idx="1"/>
-          </p:nvPr>
-        </p:nvSpPr>
+          <p:cNvPicPr>
+            <a:picLocks noChangeAspect="1"/>
+          </p:cNvPicPr>
+          <p:nvPr/>
+        </p:nvPicPr>
+        <p:blipFill>
+          <a:blip r:embed="rId2">
+            <a:extLst>
+              <a:ext uri="{28A0092B-C50C-407E-A947-70E740481C1C}">
+                <a14:useLocalDpi xmlns:a14="http://schemas.microsoft.com/office/drawing/2010/main" val="0"/>
+              </a:ext>
+            </a:extLst>
+          </a:blip>
+          <a:stretch>
+            <a:fillRect/>
+          </a:stretch>
+        </p:blipFill>
         <p:spPr>
           <a:xfrm>
-            <a:off x="7821120" y="2510119"/>
-            <a:ext cx="3602567" cy="1829292"/>
+            <a:off x="995622" y="267759"/>
+            <a:ext cx="4938734" cy="6331711"/>
           </a:xfrm>
+          <a:prstGeom prst="rect">
+            <a:avLst/>
+          </a:prstGeom>
         </p:spPr>
-        <p:txBody>
-          <a:bodyPr vert="horz" lIns="91440" tIns="45720" rIns="91440" bIns="45720" rtlCol="0" anchor="ctr">
-            <a:normAutofit/>
-          </a:bodyPr>
-          <a:lstStyle/>
-          <a:p>
-            <a:pPr marL="0" indent="0">
-              <a:buNone/>
-            </a:pPr>
-            <a:r>
-              <a:rPr lang="en-US" sz="4000" dirty="0">
-                <a:solidFill>
-                  <a:srgbClr val="FFFFFF"/>
-                </a:solidFill>
-              </a:rPr>
-              <a:t>Fine</a:t>
-            </a:r>
-          </a:p>
-        </p:txBody>
-      </p:sp>
+      </p:pic>
     </p:spTree>
     <p:extLst>
       <p:ext uri="{BB962C8B-B14F-4D97-AF65-F5344CB8AC3E}">
-        <p14:creationId xmlns:p14="http://schemas.microsoft.com/office/powerpoint/2010/main" val="779801909"/>
+        <p14:creationId xmlns:p14="http://schemas.microsoft.com/office/powerpoint/2010/main" val="1039553076"/>
+      </p:ext>
+    </p:extLst>
+  </p:cSld>
+  <p:clrMapOvr>
+    <a:masterClrMapping/>
+  </p:clrMapOvr>
+</p:sld>
+</file>
+
+<file path=ppt/slides/slide19.xml><?xml version="1.0" encoding="utf-8"?>
+<p:sld xmlns:a="http://schemas.openxmlformats.org/drawingml/2006/main" xmlns:r="http://schemas.openxmlformats.org/officeDocument/2006/relationships" xmlns:p="http://schemas.openxmlformats.org/presentationml/2006/main">
+  <p:cSld>
+    <p:spTree>
+      <p:nvGrpSpPr>
+        <p:cNvPr id="1" name=""/>
+        <p:cNvGrpSpPr/>
+        <p:nvPr/>
+      </p:nvGrpSpPr>
+      <p:grpSpPr>
+        <a:xfrm>
+          <a:off x="0" y="0"/>
+          <a:ext cx="0" cy="0"/>
+          <a:chOff x="0" y="0"/>
+          <a:chExt cx="0" cy="0"/>
+        </a:xfrm>
+      </p:grpSpPr>
+      <p:sp>
+        <p:nvSpPr>
+          <p:cNvPr id="2" name="Titolo 1">
+            <a:extLst>
+              <a:ext uri="{FF2B5EF4-FFF2-40B4-BE49-F238E27FC236}">
+                <a16:creationId xmlns:a16="http://schemas.microsoft.com/office/drawing/2014/main" id="{7A395D81-120D-522D-A951-24F0288CF225}"/>
+              </a:ext>
+            </a:extLst>
+          </p:cNvPr>
+          <p:cNvSpPr>
+            <a:spLocks noGrp="1"/>
+          </p:cNvSpPr>
+          <p:nvPr>
+            <p:ph type="title"/>
+          </p:nvPr>
+        </p:nvSpPr>
+        <p:spPr/>
+        <p:txBody>
+          <a:bodyPr/>
+          <a:lstStyle/>
+          <a:p>
+            <a:r>
+              <a:rPr lang="it-IT" dirty="0"/>
+              <a:t>Diagramma di sequenza</a:t>
+            </a:r>
+          </a:p>
+        </p:txBody>
+      </p:sp>
+      <p:pic>
+        <p:nvPicPr>
+          <p:cNvPr id="5" name="Segnaposto contenuto 4" descr="Immagine che contiene testo, diagramma, Carattere, linea&#10;&#10;Il contenuto generato dall'IA potrebbe non essere corretto.">
+            <a:extLst>
+              <a:ext uri="{FF2B5EF4-FFF2-40B4-BE49-F238E27FC236}">
+                <a16:creationId xmlns:a16="http://schemas.microsoft.com/office/drawing/2014/main" id="{B17CC6C9-79C7-AC4E-5797-56457BF9890B}"/>
+              </a:ext>
+            </a:extLst>
+          </p:cNvPr>
+          <p:cNvPicPr>
+            <a:picLocks noGrp="1" noChangeAspect="1"/>
+          </p:cNvPicPr>
+          <p:nvPr>
+            <p:ph idx="1"/>
+          </p:nvPr>
+        </p:nvPicPr>
+        <p:blipFill>
+          <a:blip r:embed="rId2">
+            <a:extLst>
+              <a:ext uri="{28A0092B-C50C-407E-A947-70E740481C1C}">
+                <a14:useLocalDpi xmlns:a14="http://schemas.microsoft.com/office/drawing/2010/main" val="0"/>
+              </a:ext>
+            </a:extLst>
+          </a:blip>
+          <a:stretch>
+            <a:fillRect/>
+          </a:stretch>
+        </p:blipFill>
+        <p:spPr>
+          <a:xfrm>
+            <a:off x="1325326" y="2160588"/>
+            <a:ext cx="7301386" cy="3881437"/>
+          </a:xfrm>
+        </p:spPr>
+      </p:pic>
+    </p:spTree>
+    <p:extLst>
+      <p:ext uri="{BB962C8B-B14F-4D97-AF65-F5344CB8AC3E}">
+        <p14:creationId xmlns:p14="http://schemas.microsoft.com/office/powerpoint/2010/main" val="2127044682"/>
       </p:ext>
     </p:extLst>
   </p:cSld>
@@ -10127,6 +10929,2702 @@
 </p:sld>
 </file>
 
+<file path=ppt/slides/slide20.xml><?xml version="1.0" encoding="utf-8"?>
+<p:sld xmlns:a="http://schemas.openxmlformats.org/drawingml/2006/main" xmlns:r="http://schemas.openxmlformats.org/officeDocument/2006/relationships" xmlns:p="http://schemas.openxmlformats.org/presentationml/2006/main">
+  <p:cSld>
+    <p:spTree>
+      <p:nvGrpSpPr>
+        <p:cNvPr id="1" name=""/>
+        <p:cNvGrpSpPr/>
+        <p:nvPr/>
+      </p:nvGrpSpPr>
+      <p:grpSpPr>
+        <a:xfrm>
+          <a:off x="0" y="0"/>
+          <a:ext cx="0" cy="0"/>
+          <a:chOff x="0" y="0"/>
+          <a:chExt cx="0" cy="0"/>
+        </a:xfrm>
+      </p:grpSpPr>
+      <p:sp>
+        <p:nvSpPr>
+          <p:cNvPr id="2" name="Titolo 1">
+            <a:extLst>
+              <a:ext uri="{FF2B5EF4-FFF2-40B4-BE49-F238E27FC236}">
+                <a16:creationId xmlns:a16="http://schemas.microsoft.com/office/drawing/2014/main" id="{82567EF0-26AB-E5AA-FDDC-8654EE34F302}"/>
+              </a:ext>
+            </a:extLst>
+          </p:cNvPr>
+          <p:cNvSpPr>
+            <a:spLocks noGrp="1"/>
+          </p:cNvSpPr>
+          <p:nvPr>
+            <p:ph type="title"/>
+          </p:nvPr>
+        </p:nvSpPr>
+        <p:spPr/>
+        <p:txBody>
+          <a:bodyPr/>
+          <a:lstStyle/>
+          <a:p>
+            <a:r>
+              <a:rPr lang="it-IT" dirty="0"/>
+              <a:t>Test Case del progetto</a:t>
+            </a:r>
+          </a:p>
+        </p:txBody>
+      </p:sp>
+      <p:sp>
+        <p:nvSpPr>
+          <p:cNvPr id="3" name="Segnaposto contenuto 2">
+            <a:extLst>
+              <a:ext uri="{FF2B5EF4-FFF2-40B4-BE49-F238E27FC236}">
+                <a16:creationId xmlns:a16="http://schemas.microsoft.com/office/drawing/2014/main" id="{FFF5C281-F526-1D4F-1B69-DA7F3A2EC133}"/>
+              </a:ext>
+            </a:extLst>
+          </p:cNvPr>
+          <p:cNvSpPr>
+            <a:spLocks noGrp="1"/>
+          </p:cNvSpPr>
+          <p:nvPr>
+            <p:ph idx="1"/>
+          </p:nvPr>
+        </p:nvSpPr>
+        <p:spPr/>
+        <p:txBody>
+          <a:bodyPr/>
+          <a:lstStyle/>
+          <a:p>
+            <a:endParaRPr lang="it-IT" dirty="0"/>
+          </a:p>
+        </p:txBody>
+      </p:sp>
+      <p:pic>
+        <p:nvPicPr>
+          <p:cNvPr id="5" name="Immagine 4">
+            <a:extLst>
+              <a:ext uri="{FF2B5EF4-FFF2-40B4-BE49-F238E27FC236}">
+                <a16:creationId xmlns:a16="http://schemas.microsoft.com/office/drawing/2014/main" id="{9ADA79DA-8CCC-75A7-B73D-DC09138E5333}"/>
+              </a:ext>
+            </a:extLst>
+          </p:cNvPr>
+          <p:cNvPicPr>
+            <a:picLocks noChangeAspect="1"/>
+          </p:cNvPicPr>
+          <p:nvPr/>
+        </p:nvPicPr>
+        <p:blipFill>
+          <a:blip r:embed="rId2"/>
+          <a:stretch>
+            <a:fillRect/>
+          </a:stretch>
+        </p:blipFill>
+        <p:spPr>
+          <a:xfrm>
+            <a:off x="506412" y="1849120"/>
+            <a:ext cx="8938512" cy="4110962"/>
+          </a:xfrm>
+          <a:prstGeom prst="rect">
+            <a:avLst/>
+          </a:prstGeom>
+        </p:spPr>
+      </p:pic>
+    </p:spTree>
+    <p:extLst>
+      <p:ext uri="{BB962C8B-B14F-4D97-AF65-F5344CB8AC3E}">
+        <p14:creationId xmlns:p14="http://schemas.microsoft.com/office/powerpoint/2010/main" val="2799677219"/>
+      </p:ext>
+    </p:extLst>
+  </p:cSld>
+  <p:clrMapOvr>
+    <a:masterClrMapping/>
+  </p:clrMapOvr>
+</p:sld>
+</file>
+
+<file path=ppt/slides/slide21.xml><?xml version="1.0" encoding="utf-8"?>
+<p:sld xmlns:a="http://schemas.openxmlformats.org/drawingml/2006/main" xmlns:r="http://schemas.openxmlformats.org/officeDocument/2006/relationships" xmlns:p="http://schemas.openxmlformats.org/presentationml/2006/main">
+  <p:cSld>
+    <p:bg>
+      <p:bgPr>
+        <a:solidFill>
+          <a:schemeClr val="bg1"/>
+        </a:solidFill>
+        <a:effectLst/>
+      </p:bgPr>
+    </p:bg>
+    <p:spTree>
+      <p:nvGrpSpPr>
+        <p:cNvPr id="1" name=""/>
+        <p:cNvGrpSpPr/>
+        <p:nvPr/>
+      </p:nvGrpSpPr>
+      <p:grpSpPr>
+        <a:xfrm>
+          <a:off x="0" y="0"/>
+          <a:ext cx="0" cy="0"/>
+          <a:chOff x="0" y="0"/>
+          <a:chExt cx="0" cy="0"/>
+        </a:xfrm>
+      </p:grpSpPr>
+      <p:sp>
+        <p:nvSpPr>
+          <p:cNvPr id="2" name="Titolo 1">
+            <a:extLst>
+              <a:ext uri="{FF2B5EF4-FFF2-40B4-BE49-F238E27FC236}">
+                <a16:creationId xmlns:a16="http://schemas.microsoft.com/office/drawing/2014/main" id="{934ED016-FABA-C9FA-8C8D-F7C51D524762}"/>
+              </a:ext>
+            </a:extLst>
+          </p:cNvPr>
+          <p:cNvSpPr>
+            <a:spLocks noGrp="1"/>
+          </p:cNvSpPr>
+          <p:nvPr>
+            <p:ph type="title"/>
+          </p:nvPr>
+        </p:nvSpPr>
+        <p:spPr>
+          <a:xfrm>
+            <a:off x="5113866" y="609600"/>
+            <a:ext cx="4308993" cy="1320800"/>
+          </a:xfrm>
+        </p:spPr>
+        <p:txBody>
+          <a:bodyPr anchor="ctr">
+            <a:normAutofit fontScale="90000"/>
+          </a:bodyPr>
+          <a:lstStyle/>
+          <a:p>
+            <a:r>
+              <a:rPr lang="it-IT" dirty="0"/>
+              <a:t>Il progetto: </a:t>
+            </a:r>
+            <a:br>
+              <a:rPr lang="it-IT" dirty="0"/>
+            </a:br>
+            <a:r>
+              <a:rPr lang="it-IT" dirty="0"/>
+              <a:t>breve introduzione alle pagine</a:t>
+            </a:r>
+          </a:p>
+        </p:txBody>
+      </p:sp>
+      <p:sp>
+        <p:nvSpPr>
+          <p:cNvPr id="3" name="Segnaposto contenuto 2">
+            <a:extLst>
+              <a:ext uri="{FF2B5EF4-FFF2-40B4-BE49-F238E27FC236}">
+                <a16:creationId xmlns:a16="http://schemas.microsoft.com/office/drawing/2014/main" id="{FF42A976-0097-B15E-A6A5-25E23E63DED3}"/>
+              </a:ext>
+            </a:extLst>
+          </p:cNvPr>
+          <p:cNvSpPr>
+            <a:spLocks noGrp="1"/>
+          </p:cNvSpPr>
+          <p:nvPr>
+            <p:ph idx="1"/>
+          </p:nvPr>
+        </p:nvSpPr>
+        <p:spPr>
+          <a:xfrm>
+            <a:off x="5168054" y="2160589"/>
+            <a:ext cx="4254806" cy="3880773"/>
+          </a:xfrm>
+        </p:spPr>
+        <p:txBody>
+          <a:bodyPr>
+            <a:normAutofit/>
+          </a:bodyPr>
+          <a:lstStyle/>
+          <a:p>
+            <a:r>
+              <a:rPr lang="it-IT" dirty="0"/>
+              <a:t>Sistema di login</a:t>
+            </a:r>
+          </a:p>
+          <a:p>
+            <a:pPr lvl="1"/>
+            <a:r>
+              <a:rPr lang="it-IT" dirty="0"/>
+              <a:t>Credenziali del professore</a:t>
+            </a:r>
+          </a:p>
+          <a:p>
+            <a:r>
+              <a:rPr lang="it-IT" dirty="0"/>
+              <a:t>Assenza di registrazione </a:t>
+            </a:r>
+          </a:p>
+          <a:p>
+            <a:pPr lvl="1"/>
+            <a:r>
+              <a:rPr lang="it-IT" dirty="0"/>
+              <a:t>si prevede l’uso di un database con credenziali universitarie </a:t>
+            </a:r>
+            <a:r>
+              <a:rPr lang="it-IT" dirty="0" err="1"/>
+              <a:t>pre</a:t>
+            </a:r>
+            <a:r>
+              <a:rPr lang="it-IT" dirty="0"/>
+              <a:t>-create</a:t>
+            </a:r>
+          </a:p>
+        </p:txBody>
+      </p:sp>
+      <p:pic>
+        <p:nvPicPr>
+          <p:cNvPr id="5" name="Immagine 4">
+            <a:extLst>
+              <a:ext uri="{FF2B5EF4-FFF2-40B4-BE49-F238E27FC236}">
+                <a16:creationId xmlns:a16="http://schemas.microsoft.com/office/drawing/2014/main" id="{58F9E44A-7898-455A-C752-A706778B7757}"/>
+              </a:ext>
+            </a:extLst>
+          </p:cNvPr>
+          <p:cNvPicPr>
+            <a:picLocks noChangeAspect="1"/>
+          </p:cNvPicPr>
+          <p:nvPr/>
+        </p:nvPicPr>
+        <p:blipFill>
+          <a:blip r:embed="rId2"/>
+          <a:stretch>
+            <a:fillRect/>
+          </a:stretch>
+        </p:blipFill>
+        <p:spPr>
+          <a:xfrm>
+            <a:off x="948829" y="1368212"/>
+            <a:ext cx="3752564" cy="3525993"/>
+          </a:xfrm>
+          <a:prstGeom prst="rect">
+            <a:avLst/>
+          </a:prstGeom>
+        </p:spPr>
+      </p:pic>
+    </p:spTree>
+    <p:extLst>
+      <p:ext uri="{BB962C8B-B14F-4D97-AF65-F5344CB8AC3E}">
+        <p14:creationId xmlns:p14="http://schemas.microsoft.com/office/powerpoint/2010/main" val="2793934083"/>
+      </p:ext>
+    </p:extLst>
+  </p:cSld>
+  <p:clrMapOvr>
+    <a:masterClrMapping/>
+  </p:clrMapOvr>
+</p:sld>
+</file>
+
+<file path=ppt/slides/slide22.xml><?xml version="1.0" encoding="utf-8"?>
+<p:sld xmlns:a="http://schemas.openxmlformats.org/drawingml/2006/main" xmlns:r="http://schemas.openxmlformats.org/officeDocument/2006/relationships" xmlns:p="http://schemas.openxmlformats.org/presentationml/2006/main">
+  <p:cSld>
+    <p:bg>
+      <p:bgPr>
+        <a:solidFill>
+          <a:schemeClr val="bg1"/>
+        </a:solidFill>
+        <a:effectLst/>
+      </p:bgPr>
+    </p:bg>
+    <p:spTree>
+      <p:nvGrpSpPr>
+        <p:cNvPr id="1" name=""/>
+        <p:cNvGrpSpPr/>
+        <p:nvPr/>
+      </p:nvGrpSpPr>
+      <p:grpSpPr>
+        <a:xfrm>
+          <a:off x="0" y="0"/>
+          <a:ext cx="0" cy="0"/>
+          <a:chOff x="0" y="0"/>
+          <a:chExt cx="0" cy="0"/>
+        </a:xfrm>
+      </p:grpSpPr>
+      <p:sp useBgFill="1">
+        <p:nvSpPr>
+          <p:cNvPr id="8" name="Rectangle 7">
+            <a:extLst>
+              <a:ext uri="{FF2B5EF4-FFF2-40B4-BE49-F238E27FC236}">
+                <a16:creationId xmlns:a16="http://schemas.microsoft.com/office/drawing/2014/main" id="{E80B86A7-A1EC-475B-9166-88902B033A38}"/>
+              </a:ext>
+              <a:ext uri="{C183D7F6-B498-43B3-948B-1728B52AA6E4}">
+                <adec:decorative xmlns:adec="http://schemas.microsoft.com/office/drawing/2017/decorative" val="1"/>
+              </a:ext>
+            </a:extLst>
+          </p:cNvPr>
+          <p:cNvSpPr>
+            <a:spLocks noGrp="1" noRot="1" noChangeAspect="1" noMove="1" noResize="1" noEditPoints="1" noAdjustHandles="1" noChangeArrowheads="1" noChangeShapeType="1" noTextEdit="1"/>
+          </p:cNvSpPr>
+          <p:nvPr>
+            <p:extLst>
+              <p:ext uri="{386F3935-93C4-4BCD-93E2-E3B085C9AB24}">
+                <p16:designElem xmlns:p16="http://schemas.microsoft.com/office/powerpoint/2015/main" val="1"/>
+              </p:ext>
+            </p:extLst>
+          </p:nvPr>
+        </p:nvSpPr>
+        <p:spPr>
+          <a:xfrm>
+            <a:off x="0" y="0"/>
+            <a:ext cx="12192000" cy="6858000"/>
+          </a:xfrm>
+          <a:prstGeom prst="rect">
+            <a:avLst/>
+          </a:prstGeom>
+          <a:ln>
+            <a:noFill/>
+          </a:ln>
+        </p:spPr>
+        <p:style>
+          <a:lnRef idx="2">
+            <a:schemeClr val="accent1">
+              <a:shade val="50000"/>
+            </a:schemeClr>
+          </a:lnRef>
+          <a:fillRef idx="1">
+            <a:schemeClr val="accent1"/>
+          </a:fillRef>
+          <a:effectRef idx="0">
+            <a:schemeClr val="accent1"/>
+          </a:effectRef>
+          <a:fontRef idx="minor">
+            <a:schemeClr val="lt1"/>
+          </a:fontRef>
+        </p:style>
+        <p:txBody>
+          <a:bodyPr rtlCol="0" anchor="ctr"/>
+          <a:lstStyle/>
+          <a:p>
+            <a:pPr algn="ctr"/>
+            <a:endParaRPr lang="en-US"/>
+          </a:p>
+        </p:txBody>
+      </p:sp>
+      <p:sp>
+        <p:nvSpPr>
+          <p:cNvPr id="2" name="Titolo 1">
+            <a:extLst>
+              <a:ext uri="{FF2B5EF4-FFF2-40B4-BE49-F238E27FC236}">
+                <a16:creationId xmlns:a16="http://schemas.microsoft.com/office/drawing/2014/main" id="{91944A8D-7B9B-F2D9-67A2-99911323F367}"/>
+              </a:ext>
+            </a:extLst>
+          </p:cNvPr>
+          <p:cNvSpPr>
+            <a:spLocks noGrp="1"/>
+          </p:cNvSpPr>
+          <p:nvPr>
+            <p:ph type="title"/>
+          </p:nvPr>
+        </p:nvSpPr>
+        <p:spPr>
+          <a:xfrm>
+            <a:off x="1333502" y="609600"/>
+            <a:ext cx="8596668" cy="1320800"/>
+          </a:xfrm>
+        </p:spPr>
+        <p:txBody>
+          <a:bodyPr>
+            <a:normAutofit/>
+          </a:bodyPr>
+          <a:lstStyle/>
+          <a:p>
+            <a:r>
+              <a:rPr lang="it-IT" dirty="0"/>
+              <a:t>Il progetto: </a:t>
+            </a:r>
+            <a:br>
+              <a:rPr lang="it-IT" dirty="0"/>
+            </a:br>
+            <a:r>
+              <a:rPr lang="it-IT" dirty="0"/>
+              <a:t>breve introduzione alle pagine</a:t>
+            </a:r>
+          </a:p>
+        </p:txBody>
+      </p:sp>
+      <p:sp>
+        <p:nvSpPr>
+          <p:cNvPr id="10" name="Isosceles Triangle 9">
+            <a:extLst>
+              <a:ext uri="{FF2B5EF4-FFF2-40B4-BE49-F238E27FC236}">
+                <a16:creationId xmlns:a16="http://schemas.microsoft.com/office/drawing/2014/main" id="{C2C29CB1-9F74-4879-A6AF-AEA67B6F1F4D}"/>
+              </a:ext>
+              <a:ext uri="{C183D7F6-B498-43B3-948B-1728B52AA6E4}">
+                <adec:decorative xmlns:adec="http://schemas.microsoft.com/office/drawing/2017/decorative" val="1"/>
+              </a:ext>
+            </a:extLst>
+          </p:cNvPr>
+          <p:cNvSpPr>
+            <a:spLocks noGrp="1" noRot="1" noChangeAspect="1" noMove="1" noResize="1" noEditPoints="1" noAdjustHandles="1" noChangeArrowheads="1" noChangeShapeType="1" noTextEdit="1"/>
+          </p:cNvSpPr>
+          <p:nvPr>
+            <p:extLst>
+              <p:ext uri="{386F3935-93C4-4BCD-93E2-E3B085C9AB24}">
+                <p16:designElem xmlns:p16="http://schemas.microsoft.com/office/powerpoint/2015/main" val="1"/>
+              </p:ext>
+            </p:extLst>
+          </p:nvPr>
+        </p:nvSpPr>
+        <p:spPr>
+          <a:xfrm rot="10800000">
+            <a:off x="0" y="0"/>
+            <a:ext cx="842596" cy="5666154"/>
+          </a:xfrm>
+          <a:prstGeom prst="triangle">
+            <a:avLst>
+              <a:gd name="adj" fmla="val 100000"/>
+            </a:avLst>
+          </a:prstGeom>
+          <a:solidFill>
+            <a:schemeClr val="accent1">
+              <a:alpha val="85000"/>
+            </a:schemeClr>
+          </a:solidFill>
+          <a:ln>
+            <a:noFill/>
+          </a:ln>
+          <a:effectLst/>
+        </p:spPr>
+        <p:style>
+          <a:lnRef idx="1">
+            <a:schemeClr val="accent1"/>
+          </a:lnRef>
+          <a:fillRef idx="3">
+            <a:schemeClr val="accent1"/>
+          </a:fillRef>
+          <a:effectRef idx="2">
+            <a:schemeClr val="accent1"/>
+          </a:effectRef>
+          <a:fontRef idx="minor">
+            <a:schemeClr val="lt1"/>
+          </a:fontRef>
+        </p:style>
+        <p:txBody>
+          <a:bodyPr/>
+          <a:lstStyle/>
+          <a:p>
+            <a:endParaRPr lang="it-IT"/>
+          </a:p>
+        </p:txBody>
+      </p:sp>
+      <p:sp>
+        <p:nvSpPr>
+          <p:cNvPr id="3" name="Segnaposto contenuto 2">
+            <a:extLst>
+              <a:ext uri="{FF2B5EF4-FFF2-40B4-BE49-F238E27FC236}">
+                <a16:creationId xmlns:a16="http://schemas.microsoft.com/office/drawing/2014/main" id="{66F99916-1B9B-325C-448D-94DFC794D6D6}"/>
+              </a:ext>
+            </a:extLst>
+          </p:cNvPr>
+          <p:cNvSpPr>
+            <a:spLocks noGrp="1"/>
+          </p:cNvSpPr>
+          <p:nvPr>
+            <p:ph idx="1"/>
+          </p:nvPr>
+        </p:nvSpPr>
+        <p:spPr>
+          <a:xfrm>
+            <a:off x="1333502" y="2627950"/>
+            <a:ext cx="4999565" cy="1436050"/>
+          </a:xfrm>
+        </p:spPr>
+        <p:txBody>
+          <a:bodyPr>
+            <a:normAutofit/>
+          </a:bodyPr>
+          <a:lstStyle/>
+          <a:p>
+            <a:r>
+              <a:rPr lang="it-IT" dirty="0"/>
+              <a:t>Pannello selezione</a:t>
+            </a:r>
+          </a:p>
+          <a:p>
+            <a:pPr lvl="1"/>
+            <a:r>
+              <a:rPr lang="it-IT" dirty="0"/>
+              <a:t>Accesso alla gestione di Esami ed Esercizi</a:t>
+            </a:r>
+          </a:p>
+          <a:p>
+            <a:endParaRPr lang="it-IT" dirty="0"/>
+          </a:p>
+        </p:txBody>
+      </p:sp>
+      <p:sp>
+        <p:nvSpPr>
+          <p:cNvPr id="12" name="Isosceles Triangle 11">
+            <a:extLst>
+              <a:ext uri="{FF2B5EF4-FFF2-40B4-BE49-F238E27FC236}">
+                <a16:creationId xmlns:a16="http://schemas.microsoft.com/office/drawing/2014/main" id="{7E2C7115-5336-410C-AD71-0F0952A2E5A7}"/>
+              </a:ext>
+              <a:ext uri="{C183D7F6-B498-43B3-948B-1728B52AA6E4}">
+                <adec:decorative xmlns:adec="http://schemas.microsoft.com/office/drawing/2017/decorative" val="1"/>
+              </a:ext>
+            </a:extLst>
+          </p:cNvPr>
+          <p:cNvSpPr>
+            <a:spLocks noGrp="1" noRot="1" noChangeAspect="1" noMove="1" noResize="1" noEditPoints="1" noAdjustHandles="1" noChangeArrowheads="1" noChangeShapeType="1" noTextEdit="1"/>
+          </p:cNvSpPr>
+          <p:nvPr>
+            <p:extLst>
+              <p:ext uri="{386F3935-93C4-4BCD-93E2-E3B085C9AB24}">
+                <p16:designElem xmlns:p16="http://schemas.microsoft.com/office/powerpoint/2015/main" val="1"/>
+              </p:ext>
+            </p:extLst>
+          </p:nvPr>
+        </p:nvSpPr>
+        <p:spPr>
+          <a:xfrm flipH="1">
+            <a:off x="11743267" y="4013200"/>
+            <a:ext cx="448733" cy="2844800"/>
+          </a:xfrm>
+          <a:prstGeom prst="triangle">
+            <a:avLst>
+              <a:gd name="adj" fmla="val 0"/>
+            </a:avLst>
+          </a:prstGeom>
+          <a:solidFill>
+            <a:schemeClr val="accent1">
+              <a:alpha val="85000"/>
+            </a:schemeClr>
+          </a:solidFill>
+          <a:ln>
+            <a:noFill/>
+          </a:ln>
+          <a:effectLst/>
+        </p:spPr>
+        <p:style>
+          <a:lnRef idx="1">
+            <a:schemeClr val="accent1"/>
+          </a:lnRef>
+          <a:fillRef idx="3">
+            <a:schemeClr val="accent1"/>
+          </a:fillRef>
+          <a:effectRef idx="2">
+            <a:schemeClr val="accent1"/>
+          </a:effectRef>
+          <a:fontRef idx="minor">
+            <a:schemeClr val="lt1"/>
+          </a:fontRef>
+        </p:style>
+        <p:txBody>
+          <a:bodyPr/>
+          <a:lstStyle/>
+          <a:p>
+            <a:endParaRPr lang="it-IT"/>
+          </a:p>
+        </p:txBody>
+      </p:sp>
+      <p:pic>
+        <p:nvPicPr>
+          <p:cNvPr id="4" name="Immagine 3">
+            <a:extLst>
+              <a:ext uri="{FF2B5EF4-FFF2-40B4-BE49-F238E27FC236}">
+                <a16:creationId xmlns:a16="http://schemas.microsoft.com/office/drawing/2014/main" id="{BB8CADC9-A576-67B3-7AD1-D0BE5A68CC01}"/>
+              </a:ext>
+            </a:extLst>
+          </p:cNvPr>
+          <p:cNvPicPr>
+            <a:picLocks noChangeAspect="1"/>
+          </p:cNvPicPr>
+          <p:nvPr/>
+        </p:nvPicPr>
+        <p:blipFill>
+          <a:blip r:embed="rId2"/>
+          <a:stretch>
+            <a:fillRect/>
+          </a:stretch>
+        </p:blipFill>
+        <p:spPr>
+          <a:xfrm>
+            <a:off x="6823972" y="2021002"/>
+            <a:ext cx="3549375" cy="3308864"/>
+          </a:xfrm>
+          <a:prstGeom prst="rect">
+            <a:avLst/>
+          </a:prstGeom>
+        </p:spPr>
+      </p:pic>
+    </p:spTree>
+    <p:extLst>
+      <p:ext uri="{BB962C8B-B14F-4D97-AF65-F5344CB8AC3E}">
+        <p14:creationId xmlns:p14="http://schemas.microsoft.com/office/powerpoint/2010/main" val="3265896089"/>
+      </p:ext>
+    </p:extLst>
+  </p:cSld>
+  <p:clrMapOvr>
+    <a:masterClrMapping/>
+  </p:clrMapOvr>
+</p:sld>
+</file>
+
+<file path=ppt/slides/slide23.xml><?xml version="1.0" encoding="utf-8"?>
+<p:sld xmlns:a="http://schemas.openxmlformats.org/drawingml/2006/main" xmlns:r="http://schemas.openxmlformats.org/officeDocument/2006/relationships" xmlns:p="http://schemas.openxmlformats.org/presentationml/2006/main">
+  <p:cSld>
+    <p:spTree>
+      <p:nvGrpSpPr>
+        <p:cNvPr id="1" name=""/>
+        <p:cNvGrpSpPr/>
+        <p:nvPr/>
+      </p:nvGrpSpPr>
+      <p:grpSpPr>
+        <a:xfrm>
+          <a:off x="0" y="0"/>
+          <a:ext cx="0" cy="0"/>
+          <a:chOff x="0" y="0"/>
+          <a:chExt cx="0" cy="0"/>
+        </a:xfrm>
+      </p:grpSpPr>
+      <p:sp>
+        <p:nvSpPr>
+          <p:cNvPr id="2" name="Titolo 1">
+            <a:extLst>
+              <a:ext uri="{FF2B5EF4-FFF2-40B4-BE49-F238E27FC236}">
+                <a16:creationId xmlns:a16="http://schemas.microsoft.com/office/drawing/2014/main" id="{E6C400F9-16B2-BEF2-EE78-563A5A4B0F7A}"/>
+              </a:ext>
+            </a:extLst>
+          </p:cNvPr>
+          <p:cNvSpPr>
+            <a:spLocks noGrp="1"/>
+          </p:cNvSpPr>
+          <p:nvPr>
+            <p:ph type="title"/>
+          </p:nvPr>
+        </p:nvSpPr>
+        <p:spPr/>
+        <p:txBody>
+          <a:bodyPr/>
+          <a:lstStyle/>
+          <a:p>
+            <a:r>
+              <a:rPr lang="it-IT" dirty="0"/>
+              <a:t>Il progetto</a:t>
+            </a:r>
+          </a:p>
+        </p:txBody>
+      </p:sp>
+      <p:sp>
+        <p:nvSpPr>
+          <p:cNvPr id="3" name="Segnaposto contenuto 2">
+            <a:extLst>
+              <a:ext uri="{FF2B5EF4-FFF2-40B4-BE49-F238E27FC236}">
+                <a16:creationId xmlns:a16="http://schemas.microsoft.com/office/drawing/2014/main" id="{650AD045-39E4-2451-28F5-A436CC07CC30}"/>
+              </a:ext>
+            </a:extLst>
+          </p:cNvPr>
+          <p:cNvSpPr>
+            <a:spLocks noGrp="1"/>
+          </p:cNvSpPr>
+          <p:nvPr>
+            <p:ph idx="1"/>
+          </p:nvPr>
+        </p:nvSpPr>
+        <p:spPr/>
+        <p:txBody>
+          <a:bodyPr/>
+          <a:lstStyle/>
+          <a:p>
+            <a:r>
+              <a:rPr lang="it-IT" dirty="0"/>
+              <a:t>Sistema di gestione degli esercizi</a:t>
+            </a:r>
+          </a:p>
+          <a:p>
+            <a:pPr lvl="1"/>
+            <a:r>
+              <a:rPr lang="it-IT" dirty="0"/>
+              <a:t>Creazione</a:t>
+            </a:r>
+          </a:p>
+          <a:p>
+            <a:pPr lvl="1"/>
+            <a:r>
+              <a:rPr lang="it-IT" dirty="0"/>
+              <a:t>Visualizzazione</a:t>
+            </a:r>
+          </a:p>
+          <a:p>
+            <a:pPr lvl="1"/>
+            <a:r>
+              <a:rPr lang="it-IT" dirty="0"/>
+              <a:t>Eliminazione</a:t>
+            </a:r>
+          </a:p>
+          <a:p>
+            <a:pPr lvl="1"/>
+            <a:r>
+              <a:rPr lang="it-IT" dirty="0"/>
+              <a:t>Modifica</a:t>
+            </a:r>
+          </a:p>
+        </p:txBody>
+      </p:sp>
+      <p:pic>
+        <p:nvPicPr>
+          <p:cNvPr id="9" name="Immagine 8">
+            <a:extLst>
+              <a:ext uri="{FF2B5EF4-FFF2-40B4-BE49-F238E27FC236}">
+                <a16:creationId xmlns:a16="http://schemas.microsoft.com/office/drawing/2014/main" id="{114AF750-FD9E-B198-7AEE-3882D94B3D43}"/>
+              </a:ext>
+            </a:extLst>
+          </p:cNvPr>
+          <p:cNvPicPr>
+            <a:picLocks noChangeAspect="1"/>
+          </p:cNvPicPr>
+          <p:nvPr/>
+        </p:nvPicPr>
+        <p:blipFill>
+          <a:blip r:embed="rId2"/>
+          <a:stretch>
+            <a:fillRect/>
+          </a:stretch>
+        </p:blipFill>
+        <p:spPr>
+          <a:xfrm>
+            <a:off x="3391853" y="3005305"/>
+            <a:ext cx="6039521" cy="2870563"/>
+          </a:xfrm>
+          <a:prstGeom prst="rect">
+            <a:avLst/>
+          </a:prstGeom>
+        </p:spPr>
+      </p:pic>
+    </p:spTree>
+    <p:extLst>
+      <p:ext uri="{BB962C8B-B14F-4D97-AF65-F5344CB8AC3E}">
+        <p14:creationId xmlns:p14="http://schemas.microsoft.com/office/powerpoint/2010/main" val="3317352212"/>
+      </p:ext>
+    </p:extLst>
+  </p:cSld>
+  <p:clrMapOvr>
+    <a:masterClrMapping/>
+  </p:clrMapOvr>
+</p:sld>
+</file>
+
+<file path=ppt/slides/slide24.xml><?xml version="1.0" encoding="utf-8"?>
+<p:sld xmlns:a="http://schemas.openxmlformats.org/drawingml/2006/main" xmlns:r="http://schemas.openxmlformats.org/officeDocument/2006/relationships" xmlns:p="http://schemas.openxmlformats.org/presentationml/2006/main">
+  <p:cSld>
+    <p:bg>
+      <p:bgPr>
+        <a:solidFill>
+          <a:schemeClr val="bg1"/>
+        </a:solidFill>
+        <a:effectLst/>
+      </p:bgPr>
+    </p:bg>
+    <p:spTree>
+      <p:nvGrpSpPr>
+        <p:cNvPr id="1" name=""/>
+        <p:cNvGrpSpPr/>
+        <p:nvPr/>
+      </p:nvGrpSpPr>
+      <p:grpSpPr>
+        <a:xfrm>
+          <a:off x="0" y="0"/>
+          <a:ext cx="0" cy="0"/>
+          <a:chOff x="0" y="0"/>
+          <a:chExt cx="0" cy="0"/>
+        </a:xfrm>
+      </p:grpSpPr>
+      <p:sp>
+        <p:nvSpPr>
+          <p:cNvPr id="2" name="Titolo 1">
+            <a:extLst>
+              <a:ext uri="{FF2B5EF4-FFF2-40B4-BE49-F238E27FC236}">
+                <a16:creationId xmlns:a16="http://schemas.microsoft.com/office/drawing/2014/main" id="{412C83A0-4B7C-481C-FBE9-078C46163626}"/>
+              </a:ext>
+            </a:extLst>
+          </p:cNvPr>
+          <p:cNvSpPr>
+            <a:spLocks noGrp="1"/>
+          </p:cNvSpPr>
+          <p:nvPr>
+            <p:ph type="title"/>
+          </p:nvPr>
+        </p:nvSpPr>
+        <p:spPr>
+          <a:xfrm>
+            <a:off x="677334" y="609600"/>
+            <a:ext cx="8596668" cy="1320800"/>
+          </a:xfrm>
+        </p:spPr>
+        <p:txBody>
+          <a:bodyPr anchor="t">
+            <a:normAutofit/>
+          </a:bodyPr>
+          <a:lstStyle/>
+          <a:p>
+            <a:r>
+              <a:rPr lang="it-IT" dirty="0"/>
+              <a:t>Il progetto</a:t>
+            </a:r>
+          </a:p>
+        </p:txBody>
+      </p:sp>
+      <p:pic>
+        <p:nvPicPr>
+          <p:cNvPr id="5" name="Immagine 4">
+            <a:extLst>
+              <a:ext uri="{FF2B5EF4-FFF2-40B4-BE49-F238E27FC236}">
+                <a16:creationId xmlns:a16="http://schemas.microsoft.com/office/drawing/2014/main" id="{74093773-4E2A-EE7E-BD19-93F7E2D09C47}"/>
+              </a:ext>
+            </a:extLst>
+          </p:cNvPr>
+          <p:cNvPicPr>
+            <a:picLocks noChangeAspect="1"/>
+          </p:cNvPicPr>
+          <p:nvPr/>
+        </p:nvPicPr>
+        <p:blipFill>
+          <a:blip r:embed="rId2"/>
+          <a:stretch>
+            <a:fillRect/>
+          </a:stretch>
+        </p:blipFill>
+        <p:spPr>
+          <a:xfrm>
+            <a:off x="526221" y="2387249"/>
+            <a:ext cx="3903605" cy="1690298"/>
+          </a:xfrm>
+          <a:prstGeom prst="rect">
+            <a:avLst/>
+          </a:prstGeom>
+        </p:spPr>
+      </p:pic>
+      <p:sp>
+        <p:nvSpPr>
+          <p:cNvPr id="3" name="Segnaposto contenuto 2">
+            <a:extLst>
+              <a:ext uri="{FF2B5EF4-FFF2-40B4-BE49-F238E27FC236}">
+                <a16:creationId xmlns:a16="http://schemas.microsoft.com/office/drawing/2014/main" id="{1D663F08-B412-359A-4556-90B269F152E6}"/>
+              </a:ext>
+            </a:extLst>
+          </p:cNvPr>
+          <p:cNvSpPr>
+            <a:spLocks noGrp="1"/>
+          </p:cNvSpPr>
+          <p:nvPr>
+            <p:ph idx="1"/>
+          </p:nvPr>
+        </p:nvSpPr>
+        <p:spPr>
+          <a:xfrm>
+            <a:off x="4829387" y="2160590"/>
+            <a:ext cx="4513837" cy="2038878"/>
+          </a:xfrm>
+        </p:spPr>
+        <p:txBody>
+          <a:bodyPr>
+            <a:normAutofit/>
+          </a:bodyPr>
+          <a:lstStyle/>
+          <a:p>
+            <a:r>
+              <a:rPr lang="it-IT" sz="1500" dirty="0"/>
+              <a:t>Sistema di gestione degli esami</a:t>
+            </a:r>
+          </a:p>
+          <a:p>
+            <a:pPr lvl="1"/>
+            <a:r>
+              <a:rPr lang="it-IT" sz="1300" dirty="0"/>
+              <a:t>Creazione</a:t>
+            </a:r>
+          </a:p>
+          <a:p>
+            <a:pPr lvl="1"/>
+            <a:r>
+              <a:rPr lang="it-IT" sz="1300" dirty="0"/>
+              <a:t>Visualizzazione</a:t>
+            </a:r>
+          </a:p>
+          <a:p>
+            <a:pPr lvl="1"/>
+            <a:r>
+              <a:rPr lang="it-IT" sz="1300" dirty="0"/>
+              <a:t>Modifica</a:t>
+            </a:r>
+          </a:p>
+          <a:p>
+            <a:pPr lvl="1"/>
+            <a:r>
+              <a:rPr lang="it-IT" sz="1300" dirty="0"/>
+              <a:t>Salvataggio in PDF</a:t>
+            </a:r>
+          </a:p>
+          <a:p>
+            <a:pPr lvl="1"/>
+            <a:endParaRPr lang="it-IT" sz="1500" dirty="0"/>
+          </a:p>
+        </p:txBody>
+      </p:sp>
+    </p:spTree>
+    <p:extLst>
+      <p:ext uri="{BB962C8B-B14F-4D97-AF65-F5344CB8AC3E}">
+        <p14:creationId xmlns:p14="http://schemas.microsoft.com/office/powerpoint/2010/main" val="3231177296"/>
+      </p:ext>
+    </p:extLst>
+  </p:cSld>
+  <p:clrMapOvr>
+    <a:masterClrMapping/>
+  </p:clrMapOvr>
+</p:sld>
+</file>
+
+<file path=ppt/slides/slide25.xml><?xml version="1.0" encoding="utf-8"?>
+<p:sld xmlns:a="http://schemas.openxmlformats.org/drawingml/2006/main" xmlns:r="http://schemas.openxmlformats.org/officeDocument/2006/relationships" xmlns:p="http://schemas.openxmlformats.org/presentationml/2006/main">
+  <p:cSld>
+    <p:bg>
+      <p:bgPr>
+        <a:solidFill>
+          <a:schemeClr val="bg1"/>
+        </a:solidFill>
+        <a:effectLst/>
+      </p:bgPr>
+    </p:bg>
+    <p:spTree>
+      <p:nvGrpSpPr>
+        <p:cNvPr id="1" name=""/>
+        <p:cNvGrpSpPr/>
+        <p:nvPr/>
+      </p:nvGrpSpPr>
+      <p:grpSpPr>
+        <a:xfrm>
+          <a:off x="0" y="0"/>
+          <a:ext cx="0" cy="0"/>
+          <a:chOff x="0" y="0"/>
+          <a:chExt cx="0" cy="0"/>
+        </a:xfrm>
+      </p:grpSpPr>
+      <p:sp>
+        <p:nvSpPr>
+          <p:cNvPr id="2" name="Titolo 1">
+            <a:extLst>
+              <a:ext uri="{FF2B5EF4-FFF2-40B4-BE49-F238E27FC236}">
+                <a16:creationId xmlns:a16="http://schemas.microsoft.com/office/drawing/2014/main" id="{D07FD741-6797-BA40-AF69-A2A6774715C3}"/>
+              </a:ext>
+            </a:extLst>
+          </p:cNvPr>
+          <p:cNvSpPr>
+            <a:spLocks noGrp="1"/>
+          </p:cNvSpPr>
+          <p:nvPr>
+            <p:ph type="title"/>
+          </p:nvPr>
+        </p:nvSpPr>
+        <p:spPr>
+          <a:xfrm>
+            <a:off x="676746" y="609600"/>
+            <a:ext cx="3729076" cy="1320800"/>
+          </a:xfrm>
+        </p:spPr>
+        <p:txBody>
+          <a:bodyPr anchor="ctr">
+            <a:normAutofit/>
+          </a:bodyPr>
+          <a:lstStyle/>
+          <a:p>
+            <a:r>
+              <a:rPr lang="it-IT" dirty="0"/>
+              <a:t>Il progetto</a:t>
+            </a:r>
+          </a:p>
+        </p:txBody>
+      </p:sp>
+      <p:sp>
+        <p:nvSpPr>
+          <p:cNvPr id="3" name="Segnaposto contenuto 2">
+            <a:extLst>
+              <a:ext uri="{FF2B5EF4-FFF2-40B4-BE49-F238E27FC236}">
+                <a16:creationId xmlns:a16="http://schemas.microsoft.com/office/drawing/2014/main" id="{30CC58AD-7E0C-AED9-D57E-E2C4D1C2B500}"/>
+              </a:ext>
+            </a:extLst>
+          </p:cNvPr>
+          <p:cNvSpPr>
+            <a:spLocks noGrp="1"/>
+          </p:cNvSpPr>
+          <p:nvPr>
+            <p:ph idx="1"/>
+          </p:nvPr>
+        </p:nvSpPr>
+        <p:spPr>
+          <a:xfrm>
+            <a:off x="685167" y="2160589"/>
+            <a:ext cx="3720916" cy="3560733"/>
+          </a:xfrm>
+        </p:spPr>
+        <p:txBody>
+          <a:bodyPr>
+            <a:normAutofit/>
+          </a:bodyPr>
+          <a:lstStyle/>
+          <a:p>
+            <a:r>
+              <a:rPr lang="it-IT" dirty="0"/>
+              <a:t>Sistema Editor di esami</a:t>
+            </a:r>
+          </a:p>
+          <a:p>
+            <a:pPr lvl="1"/>
+            <a:r>
+              <a:rPr lang="it-IT" dirty="0"/>
+              <a:t>Creazione/Modifica degli esami</a:t>
+            </a:r>
+          </a:p>
+          <a:p>
+            <a:pPr lvl="1"/>
+            <a:r>
+              <a:rPr lang="it-IT" dirty="0"/>
+              <a:t>Creazione di sezioni</a:t>
+            </a:r>
+          </a:p>
+          <a:p>
+            <a:pPr lvl="1"/>
+            <a:r>
+              <a:rPr lang="it-IT" dirty="0"/>
+              <a:t>Selezione degli esercizi</a:t>
+            </a:r>
+          </a:p>
+          <a:p>
+            <a:pPr lvl="1"/>
+            <a:r>
+              <a:rPr lang="it-IT" dirty="0"/>
+              <a:t>Riordino esercizi e sezioni</a:t>
+            </a:r>
+          </a:p>
+        </p:txBody>
+      </p:sp>
+      <p:pic>
+        <p:nvPicPr>
+          <p:cNvPr id="5" name="Immagine 4">
+            <a:extLst>
+              <a:ext uri="{FF2B5EF4-FFF2-40B4-BE49-F238E27FC236}">
+                <a16:creationId xmlns:a16="http://schemas.microsoft.com/office/drawing/2014/main" id="{2DA525FB-E318-C258-9E45-58D951853AC9}"/>
+              </a:ext>
+            </a:extLst>
+          </p:cNvPr>
+          <p:cNvPicPr>
+            <a:picLocks noChangeAspect="1"/>
+          </p:cNvPicPr>
+          <p:nvPr/>
+        </p:nvPicPr>
+        <p:blipFill>
+          <a:blip r:embed="rId2"/>
+          <a:stretch>
+            <a:fillRect/>
+          </a:stretch>
+        </p:blipFill>
+        <p:spPr>
+          <a:xfrm>
+            <a:off x="4654035" y="1772896"/>
+            <a:ext cx="4602747" cy="2807675"/>
+          </a:xfrm>
+          <a:prstGeom prst="rect">
+            <a:avLst/>
+          </a:prstGeom>
+        </p:spPr>
+      </p:pic>
+    </p:spTree>
+    <p:extLst>
+      <p:ext uri="{BB962C8B-B14F-4D97-AF65-F5344CB8AC3E}">
+        <p14:creationId xmlns:p14="http://schemas.microsoft.com/office/powerpoint/2010/main" val="744588470"/>
+      </p:ext>
+    </p:extLst>
+  </p:cSld>
+  <p:clrMapOvr>
+    <a:masterClrMapping/>
+  </p:clrMapOvr>
+</p:sld>
+</file>
+
+<file path=ppt/slides/slide26.xml><?xml version="1.0" encoding="utf-8"?>
+<p:sld xmlns:a="http://schemas.openxmlformats.org/drawingml/2006/main" xmlns:r="http://schemas.openxmlformats.org/officeDocument/2006/relationships" xmlns:p="http://schemas.openxmlformats.org/presentationml/2006/main">
+  <p:cSld>
+    <p:bg>
+      <p:bgPr>
+        <a:solidFill>
+          <a:schemeClr val="bg1"/>
+        </a:solidFill>
+        <a:effectLst/>
+      </p:bgPr>
+    </p:bg>
+    <p:spTree>
+      <p:nvGrpSpPr>
+        <p:cNvPr id="1" name=""/>
+        <p:cNvGrpSpPr/>
+        <p:nvPr/>
+      </p:nvGrpSpPr>
+      <p:grpSpPr>
+        <a:xfrm>
+          <a:off x="0" y="0"/>
+          <a:ext cx="0" cy="0"/>
+          <a:chOff x="0" y="0"/>
+          <a:chExt cx="0" cy="0"/>
+        </a:xfrm>
+      </p:grpSpPr>
+      <p:grpSp>
+        <p:nvGrpSpPr>
+          <p:cNvPr id="8" name="Group 7">
+            <a:extLst>
+              <a:ext uri="{FF2B5EF4-FFF2-40B4-BE49-F238E27FC236}">
+                <a16:creationId xmlns:a16="http://schemas.microsoft.com/office/drawing/2014/main" id="{28460BD8-AE3F-4AC9-9D0B-717052AA5D3A}"/>
+              </a:ext>
+              <a:ext uri="{C183D7F6-B498-43B3-948B-1728B52AA6E4}">
+                <adec:decorative xmlns:adec="http://schemas.microsoft.com/office/drawing/2017/decorative" val="1"/>
+              </a:ext>
+            </a:extLst>
+          </p:cNvPr>
+          <p:cNvGrpSpPr>
+            <a:grpSpLocks noGrp="1" noUngrp="1" noRot="1" noChangeAspect="1" noMove="1" noResize="1"/>
+          </p:cNvGrpSpPr>
+          <p:nvPr>
+            <p:extLst>
+              <p:ext uri="{386F3935-93C4-4BCD-93E2-E3B085C9AB24}">
+                <p16:designElem xmlns:p16="http://schemas.microsoft.com/office/powerpoint/2015/main" val="1"/>
+              </p:ext>
+            </p:extLst>
+          </p:nvPr>
+        </p:nvGrpSpPr>
+        <p:grpSpPr>
+          <a:xfrm>
+            <a:off x="0" y="-8467"/>
+            <a:ext cx="12192000" cy="6866467"/>
+            <a:chOff x="0" y="-8467"/>
+            <a:chExt cx="12192000" cy="6866467"/>
+          </a:xfrm>
+        </p:grpSpPr>
+        <p:cxnSp>
+          <p:nvCxnSpPr>
+            <p:cNvPr id="9" name="Straight Connector 8">
+              <a:extLst>
+                <a:ext uri="{FF2B5EF4-FFF2-40B4-BE49-F238E27FC236}">
+                  <a16:creationId xmlns:a16="http://schemas.microsoft.com/office/drawing/2014/main" id="{54420CFE-F482-466E-9E1E-C78513C0B85D}"/>
+                </a:ext>
+                <a:ext uri="{C183D7F6-B498-43B3-948B-1728B52AA6E4}">
+                  <adec:decorative xmlns:adec="http://schemas.microsoft.com/office/drawing/2017/decorative" val="1"/>
+                </a:ext>
+              </a:extLst>
+            </p:cNvPr>
+            <p:cNvCxnSpPr/>
+            <p:nvPr>
+              <p:extLst>
+                <p:ext uri="{386F3935-93C4-4BCD-93E2-E3B085C9AB24}">
+                  <p16:designElem xmlns:p16="http://schemas.microsoft.com/office/powerpoint/2015/main" val="1"/>
+                </p:ext>
+              </p:extLst>
+            </p:nvPr>
+          </p:nvCxnSpPr>
+          <p:spPr>
+            <a:xfrm>
+              <a:off x="9371012" y="0"/>
+              <a:ext cx="1219200" cy="6858000"/>
+            </a:xfrm>
+            <a:prstGeom prst="line">
+              <a:avLst/>
+            </a:prstGeom>
+            <a:ln w="9525">
+              <a:solidFill>
+                <a:schemeClr val="bg1">
+                  <a:lumMod val="75000"/>
+                </a:schemeClr>
+              </a:solidFill>
+            </a:ln>
+          </p:spPr>
+          <p:style>
+            <a:lnRef idx="2">
+              <a:schemeClr val="accent1"/>
+            </a:lnRef>
+            <a:fillRef idx="0">
+              <a:schemeClr val="accent1"/>
+            </a:fillRef>
+            <a:effectRef idx="1">
+              <a:schemeClr val="accent1"/>
+            </a:effectRef>
+            <a:fontRef idx="minor">
+              <a:schemeClr val="tx1"/>
+            </a:fontRef>
+          </p:style>
+        </p:cxnSp>
+        <p:cxnSp>
+          <p:nvCxnSpPr>
+            <p:cNvPr id="10" name="Straight Connector 9">
+              <a:extLst>
+                <a:ext uri="{FF2B5EF4-FFF2-40B4-BE49-F238E27FC236}">
+                  <a16:creationId xmlns:a16="http://schemas.microsoft.com/office/drawing/2014/main" id="{5331032B-BD21-4BDA-920C-12E358052567}"/>
+                </a:ext>
+                <a:ext uri="{C183D7F6-B498-43B3-948B-1728B52AA6E4}">
+                  <adec:decorative xmlns:adec="http://schemas.microsoft.com/office/drawing/2017/decorative" val="1"/>
+                </a:ext>
+              </a:extLst>
+            </p:cNvPr>
+            <p:cNvCxnSpPr/>
+            <p:nvPr>
+              <p:extLst>
+                <p:ext uri="{386F3935-93C4-4BCD-93E2-E3B085C9AB24}">
+                  <p16:designElem xmlns:p16="http://schemas.microsoft.com/office/powerpoint/2015/main" val="1"/>
+                </p:ext>
+              </p:extLst>
+            </p:nvPr>
+          </p:nvCxnSpPr>
+          <p:spPr>
+            <a:xfrm flipH="1">
+              <a:off x="7425267" y="3681413"/>
+              <a:ext cx="4763558" cy="3176587"/>
+            </a:xfrm>
+            <a:prstGeom prst="line">
+              <a:avLst/>
+            </a:prstGeom>
+            <a:ln w="9525">
+              <a:solidFill>
+                <a:schemeClr val="bg1">
+                  <a:lumMod val="85000"/>
+                </a:schemeClr>
+              </a:solidFill>
+            </a:ln>
+          </p:spPr>
+          <p:style>
+            <a:lnRef idx="2">
+              <a:schemeClr val="accent1"/>
+            </a:lnRef>
+            <a:fillRef idx="0">
+              <a:schemeClr val="accent1"/>
+            </a:fillRef>
+            <a:effectRef idx="1">
+              <a:schemeClr val="accent1"/>
+            </a:effectRef>
+            <a:fontRef idx="minor">
+              <a:schemeClr val="tx1"/>
+            </a:fontRef>
+          </p:style>
+        </p:cxnSp>
+        <p:sp>
+          <p:nvSpPr>
+            <p:cNvPr id="11" name="Rectangle 23">
+              <a:extLst>
+                <a:ext uri="{FF2B5EF4-FFF2-40B4-BE49-F238E27FC236}">
+                  <a16:creationId xmlns:a16="http://schemas.microsoft.com/office/drawing/2014/main" id="{E7514DA3-59E7-409E-8A3B-AD097F6E5644}"/>
+                </a:ext>
+                <a:ext uri="{C183D7F6-B498-43B3-948B-1728B52AA6E4}">
+                  <adec:decorative xmlns:adec="http://schemas.microsoft.com/office/drawing/2017/decorative" val="1"/>
+                </a:ext>
+              </a:extLst>
+            </p:cNvPr>
+            <p:cNvSpPr/>
+            <p:nvPr>
+              <p:extLst>
+                <p:ext uri="{386F3935-93C4-4BCD-93E2-E3B085C9AB24}">
+                  <p16:designElem xmlns:p16="http://schemas.microsoft.com/office/powerpoint/2015/main" val="1"/>
+                </p:ext>
+              </p:extLst>
+            </p:nvPr>
+          </p:nvSpPr>
+          <p:spPr>
+            <a:xfrm>
+              <a:off x="9181476" y="-8467"/>
+              <a:ext cx="3007349" cy="6866467"/>
+            </a:xfrm>
+            <a:custGeom>
+              <a:avLst/>
+              <a:gdLst/>
+              <a:ahLst/>
+              <a:cxnLst/>
+              <a:rect l="l" t="t" r="r" b="b"/>
+              <a:pathLst>
+                <a:path w="3007349" h="6866467">
+                  <a:moveTo>
+                    <a:pt x="2045532" y="0"/>
+                  </a:moveTo>
+                  <a:lnTo>
+                    <a:pt x="3007349" y="0"/>
+                  </a:lnTo>
+                  <a:lnTo>
+                    <a:pt x="3007349" y="6866467"/>
+                  </a:lnTo>
+                  <a:lnTo>
+                    <a:pt x="0" y="6866467"/>
+                  </a:lnTo>
+                  <a:lnTo>
+                    <a:pt x="2045532" y="0"/>
+                  </a:lnTo>
+                  <a:close/>
+                </a:path>
+              </a:pathLst>
+            </a:custGeom>
+            <a:solidFill>
+              <a:schemeClr val="accent1">
+                <a:alpha val="30000"/>
+              </a:schemeClr>
+            </a:solidFill>
+            <a:ln>
+              <a:noFill/>
+            </a:ln>
+            <a:effectLst/>
+          </p:spPr>
+          <p:style>
+            <a:lnRef idx="1">
+              <a:schemeClr val="accent1"/>
+            </a:lnRef>
+            <a:fillRef idx="3">
+              <a:schemeClr val="accent1"/>
+            </a:fillRef>
+            <a:effectRef idx="2">
+              <a:schemeClr val="accent1"/>
+            </a:effectRef>
+            <a:fontRef idx="minor">
+              <a:schemeClr val="lt1"/>
+            </a:fontRef>
+          </p:style>
+          <p:txBody>
+            <a:bodyPr/>
+            <a:lstStyle/>
+            <a:p>
+              <a:endParaRPr lang="it-IT"/>
+            </a:p>
+          </p:txBody>
+        </p:sp>
+        <p:sp>
+          <p:nvSpPr>
+            <p:cNvPr id="12" name="Rectangle 25">
+              <a:extLst>
+                <a:ext uri="{FF2B5EF4-FFF2-40B4-BE49-F238E27FC236}">
+                  <a16:creationId xmlns:a16="http://schemas.microsoft.com/office/drawing/2014/main" id="{57B9A2A6-3BE4-4599-9364-F71C5BFD61F8}"/>
+                </a:ext>
+                <a:ext uri="{C183D7F6-B498-43B3-948B-1728B52AA6E4}">
+                  <adec:decorative xmlns:adec="http://schemas.microsoft.com/office/drawing/2017/decorative" val="1"/>
+                </a:ext>
+              </a:extLst>
+            </p:cNvPr>
+            <p:cNvSpPr/>
+            <p:nvPr>
+              <p:extLst>
+                <p:ext uri="{386F3935-93C4-4BCD-93E2-E3B085C9AB24}">
+                  <p16:designElem xmlns:p16="http://schemas.microsoft.com/office/powerpoint/2015/main" val="1"/>
+                </p:ext>
+              </p:extLst>
+            </p:nvPr>
+          </p:nvSpPr>
+          <p:spPr>
+            <a:xfrm>
+              <a:off x="9603442" y="-8467"/>
+              <a:ext cx="2588558" cy="6866467"/>
+            </a:xfrm>
+            <a:custGeom>
+              <a:avLst/>
+              <a:gdLst/>
+              <a:ahLst/>
+              <a:cxnLst/>
+              <a:rect l="l" t="t" r="r" b="b"/>
+              <a:pathLst>
+                <a:path w="2573311" h="6866467">
+                  <a:moveTo>
+                    <a:pt x="0" y="0"/>
+                  </a:moveTo>
+                  <a:lnTo>
+                    <a:pt x="2573311" y="0"/>
+                  </a:lnTo>
+                  <a:lnTo>
+                    <a:pt x="2573311" y="6866467"/>
+                  </a:lnTo>
+                  <a:lnTo>
+                    <a:pt x="1202336" y="6866467"/>
+                  </a:lnTo>
+                  <a:lnTo>
+                    <a:pt x="0" y="0"/>
+                  </a:lnTo>
+                  <a:close/>
+                </a:path>
+              </a:pathLst>
+            </a:custGeom>
+            <a:solidFill>
+              <a:schemeClr val="accent1">
+                <a:alpha val="20000"/>
+              </a:schemeClr>
+            </a:solidFill>
+            <a:ln>
+              <a:noFill/>
+            </a:ln>
+            <a:effectLst/>
+          </p:spPr>
+          <p:style>
+            <a:lnRef idx="1">
+              <a:schemeClr val="accent1"/>
+            </a:lnRef>
+            <a:fillRef idx="3">
+              <a:schemeClr val="accent1"/>
+            </a:fillRef>
+            <a:effectRef idx="2">
+              <a:schemeClr val="accent1"/>
+            </a:effectRef>
+            <a:fontRef idx="minor">
+              <a:schemeClr val="lt1"/>
+            </a:fontRef>
+          </p:style>
+          <p:txBody>
+            <a:bodyPr/>
+            <a:lstStyle/>
+            <a:p>
+              <a:endParaRPr lang="it-IT"/>
+            </a:p>
+          </p:txBody>
+        </p:sp>
+        <p:sp>
+          <p:nvSpPr>
+            <p:cNvPr id="13" name="Isosceles Triangle 12">
+              <a:extLst>
+                <a:ext uri="{FF2B5EF4-FFF2-40B4-BE49-F238E27FC236}">
+                  <a16:creationId xmlns:a16="http://schemas.microsoft.com/office/drawing/2014/main" id="{4FD744C6-4ED8-4BC9-BF68-6BDF701C5DB4}"/>
+                </a:ext>
+                <a:ext uri="{C183D7F6-B498-43B3-948B-1728B52AA6E4}">
+                  <adec:decorative xmlns:adec="http://schemas.microsoft.com/office/drawing/2017/decorative" val="1"/>
+                </a:ext>
+              </a:extLst>
+            </p:cNvPr>
+            <p:cNvSpPr/>
+            <p:nvPr>
+              <p:extLst>
+                <p:ext uri="{386F3935-93C4-4BCD-93E2-E3B085C9AB24}">
+                  <p16:designElem xmlns:p16="http://schemas.microsoft.com/office/powerpoint/2015/main" val="1"/>
+                </p:ext>
+              </p:extLst>
+            </p:nvPr>
+          </p:nvSpPr>
+          <p:spPr>
+            <a:xfrm>
+              <a:off x="8932333" y="3048000"/>
+              <a:ext cx="3259667" cy="3810000"/>
+            </a:xfrm>
+            <a:prstGeom prst="triangle">
+              <a:avLst>
+                <a:gd name="adj" fmla="val 100000"/>
+              </a:avLst>
+            </a:prstGeom>
+            <a:solidFill>
+              <a:schemeClr val="accent2">
+                <a:alpha val="72000"/>
+              </a:schemeClr>
+            </a:solidFill>
+            <a:ln>
+              <a:noFill/>
+            </a:ln>
+            <a:effectLst/>
+          </p:spPr>
+          <p:style>
+            <a:lnRef idx="1">
+              <a:schemeClr val="accent1"/>
+            </a:lnRef>
+            <a:fillRef idx="3">
+              <a:schemeClr val="accent1"/>
+            </a:fillRef>
+            <a:effectRef idx="2">
+              <a:schemeClr val="accent1"/>
+            </a:effectRef>
+            <a:fontRef idx="minor">
+              <a:schemeClr val="lt1"/>
+            </a:fontRef>
+          </p:style>
+          <p:txBody>
+            <a:bodyPr/>
+            <a:lstStyle/>
+            <a:p>
+              <a:endParaRPr lang="it-IT"/>
+            </a:p>
+          </p:txBody>
+        </p:sp>
+        <p:sp>
+          <p:nvSpPr>
+            <p:cNvPr id="14" name="Rectangle 27">
+              <a:extLst>
+                <a:ext uri="{FF2B5EF4-FFF2-40B4-BE49-F238E27FC236}">
+                  <a16:creationId xmlns:a16="http://schemas.microsoft.com/office/drawing/2014/main" id="{092C5BAD-C911-4F8F-A1C5-470268BE668B}"/>
+                </a:ext>
+                <a:ext uri="{C183D7F6-B498-43B3-948B-1728B52AA6E4}">
+                  <adec:decorative xmlns:adec="http://schemas.microsoft.com/office/drawing/2017/decorative" val="1"/>
+                </a:ext>
+              </a:extLst>
+            </p:cNvPr>
+            <p:cNvSpPr/>
+            <p:nvPr>
+              <p:extLst>
+                <p:ext uri="{386F3935-93C4-4BCD-93E2-E3B085C9AB24}">
+                  <p16:designElem xmlns:p16="http://schemas.microsoft.com/office/powerpoint/2015/main" val="1"/>
+                </p:ext>
+              </p:extLst>
+            </p:nvPr>
+          </p:nvSpPr>
+          <p:spPr>
+            <a:xfrm>
+              <a:off x="9334500" y="-8467"/>
+              <a:ext cx="2854326" cy="6866467"/>
+            </a:xfrm>
+            <a:custGeom>
+              <a:avLst/>
+              <a:gdLst/>
+              <a:ahLst/>
+              <a:cxnLst/>
+              <a:rect l="l" t="t" r="r" b="b"/>
+              <a:pathLst>
+                <a:path w="2858013" h="6866467">
+                  <a:moveTo>
+                    <a:pt x="0" y="0"/>
+                  </a:moveTo>
+                  <a:lnTo>
+                    <a:pt x="2858013" y="0"/>
+                  </a:lnTo>
+                  <a:lnTo>
+                    <a:pt x="2858013" y="6866467"/>
+                  </a:lnTo>
+                  <a:lnTo>
+                    <a:pt x="2473942" y="6866467"/>
+                  </a:lnTo>
+                  <a:lnTo>
+                    <a:pt x="0" y="0"/>
+                  </a:lnTo>
+                  <a:close/>
+                </a:path>
+              </a:pathLst>
+            </a:custGeom>
+            <a:solidFill>
+              <a:schemeClr val="accent2">
+                <a:lumMod val="75000"/>
+                <a:alpha val="70000"/>
+              </a:schemeClr>
+            </a:solidFill>
+            <a:ln>
+              <a:noFill/>
+            </a:ln>
+            <a:effectLst/>
+          </p:spPr>
+          <p:style>
+            <a:lnRef idx="1">
+              <a:schemeClr val="accent1"/>
+            </a:lnRef>
+            <a:fillRef idx="3">
+              <a:schemeClr val="accent1"/>
+            </a:fillRef>
+            <a:effectRef idx="2">
+              <a:schemeClr val="accent1"/>
+            </a:effectRef>
+            <a:fontRef idx="minor">
+              <a:schemeClr val="lt1"/>
+            </a:fontRef>
+          </p:style>
+          <p:txBody>
+            <a:bodyPr/>
+            <a:lstStyle/>
+            <a:p>
+              <a:endParaRPr lang="it-IT"/>
+            </a:p>
+          </p:txBody>
+        </p:sp>
+        <p:sp>
+          <p:nvSpPr>
+            <p:cNvPr id="15" name="Rectangle 28">
+              <a:extLst>
+                <a:ext uri="{FF2B5EF4-FFF2-40B4-BE49-F238E27FC236}">
+                  <a16:creationId xmlns:a16="http://schemas.microsoft.com/office/drawing/2014/main" id="{B133D0C8-4EC4-424F-8E70-0482D5B1B653}"/>
+                </a:ext>
+                <a:ext uri="{C183D7F6-B498-43B3-948B-1728B52AA6E4}">
+                  <adec:decorative xmlns:adec="http://schemas.microsoft.com/office/drawing/2017/decorative" val="1"/>
+                </a:ext>
+              </a:extLst>
+            </p:cNvPr>
+            <p:cNvSpPr/>
+            <p:nvPr>
+              <p:extLst>
+                <p:ext uri="{386F3935-93C4-4BCD-93E2-E3B085C9AB24}">
+                  <p16:designElem xmlns:p16="http://schemas.microsoft.com/office/powerpoint/2015/main" val="1"/>
+                </p:ext>
+              </p:extLst>
+            </p:nvPr>
+          </p:nvSpPr>
+          <p:spPr>
+            <a:xfrm>
+              <a:off x="10898730" y="-8467"/>
+              <a:ext cx="1290094" cy="6866467"/>
+            </a:xfrm>
+            <a:custGeom>
+              <a:avLst/>
+              <a:gdLst/>
+              <a:ahLst/>
+              <a:cxnLst/>
+              <a:rect l="l" t="t" r="r" b="b"/>
+              <a:pathLst>
+                <a:path w="1290094" h="6858000">
+                  <a:moveTo>
+                    <a:pt x="1019735" y="0"/>
+                  </a:moveTo>
+                  <a:lnTo>
+                    <a:pt x="1290094" y="0"/>
+                  </a:lnTo>
+                  <a:lnTo>
+                    <a:pt x="1290094" y="6858000"/>
+                  </a:lnTo>
+                  <a:lnTo>
+                    <a:pt x="0" y="6858000"/>
+                  </a:lnTo>
+                  <a:lnTo>
+                    <a:pt x="1019735" y="0"/>
+                  </a:lnTo>
+                  <a:close/>
+                </a:path>
+              </a:pathLst>
+            </a:custGeom>
+            <a:solidFill>
+              <a:schemeClr val="accent1">
+                <a:lumMod val="60000"/>
+                <a:lumOff val="40000"/>
+                <a:alpha val="70000"/>
+              </a:schemeClr>
+            </a:solidFill>
+            <a:ln>
+              <a:noFill/>
+            </a:ln>
+            <a:effectLst/>
+          </p:spPr>
+          <p:style>
+            <a:lnRef idx="1">
+              <a:schemeClr val="accent1"/>
+            </a:lnRef>
+            <a:fillRef idx="3">
+              <a:schemeClr val="accent1"/>
+            </a:fillRef>
+            <a:effectRef idx="2">
+              <a:schemeClr val="accent1"/>
+            </a:effectRef>
+            <a:fontRef idx="minor">
+              <a:schemeClr val="lt1"/>
+            </a:fontRef>
+          </p:style>
+          <p:txBody>
+            <a:bodyPr/>
+            <a:lstStyle/>
+            <a:p>
+              <a:endParaRPr lang="it-IT"/>
+            </a:p>
+          </p:txBody>
+        </p:sp>
+        <p:sp>
+          <p:nvSpPr>
+            <p:cNvPr id="16" name="Rectangle 29">
+              <a:extLst>
+                <a:ext uri="{FF2B5EF4-FFF2-40B4-BE49-F238E27FC236}">
+                  <a16:creationId xmlns:a16="http://schemas.microsoft.com/office/drawing/2014/main" id="{7B1532A0-F4B3-4DE8-B18F-740CAAD25AC4}"/>
+                </a:ext>
+                <a:ext uri="{C183D7F6-B498-43B3-948B-1728B52AA6E4}">
+                  <adec:decorative xmlns:adec="http://schemas.microsoft.com/office/drawing/2017/decorative" val="1"/>
+                </a:ext>
+              </a:extLst>
+            </p:cNvPr>
+            <p:cNvSpPr/>
+            <p:nvPr>
+              <p:extLst>
+                <p:ext uri="{386F3935-93C4-4BCD-93E2-E3B085C9AB24}">
+                  <p16:designElem xmlns:p16="http://schemas.microsoft.com/office/powerpoint/2015/main" val="1"/>
+                </p:ext>
+              </p:extLst>
+            </p:nvPr>
+          </p:nvSpPr>
+          <p:spPr>
+            <a:xfrm>
+              <a:off x="10938999" y="-8467"/>
+              <a:ext cx="1249825" cy="6866467"/>
+            </a:xfrm>
+            <a:custGeom>
+              <a:avLst/>
+              <a:gdLst/>
+              <a:ahLst/>
+              <a:cxnLst/>
+              <a:rect l="l" t="t" r="r" b="b"/>
+              <a:pathLst>
+                <a:path w="1249825" h="6858000">
+                  <a:moveTo>
+                    <a:pt x="0" y="0"/>
+                  </a:moveTo>
+                  <a:lnTo>
+                    <a:pt x="1249825" y="0"/>
+                  </a:lnTo>
+                  <a:lnTo>
+                    <a:pt x="1249825" y="6858000"/>
+                  </a:lnTo>
+                  <a:lnTo>
+                    <a:pt x="1109382" y="6858000"/>
+                  </a:lnTo>
+                  <a:lnTo>
+                    <a:pt x="0" y="0"/>
+                  </a:lnTo>
+                  <a:close/>
+                </a:path>
+              </a:pathLst>
+            </a:custGeom>
+            <a:solidFill>
+              <a:schemeClr val="accent1">
+                <a:alpha val="65000"/>
+              </a:schemeClr>
+            </a:solidFill>
+            <a:ln>
+              <a:noFill/>
+            </a:ln>
+            <a:effectLst/>
+          </p:spPr>
+          <p:style>
+            <a:lnRef idx="1">
+              <a:schemeClr val="accent1"/>
+            </a:lnRef>
+            <a:fillRef idx="3">
+              <a:schemeClr val="accent1"/>
+            </a:fillRef>
+            <a:effectRef idx="2">
+              <a:schemeClr val="accent1"/>
+            </a:effectRef>
+            <a:fontRef idx="minor">
+              <a:schemeClr val="lt1"/>
+            </a:fontRef>
+          </p:style>
+          <p:txBody>
+            <a:bodyPr/>
+            <a:lstStyle/>
+            <a:p>
+              <a:endParaRPr lang="it-IT"/>
+            </a:p>
+          </p:txBody>
+        </p:sp>
+        <p:sp>
+          <p:nvSpPr>
+            <p:cNvPr id="17" name="Isosceles Triangle 16">
+              <a:extLst>
+                <a:ext uri="{FF2B5EF4-FFF2-40B4-BE49-F238E27FC236}">
+                  <a16:creationId xmlns:a16="http://schemas.microsoft.com/office/drawing/2014/main" id="{8EFDD162-BBBA-4062-8BBF-53DBA1091374}"/>
+                </a:ext>
+                <a:ext uri="{C183D7F6-B498-43B3-948B-1728B52AA6E4}">
+                  <adec:decorative xmlns:adec="http://schemas.microsoft.com/office/drawing/2017/decorative" val="1"/>
+                </a:ext>
+              </a:extLst>
+            </p:cNvPr>
+            <p:cNvSpPr/>
+            <p:nvPr>
+              <p:extLst>
+                <p:ext uri="{386F3935-93C4-4BCD-93E2-E3B085C9AB24}">
+                  <p16:designElem xmlns:p16="http://schemas.microsoft.com/office/powerpoint/2015/main" val="1"/>
+                </p:ext>
+              </p:extLst>
+            </p:nvPr>
+          </p:nvSpPr>
+          <p:spPr>
+            <a:xfrm>
+              <a:off x="10371666" y="3589867"/>
+              <a:ext cx="1817159" cy="3268133"/>
+            </a:xfrm>
+            <a:prstGeom prst="triangle">
+              <a:avLst>
+                <a:gd name="adj" fmla="val 100000"/>
+              </a:avLst>
+            </a:prstGeom>
+            <a:solidFill>
+              <a:schemeClr val="accent1">
+                <a:alpha val="80000"/>
+              </a:schemeClr>
+            </a:solidFill>
+            <a:ln>
+              <a:noFill/>
+            </a:ln>
+            <a:effectLst/>
+          </p:spPr>
+          <p:style>
+            <a:lnRef idx="1">
+              <a:schemeClr val="accent1"/>
+            </a:lnRef>
+            <a:fillRef idx="3">
+              <a:schemeClr val="accent1"/>
+            </a:fillRef>
+            <a:effectRef idx="2">
+              <a:schemeClr val="accent1"/>
+            </a:effectRef>
+            <a:fontRef idx="minor">
+              <a:schemeClr val="lt1"/>
+            </a:fontRef>
+          </p:style>
+          <p:txBody>
+            <a:bodyPr/>
+            <a:lstStyle/>
+            <a:p>
+              <a:endParaRPr lang="it-IT"/>
+            </a:p>
+          </p:txBody>
+        </p:sp>
+        <p:sp>
+          <p:nvSpPr>
+            <p:cNvPr id="18" name="Isosceles Triangle 17">
+              <a:extLst>
+                <a:ext uri="{FF2B5EF4-FFF2-40B4-BE49-F238E27FC236}">
+                  <a16:creationId xmlns:a16="http://schemas.microsoft.com/office/drawing/2014/main" id="{DCFC9E65-3E19-4483-B952-25D29683CA56}"/>
+                </a:ext>
+                <a:ext uri="{C183D7F6-B498-43B3-948B-1728B52AA6E4}">
+                  <adec:decorative xmlns:adec="http://schemas.microsoft.com/office/drawing/2017/decorative" val="1"/>
+                </a:ext>
+              </a:extLst>
+            </p:cNvPr>
+            <p:cNvSpPr/>
+            <p:nvPr>
+              <p:extLst>
+                <p:ext uri="{386F3935-93C4-4BCD-93E2-E3B085C9AB24}">
+                  <p16:designElem xmlns:p16="http://schemas.microsoft.com/office/powerpoint/2015/main" val="1"/>
+                </p:ext>
+              </p:extLst>
+            </p:nvPr>
+          </p:nvSpPr>
+          <p:spPr>
+            <a:xfrm rot="10800000">
+              <a:off x="0" y="0"/>
+              <a:ext cx="842596" cy="5666154"/>
+            </a:xfrm>
+            <a:prstGeom prst="triangle">
+              <a:avLst>
+                <a:gd name="adj" fmla="val 100000"/>
+              </a:avLst>
+            </a:prstGeom>
+            <a:solidFill>
+              <a:schemeClr val="accent1">
+                <a:alpha val="85000"/>
+              </a:schemeClr>
+            </a:solidFill>
+            <a:ln>
+              <a:noFill/>
+            </a:ln>
+            <a:effectLst/>
+          </p:spPr>
+          <p:style>
+            <a:lnRef idx="1">
+              <a:schemeClr val="accent1"/>
+            </a:lnRef>
+            <a:fillRef idx="3">
+              <a:schemeClr val="accent1"/>
+            </a:fillRef>
+            <a:effectRef idx="2">
+              <a:schemeClr val="accent1"/>
+            </a:effectRef>
+            <a:fontRef idx="minor">
+              <a:schemeClr val="lt1"/>
+            </a:fontRef>
+          </p:style>
+          <p:txBody>
+            <a:bodyPr/>
+            <a:lstStyle/>
+            <a:p>
+              <a:endParaRPr lang="it-IT"/>
+            </a:p>
+          </p:txBody>
+        </p:sp>
+      </p:grpSp>
+      <p:sp useBgFill="1">
+        <p:nvSpPr>
+          <p:cNvPr id="20" name="Rectangle 19">
+            <a:extLst>
+              <a:ext uri="{FF2B5EF4-FFF2-40B4-BE49-F238E27FC236}">
+                <a16:creationId xmlns:a16="http://schemas.microsoft.com/office/drawing/2014/main" id="{0ADFFC45-3DC9-4433-926F-043E879D9DFC}"/>
+              </a:ext>
+              <a:ext uri="{C183D7F6-B498-43B3-948B-1728B52AA6E4}">
+                <adec:decorative xmlns:adec="http://schemas.microsoft.com/office/drawing/2017/decorative" val="1"/>
+              </a:ext>
+            </a:extLst>
+          </p:cNvPr>
+          <p:cNvSpPr>
+            <a:spLocks noGrp="1" noRot="1" noChangeAspect="1" noMove="1" noResize="1" noEditPoints="1" noAdjustHandles="1" noChangeArrowheads="1" noChangeShapeType="1" noTextEdit="1"/>
+          </p:cNvSpPr>
+          <p:nvPr>
+            <p:extLst>
+              <p:ext uri="{386F3935-93C4-4BCD-93E2-E3B085C9AB24}">
+                <p16:designElem xmlns:p16="http://schemas.microsoft.com/office/powerpoint/2015/main" val="1"/>
+              </p:ext>
+            </p:extLst>
+          </p:nvPr>
+        </p:nvSpPr>
+        <p:spPr>
+          <a:xfrm>
+            <a:off x="0" y="0"/>
+            <a:ext cx="12192000" cy="6858000"/>
+          </a:xfrm>
+          <a:prstGeom prst="rect">
+            <a:avLst/>
+          </a:prstGeom>
+          <a:ln>
+            <a:noFill/>
+          </a:ln>
+        </p:spPr>
+        <p:style>
+          <a:lnRef idx="2">
+            <a:schemeClr val="accent1">
+              <a:shade val="50000"/>
+            </a:schemeClr>
+          </a:lnRef>
+          <a:fillRef idx="1">
+            <a:schemeClr val="accent1"/>
+          </a:fillRef>
+          <a:effectRef idx="0">
+            <a:schemeClr val="accent1"/>
+          </a:effectRef>
+          <a:fontRef idx="minor">
+            <a:schemeClr val="lt1"/>
+          </a:fontRef>
+        </p:style>
+        <p:txBody>
+          <a:bodyPr rtlCol="0" anchor="ctr"/>
+          <a:lstStyle/>
+          <a:p>
+            <a:pPr algn="ctr"/>
+            <a:endParaRPr lang="en-US"/>
+          </a:p>
+        </p:txBody>
+      </p:sp>
+      <p:grpSp>
+        <p:nvGrpSpPr>
+          <p:cNvPr id="22" name="Group 21">
+            <a:extLst>
+              <a:ext uri="{FF2B5EF4-FFF2-40B4-BE49-F238E27FC236}">
+                <a16:creationId xmlns:a16="http://schemas.microsoft.com/office/drawing/2014/main" id="{B5F26A87-0610-435F-AA13-BD658385C9D9}"/>
+              </a:ext>
+              <a:ext uri="{C183D7F6-B498-43B3-948B-1728B52AA6E4}">
+                <adec:decorative xmlns:adec="http://schemas.microsoft.com/office/drawing/2017/decorative" val="1"/>
+              </a:ext>
+            </a:extLst>
+          </p:cNvPr>
+          <p:cNvGrpSpPr>
+            <a:grpSpLocks noGrp="1" noUngrp="1" noRot="1" noChangeAspect="1" noMove="1" noResize="1"/>
+          </p:cNvGrpSpPr>
+          <p:nvPr>
+            <p:extLst>
+              <p:ext uri="{386F3935-93C4-4BCD-93E2-E3B085C9AB24}">
+                <p16:designElem xmlns:p16="http://schemas.microsoft.com/office/powerpoint/2015/main" val="1"/>
+              </p:ext>
+            </p:extLst>
+          </p:nvPr>
+        </p:nvGrpSpPr>
+        <p:grpSpPr>
+          <a:xfrm>
+            <a:off x="4267230" y="-8468"/>
+            <a:ext cx="4763558" cy="6866467"/>
+            <a:chOff x="67175" y="-8467"/>
+            <a:chExt cx="4763558" cy="6866467"/>
+          </a:xfrm>
+        </p:grpSpPr>
+        <p:cxnSp>
+          <p:nvCxnSpPr>
+            <p:cNvPr id="23" name="Straight Connector 22">
+              <a:extLst>
+                <a:ext uri="{FF2B5EF4-FFF2-40B4-BE49-F238E27FC236}">
+                  <a16:creationId xmlns:a16="http://schemas.microsoft.com/office/drawing/2014/main" id="{E6321436-5AAD-4FB6-BB0D-316D4540E82A}"/>
+                </a:ext>
+                <a:ext uri="{C183D7F6-B498-43B3-948B-1728B52AA6E4}">
+                  <adec:decorative xmlns:adec="http://schemas.microsoft.com/office/drawing/2017/decorative" val="1"/>
+                </a:ext>
+              </a:extLst>
+            </p:cNvPr>
+            <p:cNvCxnSpPr/>
+            <p:nvPr>
+              <p:extLst>
+                <p:ext uri="{386F3935-93C4-4BCD-93E2-E3B085C9AB24}">
+                  <p16:designElem xmlns:p16="http://schemas.microsoft.com/office/powerpoint/2015/main" val="1"/>
+                </p:ext>
+              </p:extLst>
+            </p:nvPr>
+          </p:nvCxnSpPr>
+          <p:spPr>
+            <a:xfrm>
+              <a:off x="1448300" y="0"/>
+              <a:ext cx="1219200" cy="6858000"/>
+            </a:xfrm>
+            <a:prstGeom prst="line">
+              <a:avLst/>
+            </a:prstGeom>
+            <a:ln w="9525">
+              <a:solidFill>
+                <a:schemeClr val="accent1">
+                  <a:lumMod val="75000"/>
+                </a:schemeClr>
+              </a:solidFill>
+            </a:ln>
+          </p:spPr>
+          <p:style>
+            <a:lnRef idx="2">
+              <a:schemeClr val="accent1"/>
+            </a:lnRef>
+            <a:fillRef idx="0">
+              <a:schemeClr val="accent1"/>
+            </a:fillRef>
+            <a:effectRef idx="1">
+              <a:schemeClr val="accent1"/>
+            </a:effectRef>
+            <a:fontRef idx="minor">
+              <a:schemeClr val="tx1"/>
+            </a:fontRef>
+          </p:style>
+        </p:cxnSp>
+        <p:cxnSp>
+          <p:nvCxnSpPr>
+            <p:cNvPr id="24" name="Straight Connector 23">
+              <a:extLst>
+                <a:ext uri="{FF2B5EF4-FFF2-40B4-BE49-F238E27FC236}">
+                  <a16:creationId xmlns:a16="http://schemas.microsoft.com/office/drawing/2014/main" id="{94B0BD33-3D46-4F43-947A-825DFEF6106A}"/>
+                </a:ext>
+                <a:ext uri="{C183D7F6-B498-43B3-948B-1728B52AA6E4}">
+                  <adec:decorative xmlns:adec="http://schemas.microsoft.com/office/drawing/2017/decorative" val="1"/>
+                </a:ext>
+              </a:extLst>
+            </p:cNvPr>
+            <p:cNvCxnSpPr/>
+            <p:nvPr>
+              <p:extLst>
+                <p:ext uri="{386F3935-93C4-4BCD-93E2-E3B085C9AB24}">
+                  <p16:designElem xmlns:p16="http://schemas.microsoft.com/office/powerpoint/2015/main" val="1"/>
+                </p:ext>
+              </p:extLst>
+            </p:nvPr>
+          </p:nvCxnSpPr>
+          <p:spPr>
+            <a:xfrm flipH="1">
+              <a:off x="67175" y="3681413"/>
+              <a:ext cx="4763558" cy="3176587"/>
+            </a:xfrm>
+            <a:prstGeom prst="line">
+              <a:avLst/>
+            </a:prstGeom>
+            <a:ln w="9525">
+              <a:solidFill>
+                <a:schemeClr val="tx1">
+                  <a:lumMod val="50000"/>
+                  <a:lumOff val="50000"/>
+                  <a:alpha val="80000"/>
+                </a:schemeClr>
+              </a:solidFill>
+            </a:ln>
+          </p:spPr>
+          <p:style>
+            <a:lnRef idx="2">
+              <a:schemeClr val="accent1"/>
+            </a:lnRef>
+            <a:fillRef idx="0">
+              <a:schemeClr val="accent1"/>
+            </a:fillRef>
+            <a:effectRef idx="1">
+              <a:schemeClr val="accent1"/>
+            </a:effectRef>
+            <a:fontRef idx="minor">
+              <a:schemeClr val="tx1"/>
+            </a:fontRef>
+          </p:style>
+        </p:cxnSp>
+        <p:sp>
+          <p:nvSpPr>
+            <p:cNvPr id="25" name="Rectangle 23">
+              <a:extLst>
+                <a:ext uri="{FF2B5EF4-FFF2-40B4-BE49-F238E27FC236}">
+                  <a16:creationId xmlns:a16="http://schemas.microsoft.com/office/drawing/2014/main" id="{92E26C27-E1F5-47DC-9F83-469D196C55D0}"/>
+                </a:ext>
+                <a:ext uri="{C183D7F6-B498-43B3-948B-1728B52AA6E4}">
+                  <adec:decorative xmlns:adec="http://schemas.microsoft.com/office/drawing/2017/decorative" val="1"/>
+                </a:ext>
+              </a:extLst>
+            </p:cNvPr>
+            <p:cNvSpPr/>
+            <p:nvPr>
+              <p:extLst>
+                <p:ext uri="{386F3935-93C4-4BCD-93E2-E3B085C9AB24}">
+                  <p16:designElem xmlns:p16="http://schemas.microsoft.com/office/powerpoint/2015/main" val="1"/>
+                </p:ext>
+              </p:extLst>
+            </p:nvPr>
+          </p:nvSpPr>
+          <p:spPr>
+            <a:xfrm>
+              <a:off x="1258764" y="-8467"/>
+              <a:ext cx="3007349" cy="6866467"/>
+            </a:xfrm>
+            <a:custGeom>
+              <a:avLst/>
+              <a:gdLst/>
+              <a:ahLst/>
+              <a:cxnLst/>
+              <a:rect l="l" t="t" r="r" b="b"/>
+              <a:pathLst>
+                <a:path w="3007349" h="6866467">
+                  <a:moveTo>
+                    <a:pt x="2045532" y="0"/>
+                  </a:moveTo>
+                  <a:lnTo>
+                    <a:pt x="3007349" y="0"/>
+                  </a:lnTo>
+                  <a:lnTo>
+                    <a:pt x="3007349" y="6866467"/>
+                  </a:lnTo>
+                  <a:lnTo>
+                    <a:pt x="0" y="6866467"/>
+                  </a:lnTo>
+                  <a:lnTo>
+                    <a:pt x="2045532" y="0"/>
+                  </a:lnTo>
+                  <a:close/>
+                </a:path>
+              </a:pathLst>
+            </a:custGeom>
+            <a:solidFill>
+              <a:schemeClr val="accent1">
+                <a:alpha val="30000"/>
+              </a:schemeClr>
+            </a:solidFill>
+            <a:ln>
+              <a:noFill/>
+            </a:ln>
+            <a:effectLst/>
+          </p:spPr>
+          <p:style>
+            <a:lnRef idx="1">
+              <a:schemeClr val="accent1"/>
+            </a:lnRef>
+            <a:fillRef idx="3">
+              <a:schemeClr val="accent1"/>
+            </a:fillRef>
+            <a:effectRef idx="2">
+              <a:schemeClr val="accent1"/>
+            </a:effectRef>
+            <a:fontRef idx="minor">
+              <a:schemeClr val="lt1"/>
+            </a:fontRef>
+          </p:style>
+          <p:txBody>
+            <a:bodyPr/>
+            <a:lstStyle/>
+            <a:p>
+              <a:endParaRPr lang="it-IT"/>
+            </a:p>
+          </p:txBody>
+        </p:sp>
+        <p:sp>
+          <p:nvSpPr>
+            <p:cNvPr id="26" name="Rectangle 25">
+              <a:extLst>
+                <a:ext uri="{FF2B5EF4-FFF2-40B4-BE49-F238E27FC236}">
+                  <a16:creationId xmlns:a16="http://schemas.microsoft.com/office/drawing/2014/main" id="{95F944E7-2B4E-4AE2-B4DB-846FF8AE0B7A}"/>
+                </a:ext>
+                <a:ext uri="{C183D7F6-B498-43B3-948B-1728B52AA6E4}">
+                  <adec:decorative xmlns:adec="http://schemas.microsoft.com/office/drawing/2017/decorative" val="1"/>
+                </a:ext>
+              </a:extLst>
+            </p:cNvPr>
+            <p:cNvSpPr/>
+            <p:nvPr>
+              <p:extLst>
+                <p:ext uri="{386F3935-93C4-4BCD-93E2-E3B085C9AB24}">
+                  <p16:designElem xmlns:p16="http://schemas.microsoft.com/office/powerpoint/2015/main" val="1"/>
+                </p:ext>
+              </p:extLst>
+            </p:nvPr>
+          </p:nvSpPr>
+          <p:spPr>
+            <a:xfrm>
+              <a:off x="1680730" y="-8467"/>
+              <a:ext cx="2588558" cy="6866467"/>
+            </a:xfrm>
+            <a:custGeom>
+              <a:avLst/>
+              <a:gdLst/>
+              <a:ahLst/>
+              <a:cxnLst/>
+              <a:rect l="l" t="t" r="r" b="b"/>
+              <a:pathLst>
+                <a:path w="2573311" h="6866467">
+                  <a:moveTo>
+                    <a:pt x="0" y="0"/>
+                  </a:moveTo>
+                  <a:lnTo>
+                    <a:pt x="2573311" y="0"/>
+                  </a:lnTo>
+                  <a:lnTo>
+                    <a:pt x="2573311" y="6866467"/>
+                  </a:lnTo>
+                  <a:lnTo>
+                    <a:pt x="1202336" y="6866467"/>
+                  </a:lnTo>
+                  <a:lnTo>
+                    <a:pt x="0" y="0"/>
+                  </a:lnTo>
+                  <a:close/>
+                </a:path>
+              </a:pathLst>
+            </a:custGeom>
+            <a:solidFill>
+              <a:schemeClr val="accent1">
+                <a:alpha val="20000"/>
+              </a:schemeClr>
+            </a:solidFill>
+            <a:ln>
+              <a:noFill/>
+            </a:ln>
+            <a:effectLst/>
+          </p:spPr>
+          <p:style>
+            <a:lnRef idx="1">
+              <a:schemeClr val="accent1"/>
+            </a:lnRef>
+            <a:fillRef idx="3">
+              <a:schemeClr val="accent1"/>
+            </a:fillRef>
+            <a:effectRef idx="2">
+              <a:schemeClr val="accent1"/>
+            </a:effectRef>
+            <a:fontRef idx="minor">
+              <a:schemeClr val="lt1"/>
+            </a:fontRef>
+          </p:style>
+          <p:txBody>
+            <a:bodyPr/>
+            <a:lstStyle/>
+            <a:p>
+              <a:endParaRPr lang="it-IT"/>
+            </a:p>
+          </p:txBody>
+        </p:sp>
+        <p:sp>
+          <p:nvSpPr>
+            <p:cNvPr id="27" name="Isosceles Triangle 26">
+              <a:extLst>
+                <a:ext uri="{FF2B5EF4-FFF2-40B4-BE49-F238E27FC236}">
+                  <a16:creationId xmlns:a16="http://schemas.microsoft.com/office/drawing/2014/main" id="{FF14952D-390F-46CC-B302-73DDD9C4160F}"/>
+                </a:ext>
+                <a:ext uri="{C183D7F6-B498-43B3-948B-1728B52AA6E4}">
+                  <adec:decorative xmlns:adec="http://schemas.microsoft.com/office/drawing/2017/decorative" val="1"/>
+                </a:ext>
+              </a:extLst>
+            </p:cNvPr>
+            <p:cNvSpPr/>
+            <p:nvPr>
+              <p:extLst>
+                <p:ext uri="{386F3935-93C4-4BCD-93E2-E3B085C9AB24}">
+                  <p16:designElem xmlns:p16="http://schemas.microsoft.com/office/powerpoint/2015/main" val="1"/>
+                </p:ext>
+              </p:extLst>
+            </p:nvPr>
+          </p:nvSpPr>
+          <p:spPr>
+            <a:xfrm>
+              <a:off x="1009621" y="3048000"/>
+              <a:ext cx="3259667" cy="3810000"/>
+            </a:xfrm>
+            <a:prstGeom prst="triangle">
+              <a:avLst>
+                <a:gd name="adj" fmla="val 100000"/>
+              </a:avLst>
+            </a:prstGeom>
+            <a:solidFill>
+              <a:schemeClr val="accent2">
+                <a:alpha val="72000"/>
+              </a:schemeClr>
+            </a:solidFill>
+            <a:ln>
+              <a:noFill/>
+            </a:ln>
+            <a:effectLst/>
+          </p:spPr>
+          <p:style>
+            <a:lnRef idx="1">
+              <a:schemeClr val="accent1"/>
+            </a:lnRef>
+            <a:fillRef idx="3">
+              <a:schemeClr val="accent1"/>
+            </a:fillRef>
+            <a:effectRef idx="2">
+              <a:schemeClr val="accent1"/>
+            </a:effectRef>
+            <a:fontRef idx="minor">
+              <a:schemeClr val="lt1"/>
+            </a:fontRef>
+          </p:style>
+          <p:txBody>
+            <a:bodyPr/>
+            <a:lstStyle/>
+            <a:p>
+              <a:endParaRPr lang="it-IT"/>
+            </a:p>
+          </p:txBody>
+        </p:sp>
+        <p:sp>
+          <p:nvSpPr>
+            <p:cNvPr id="28" name="Rectangle 27">
+              <a:extLst>
+                <a:ext uri="{FF2B5EF4-FFF2-40B4-BE49-F238E27FC236}">
+                  <a16:creationId xmlns:a16="http://schemas.microsoft.com/office/drawing/2014/main" id="{867CDE55-B22A-40D0-882A-9452919EEC28}"/>
+                </a:ext>
+                <a:ext uri="{C183D7F6-B498-43B3-948B-1728B52AA6E4}">
+                  <adec:decorative xmlns:adec="http://schemas.microsoft.com/office/drawing/2017/decorative" val="1"/>
+                </a:ext>
+              </a:extLst>
+            </p:cNvPr>
+            <p:cNvSpPr/>
+            <p:nvPr>
+              <p:extLst>
+                <p:ext uri="{386F3935-93C4-4BCD-93E2-E3B085C9AB24}">
+                  <p16:designElem xmlns:p16="http://schemas.microsoft.com/office/powerpoint/2015/main" val="1"/>
+                </p:ext>
+              </p:extLst>
+            </p:nvPr>
+          </p:nvSpPr>
+          <p:spPr>
+            <a:xfrm>
+              <a:off x="1411788" y="-8467"/>
+              <a:ext cx="2854326" cy="6866467"/>
+            </a:xfrm>
+            <a:custGeom>
+              <a:avLst/>
+              <a:gdLst/>
+              <a:ahLst/>
+              <a:cxnLst/>
+              <a:rect l="l" t="t" r="r" b="b"/>
+              <a:pathLst>
+                <a:path w="2858013" h="6866467">
+                  <a:moveTo>
+                    <a:pt x="0" y="0"/>
+                  </a:moveTo>
+                  <a:lnTo>
+                    <a:pt x="2858013" y="0"/>
+                  </a:lnTo>
+                  <a:lnTo>
+                    <a:pt x="2858013" y="6866467"/>
+                  </a:lnTo>
+                  <a:lnTo>
+                    <a:pt x="2473942" y="6866467"/>
+                  </a:lnTo>
+                  <a:lnTo>
+                    <a:pt x="0" y="0"/>
+                  </a:lnTo>
+                  <a:close/>
+                </a:path>
+              </a:pathLst>
+            </a:custGeom>
+            <a:solidFill>
+              <a:schemeClr val="accent2">
+                <a:lumMod val="75000"/>
+                <a:alpha val="70000"/>
+              </a:schemeClr>
+            </a:solidFill>
+            <a:ln>
+              <a:noFill/>
+            </a:ln>
+            <a:effectLst/>
+          </p:spPr>
+          <p:style>
+            <a:lnRef idx="1">
+              <a:schemeClr val="accent1"/>
+            </a:lnRef>
+            <a:fillRef idx="3">
+              <a:schemeClr val="accent1"/>
+            </a:fillRef>
+            <a:effectRef idx="2">
+              <a:schemeClr val="accent1"/>
+            </a:effectRef>
+            <a:fontRef idx="minor">
+              <a:schemeClr val="lt1"/>
+            </a:fontRef>
+          </p:style>
+          <p:txBody>
+            <a:bodyPr/>
+            <a:lstStyle/>
+            <a:p>
+              <a:endParaRPr lang="it-IT"/>
+            </a:p>
+          </p:txBody>
+        </p:sp>
+        <p:sp>
+          <p:nvSpPr>
+            <p:cNvPr id="29" name="Isosceles Triangle 28">
+              <a:extLst>
+                <a:ext uri="{FF2B5EF4-FFF2-40B4-BE49-F238E27FC236}">
+                  <a16:creationId xmlns:a16="http://schemas.microsoft.com/office/drawing/2014/main" id="{8C409231-C942-4808-B529-DAC32A7DB002}"/>
+                </a:ext>
+                <a:ext uri="{C183D7F6-B498-43B3-948B-1728B52AA6E4}">
+                  <adec:decorative xmlns:adec="http://schemas.microsoft.com/office/drawing/2017/decorative" val="1"/>
+                </a:ext>
+              </a:extLst>
+            </p:cNvPr>
+            <p:cNvSpPr/>
+            <p:nvPr>
+              <p:extLst>
+                <p:ext uri="{386F3935-93C4-4BCD-93E2-E3B085C9AB24}">
+                  <p16:designElem xmlns:p16="http://schemas.microsoft.com/office/powerpoint/2015/main" val="1"/>
+                </p:ext>
+              </p:extLst>
+            </p:nvPr>
+          </p:nvSpPr>
+          <p:spPr>
+            <a:xfrm>
+              <a:off x="2448954" y="3589867"/>
+              <a:ext cx="1817159" cy="3268133"/>
+            </a:xfrm>
+            <a:prstGeom prst="triangle">
+              <a:avLst>
+                <a:gd name="adj" fmla="val 100000"/>
+              </a:avLst>
+            </a:prstGeom>
+            <a:solidFill>
+              <a:schemeClr val="accent1">
+                <a:alpha val="80000"/>
+              </a:schemeClr>
+            </a:solidFill>
+            <a:ln>
+              <a:noFill/>
+            </a:ln>
+            <a:effectLst/>
+          </p:spPr>
+          <p:style>
+            <a:lnRef idx="1">
+              <a:schemeClr val="accent1"/>
+            </a:lnRef>
+            <a:fillRef idx="3">
+              <a:schemeClr val="accent1"/>
+            </a:fillRef>
+            <a:effectRef idx="2">
+              <a:schemeClr val="accent1"/>
+            </a:effectRef>
+            <a:fontRef idx="minor">
+              <a:schemeClr val="lt1"/>
+            </a:fontRef>
+          </p:style>
+          <p:txBody>
+            <a:bodyPr/>
+            <a:lstStyle/>
+            <a:p>
+              <a:endParaRPr lang="it-IT"/>
+            </a:p>
+          </p:txBody>
+        </p:sp>
+      </p:grpSp>
+      <p:sp>
+        <p:nvSpPr>
+          <p:cNvPr id="2" name="Titolo 1">
+            <a:extLst>
+              <a:ext uri="{FF2B5EF4-FFF2-40B4-BE49-F238E27FC236}">
+                <a16:creationId xmlns:a16="http://schemas.microsoft.com/office/drawing/2014/main" id="{D1DEA3EC-2C7A-B705-7E52-A690AF741C88}"/>
+              </a:ext>
+            </a:extLst>
+          </p:cNvPr>
+          <p:cNvSpPr>
+            <a:spLocks noGrp="1"/>
+          </p:cNvSpPr>
+          <p:nvPr>
+            <p:ph type="title"/>
+          </p:nvPr>
+        </p:nvSpPr>
+        <p:spPr>
+          <a:xfrm>
+            <a:off x="677335" y="1282701"/>
+            <a:ext cx="5096060" cy="4307148"/>
+          </a:xfrm>
+        </p:spPr>
+        <p:txBody>
+          <a:bodyPr vert="horz" lIns="91440" tIns="45720" rIns="91440" bIns="45720" rtlCol="0" anchor="ctr">
+            <a:normAutofit/>
+          </a:bodyPr>
+          <a:lstStyle/>
+          <a:p>
+            <a:pPr algn="r"/>
+            <a:r>
+              <a:rPr lang="en-US" sz="5400"/>
+              <a:t>Progetto: Creazione di testi d’esame </a:t>
+            </a:r>
+            <a:br>
+              <a:rPr lang="en-US" sz="5400"/>
+            </a:br>
+            <a:endParaRPr lang="en-US" sz="5400"/>
+          </a:p>
+        </p:txBody>
+      </p:sp>
+      <p:sp>
+        <p:nvSpPr>
+          <p:cNvPr id="31" name="Freeform: Shape 30">
+            <a:extLst>
+              <a:ext uri="{FF2B5EF4-FFF2-40B4-BE49-F238E27FC236}">
+                <a16:creationId xmlns:a16="http://schemas.microsoft.com/office/drawing/2014/main" id="{69370F01-B8C9-4CE4-824C-92B2792E6ED0}"/>
+              </a:ext>
+              <a:ext uri="{C183D7F6-B498-43B3-948B-1728B52AA6E4}">
+                <adec:decorative xmlns:adec="http://schemas.microsoft.com/office/drawing/2017/decorative" val="1"/>
+              </a:ext>
+            </a:extLst>
+          </p:cNvPr>
+          <p:cNvSpPr>
+            <a:spLocks noGrp="1" noRot="1" noChangeAspect="1" noMove="1" noResize="1" noEditPoints="1" noAdjustHandles="1" noChangeArrowheads="1" noChangeShapeType="1" noTextEdit="1"/>
+          </p:cNvSpPr>
+          <p:nvPr>
+            <p:extLst>
+              <p:ext uri="{386F3935-93C4-4BCD-93E2-E3B085C9AB24}">
+                <p16:designElem xmlns:p16="http://schemas.microsoft.com/office/powerpoint/2015/main" val="1"/>
+              </p:ext>
+            </p:extLst>
+          </p:nvPr>
+        </p:nvSpPr>
+        <p:spPr>
+          <a:xfrm>
+            <a:off x="7136497" y="-8468"/>
+            <a:ext cx="5074930" cy="6866468"/>
+          </a:xfrm>
+          <a:custGeom>
+            <a:avLst/>
+            <a:gdLst>
+              <a:gd name="connsiteX0" fmla="*/ 0 w 5074930"/>
+              <a:gd name="connsiteY0" fmla="*/ 0 h 6858000"/>
+              <a:gd name="connsiteX1" fmla="*/ 1249825 w 5074930"/>
+              <a:gd name="connsiteY1" fmla="*/ 0 h 6858000"/>
+              <a:gd name="connsiteX2" fmla="*/ 1249825 w 5074930"/>
+              <a:gd name="connsiteY2" fmla="*/ 8457 h 6858000"/>
+              <a:gd name="connsiteX3" fmla="*/ 5074930 w 5074930"/>
+              <a:gd name="connsiteY3" fmla="*/ 8457 h 6858000"/>
+              <a:gd name="connsiteX4" fmla="*/ 5074930 w 5074930"/>
+              <a:gd name="connsiteY4" fmla="*/ 6858000 h 6858000"/>
+              <a:gd name="connsiteX5" fmla="*/ 1249825 w 5074930"/>
+              <a:gd name="connsiteY5" fmla="*/ 6858000 h 6858000"/>
+              <a:gd name="connsiteX6" fmla="*/ 1109383 w 5074930"/>
+              <a:gd name="connsiteY6" fmla="*/ 6858000 h 6858000"/>
+            </a:gdLst>
+            <a:ahLst/>
+            <a:cxnLst>
+              <a:cxn ang="0">
+                <a:pos x="connsiteX0" y="connsiteY0"/>
+              </a:cxn>
+              <a:cxn ang="0">
+                <a:pos x="connsiteX1" y="connsiteY1"/>
+              </a:cxn>
+              <a:cxn ang="0">
+                <a:pos x="connsiteX2" y="connsiteY2"/>
+              </a:cxn>
+              <a:cxn ang="0">
+                <a:pos x="connsiteX3" y="connsiteY3"/>
+              </a:cxn>
+              <a:cxn ang="0">
+                <a:pos x="connsiteX4" y="connsiteY4"/>
+              </a:cxn>
+              <a:cxn ang="0">
+                <a:pos x="connsiteX5" y="connsiteY5"/>
+              </a:cxn>
+              <a:cxn ang="0">
+                <a:pos x="connsiteX6" y="connsiteY6"/>
+              </a:cxn>
+            </a:cxnLst>
+            <a:rect l="l" t="t" r="r" b="b"/>
+            <a:pathLst>
+              <a:path w="5074930" h="6858000">
+                <a:moveTo>
+                  <a:pt x="0" y="0"/>
+                </a:moveTo>
+                <a:lnTo>
+                  <a:pt x="1249825" y="0"/>
+                </a:lnTo>
+                <a:lnTo>
+                  <a:pt x="1249825" y="8457"/>
+                </a:lnTo>
+                <a:lnTo>
+                  <a:pt x="5074930" y="8457"/>
+                </a:lnTo>
+                <a:lnTo>
+                  <a:pt x="5074930" y="6858000"/>
+                </a:lnTo>
+                <a:lnTo>
+                  <a:pt x="1249825" y="6858000"/>
+                </a:lnTo>
+                <a:lnTo>
+                  <a:pt x="1109383" y="6858000"/>
+                </a:lnTo>
+                <a:close/>
+              </a:path>
+            </a:pathLst>
+          </a:custGeom>
+          <a:solidFill>
+            <a:schemeClr val="accent1"/>
+          </a:solidFill>
+          <a:ln>
+            <a:noFill/>
+          </a:ln>
+        </p:spPr>
+        <p:style>
+          <a:lnRef idx="2">
+            <a:schemeClr val="accent1">
+              <a:shade val="50000"/>
+            </a:schemeClr>
+          </a:lnRef>
+          <a:fillRef idx="1">
+            <a:schemeClr val="accent1"/>
+          </a:fillRef>
+          <a:effectRef idx="0">
+            <a:schemeClr val="accent1"/>
+          </a:effectRef>
+          <a:fontRef idx="minor">
+            <a:schemeClr val="lt1"/>
+          </a:fontRef>
+        </p:style>
+        <p:txBody>
+          <a:bodyPr wrap="square" rtlCol="0" anchor="ctr">
+            <a:noAutofit/>
+          </a:bodyPr>
+          <a:lstStyle/>
+          <a:p>
+            <a:pPr algn="ctr"/>
+            <a:endParaRPr lang="en-US"/>
+          </a:p>
+        </p:txBody>
+      </p:sp>
+      <p:sp>
+        <p:nvSpPr>
+          <p:cNvPr id="3" name="Segnaposto contenuto 2">
+            <a:extLst>
+              <a:ext uri="{FF2B5EF4-FFF2-40B4-BE49-F238E27FC236}">
+                <a16:creationId xmlns:a16="http://schemas.microsoft.com/office/drawing/2014/main" id="{1C55DE99-4083-E5E4-914F-7B9EDBBAB623}"/>
+              </a:ext>
+            </a:extLst>
+          </p:cNvPr>
+          <p:cNvSpPr>
+            <a:spLocks noGrp="1"/>
+          </p:cNvSpPr>
+          <p:nvPr>
+            <p:ph idx="1"/>
+          </p:nvPr>
+        </p:nvSpPr>
+        <p:spPr>
+          <a:xfrm>
+            <a:off x="7821120" y="2510119"/>
+            <a:ext cx="3602567" cy="1829292"/>
+          </a:xfrm>
+        </p:spPr>
+        <p:txBody>
+          <a:bodyPr vert="horz" lIns="91440" tIns="45720" rIns="91440" bIns="45720" rtlCol="0" anchor="ctr">
+            <a:normAutofit/>
+          </a:bodyPr>
+          <a:lstStyle/>
+          <a:p>
+            <a:pPr marL="0" indent="0">
+              <a:buNone/>
+            </a:pPr>
+            <a:r>
+              <a:rPr lang="en-US" sz="4000" dirty="0">
+                <a:solidFill>
+                  <a:srgbClr val="FFFFFF"/>
+                </a:solidFill>
+              </a:rPr>
+              <a:t>Fine</a:t>
+            </a:r>
+          </a:p>
+        </p:txBody>
+      </p:sp>
+    </p:spTree>
+    <p:extLst>
+      <p:ext uri="{BB962C8B-B14F-4D97-AF65-F5344CB8AC3E}">
+        <p14:creationId xmlns:p14="http://schemas.microsoft.com/office/powerpoint/2010/main" val="779801909"/>
+      </p:ext>
+    </p:extLst>
+  </p:cSld>
+  <p:clrMapOvr>
+    <a:masterClrMapping/>
+  </p:clrMapOvr>
+</p:sld>
+</file>
+
 <file path=ppt/slides/slide3.xml><?xml version="1.0" encoding="utf-8"?>
 <p:sld xmlns:a="http://schemas.openxmlformats.org/drawingml/2006/main" xmlns:r="http://schemas.openxmlformats.org/officeDocument/2006/relationships" xmlns:p="http://schemas.openxmlformats.org/presentationml/2006/main">
   <p:cSld>
@@ -11272,6 +14770,762 @@
           <a:chExt cx="0" cy="0"/>
         </a:xfrm>
       </p:grpSpPr>
+      <p:sp useBgFill="1">
+        <p:nvSpPr>
+          <p:cNvPr id="9" name="Rectangle 8">
+            <a:extLst>
+              <a:ext uri="{FF2B5EF4-FFF2-40B4-BE49-F238E27FC236}">
+                <a16:creationId xmlns:a16="http://schemas.microsoft.com/office/drawing/2014/main" id="{A65AC7D1-EAA9-48F5-B509-60A7F50BF703}"/>
+              </a:ext>
+              <a:ext uri="{C183D7F6-B498-43B3-948B-1728B52AA6E4}">
+                <adec:decorative xmlns:adec="http://schemas.microsoft.com/office/drawing/2017/decorative" val="1"/>
+              </a:ext>
+            </a:extLst>
+          </p:cNvPr>
+          <p:cNvSpPr>
+            <a:spLocks noGrp="1" noRot="1" noChangeAspect="1" noMove="1" noResize="1" noEditPoints="1" noAdjustHandles="1" noChangeArrowheads="1" noChangeShapeType="1" noTextEdit="1"/>
+          </p:cNvSpPr>
+          <p:nvPr>
+            <p:extLst>
+              <p:ext uri="{386F3935-93C4-4BCD-93E2-E3B085C9AB24}">
+                <p16:designElem xmlns:p16="http://schemas.microsoft.com/office/powerpoint/2015/main" val="1"/>
+              </p:ext>
+            </p:extLst>
+          </p:nvPr>
+        </p:nvSpPr>
+        <p:spPr>
+          <a:xfrm>
+            <a:off x="0" y="0"/>
+            <a:ext cx="12192000" cy="6858000"/>
+          </a:xfrm>
+          <a:prstGeom prst="rect">
+            <a:avLst/>
+          </a:prstGeom>
+          <a:ln>
+            <a:noFill/>
+          </a:ln>
+        </p:spPr>
+        <p:style>
+          <a:lnRef idx="2">
+            <a:schemeClr val="accent1">
+              <a:shade val="50000"/>
+            </a:schemeClr>
+          </a:lnRef>
+          <a:fillRef idx="1">
+            <a:schemeClr val="accent1"/>
+          </a:fillRef>
+          <a:effectRef idx="0">
+            <a:schemeClr val="accent1"/>
+          </a:effectRef>
+          <a:fontRef idx="minor">
+            <a:schemeClr val="lt1"/>
+          </a:fontRef>
+        </p:style>
+        <p:txBody>
+          <a:bodyPr rtlCol="0" anchor="ctr"/>
+          <a:lstStyle/>
+          <a:p>
+            <a:pPr algn="ctr"/>
+            <a:endParaRPr lang="en-US" dirty="0"/>
+          </a:p>
+        </p:txBody>
+      </p:sp>
+      <p:sp useBgFill="1">
+        <p:nvSpPr>
+          <p:cNvPr id="11" name="Rectangle 10">
+            <a:extLst>
+              <a:ext uri="{FF2B5EF4-FFF2-40B4-BE49-F238E27FC236}">
+                <a16:creationId xmlns:a16="http://schemas.microsoft.com/office/drawing/2014/main" id="{D6320AF9-619A-4175-865B-5663E1AEF4C5}"/>
+              </a:ext>
+              <a:ext uri="{C183D7F6-B498-43B3-948B-1728B52AA6E4}">
+                <adec:decorative xmlns:adec="http://schemas.microsoft.com/office/drawing/2017/decorative" val="1"/>
+              </a:ext>
+            </a:extLst>
+          </p:cNvPr>
+          <p:cNvSpPr>
+            <a:spLocks noGrp="1" noRot="1" noChangeAspect="1" noMove="1" noResize="1" noEditPoints="1" noAdjustHandles="1" noChangeArrowheads="1" noChangeShapeType="1" noTextEdit="1"/>
+          </p:cNvSpPr>
+          <p:nvPr>
+            <p:extLst>
+              <p:ext uri="{386F3935-93C4-4BCD-93E2-E3B085C9AB24}">
+                <p16:designElem xmlns:p16="http://schemas.microsoft.com/office/powerpoint/2015/main" val="1"/>
+              </p:ext>
+            </p:extLst>
+          </p:nvPr>
+        </p:nvSpPr>
+        <p:spPr>
+          <a:xfrm>
+            <a:off x="0" y="0"/>
+            <a:ext cx="12192000" cy="6858000"/>
+          </a:xfrm>
+          <a:prstGeom prst="rect">
+            <a:avLst/>
+          </a:prstGeom>
+          <a:ln>
+            <a:noFill/>
+          </a:ln>
+        </p:spPr>
+        <p:style>
+          <a:lnRef idx="2">
+            <a:schemeClr val="accent1">
+              <a:shade val="50000"/>
+            </a:schemeClr>
+          </a:lnRef>
+          <a:fillRef idx="1">
+            <a:schemeClr val="accent1"/>
+          </a:fillRef>
+          <a:effectRef idx="0">
+            <a:schemeClr val="accent1"/>
+          </a:effectRef>
+          <a:fontRef idx="minor">
+            <a:schemeClr val="lt1"/>
+          </a:fontRef>
+        </p:style>
+        <p:txBody>
+          <a:bodyPr rtlCol="0" anchor="ctr"/>
+          <a:lstStyle/>
+          <a:p>
+            <a:pPr algn="ctr"/>
+            <a:endParaRPr lang="en-US"/>
+          </a:p>
+        </p:txBody>
+      </p:sp>
+      <p:cxnSp>
+        <p:nvCxnSpPr>
+          <p:cNvPr id="13" name="Straight Connector 12">
+            <a:extLst>
+              <a:ext uri="{FF2B5EF4-FFF2-40B4-BE49-F238E27FC236}">
+                <a16:creationId xmlns:a16="http://schemas.microsoft.com/office/drawing/2014/main" id="{063B6EC6-D752-4EE7-908B-F8F19E8C7FEA}"/>
+              </a:ext>
+              <a:ext uri="{C183D7F6-B498-43B3-948B-1728B52AA6E4}">
+                <adec:decorative xmlns:adec="http://schemas.microsoft.com/office/drawing/2017/decorative" val="1"/>
+              </a:ext>
+            </a:extLst>
+          </p:cNvPr>
+          <p:cNvCxnSpPr>
+            <a:cxnSpLocks noGrp="1" noRot="1" noChangeAspect="1" noMove="1" noResize="1" noEditPoints="1" noAdjustHandles="1" noChangeArrowheads="1" noChangeShapeType="1"/>
+          </p:cNvCxnSpPr>
+          <p:nvPr>
+            <p:extLst>
+              <p:ext uri="{386F3935-93C4-4BCD-93E2-E3B085C9AB24}">
+                <p16:designElem xmlns:p16="http://schemas.microsoft.com/office/powerpoint/2015/main" val="1"/>
+              </p:ext>
+            </p:extLst>
+          </p:nvPr>
+        </p:nvCxnSpPr>
+        <p:spPr>
+          <a:xfrm>
+            <a:off x="5111313" y="0"/>
+            <a:ext cx="1219200" cy="6858000"/>
+          </a:xfrm>
+          <a:prstGeom prst="line">
+            <a:avLst/>
+          </a:prstGeom>
+          <a:ln w="9525">
+            <a:solidFill>
+              <a:schemeClr val="accent1">
+                <a:lumMod val="75000"/>
+              </a:schemeClr>
+            </a:solidFill>
+          </a:ln>
+        </p:spPr>
+        <p:style>
+          <a:lnRef idx="2">
+            <a:schemeClr val="accent1"/>
+          </a:lnRef>
+          <a:fillRef idx="0">
+            <a:schemeClr val="accent1"/>
+          </a:fillRef>
+          <a:effectRef idx="1">
+            <a:schemeClr val="accent1"/>
+          </a:effectRef>
+          <a:fontRef idx="minor">
+            <a:schemeClr val="tx1"/>
+          </a:fontRef>
+        </p:style>
+      </p:cxnSp>
+      <p:cxnSp>
+        <p:nvCxnSpPr>
+          <p:cNvPr id="15" name="Straight Connector 14">
+            <a:extLst>
+              <a:ext uri="{FF2B5EF4-FFF2-40B4-BE49-F238E27FC236}">
+                <a16:creationId xmlns:a16="http://schemas.microsoft.com/office/drawing/2014/main" id="{EFECD4E8-AD3E-4228-82A2-9461958EA94D}"/>
+              </a:ext>
+              <a:ext uri="{C183D7F6-B498-43B3-948B-1728B52AA6E4}">
+                <adec:decorative xmlns:adec="http://schemas.microsoft.com/office/drawing/2017/decorative" val="1"/>
+              </a:ext>
+            </a:extLst>
+          </p:cNvPr>
+          <p:cNvCxnSpPr>
+            <a:cxnSpLocks noGrp="1" noRot="1" noChangeAspect="1" noMove="1" noResize="1" noEditPoints="1" noAdjustHandles="1" noChangeArrowheads="1" noChangeShapeType="1"/>
+          </p:cNvCxnSpPr>
+          <p:nvPr>
+            <p:extLst>
+              <p:ext uri="{386F3935-93C4-4BCD-93E2-E3B085C9AB24}">
+                <p16:designElem xmlns:p16="http://schemas.microsoft.com/office/powerpoint/2015/main" val="1"/>
+              </p:ext>
+            </p:extLst>
+          </p:nvPr>
+        </p:nvCxnSpPr>
+        <p:spPr>
+          <a:xfrm flipH="1">
+            <a:off x="3290979" y="3681413"/>
+            <a:ext cx="4763558" cy="3176587"/>
+          </a:xfrm>
+          <a:prstGeom prst="line">
+            <a:avLst/>
+          </a:prstGeom>
+          <a:ln w="9525">
+            <a:solidFill>
+              <a:schemeClr val="tx1">
+                <a:lumMod val="50000"/>
+                <a:lumOff val="50000"/>
+                <a:alpha val="80000"/>
+              </a:schemeClr>
+            </a:solidFill>
+          </a:ln>
+        </p:spPr>
+        <p:style>
+          <a:lnRef idx="2">
+            <a:schemeClr val="accent1"/>
+          </a:lnRef>
+          <a:fillRef idx="0">
+            <a:schemeClr val="accent1"/>
+          </a:fillRef>
+          <a:effectRef idx="1">
+            <a:schemeClr val="accent1"/>
+          </a:effectRef>
+          <a:fontRef idx="minor">
+            <a:schemeClr val="tx1"/>
+          </a:fontRef>
+        </p:style>
+      </p:cxnSp>
+      <p:sp>
+        <p:nvSpPr>
+          <p:cNvPr id="17" name="Rectangle 23">
+            <a:extLst>
+              <a:ext uri="{FF2B5EF4-FFF2-40B4-BE49-F238E27FC236}">
+                <a16:creationId xmlns:a16="http://schemas.microsoft.com/office/drawing/2014/main" id="{7E018740-5C2B-4A41-AC1A-7E68D1EC1954}"/>
+              </a:ext>
+              <a:ext uri="{C183D7F6-B498-43B3-948B-1728B52AA6E4}">
+                <adec:decorative xmlns:adec="http://schemas.microsoft.com/office/drawing/2017/decorative" val="1"/>
+              </a:ext>
+            </a:extLst>
+          </p:cNvPr>
+          <p:cNvSpPr>
+            <a:spLocks noGrp="1" noRot="1" noChangeAspect="1" noMove="1" noResize="1" noEditPoints="1" noAdjustHandles="1" noChangeArrowheads="1" noChangeShapeType="1" noTextEdit="1"/>
+          </p:cNvSpPr>
+          <p:nvPr>
+            <p:extLst>
+              <p:ext uri="{386F3935-93C4-4BCD-93E2-E3B085C9AB24}">
+                <p16:designElem xmlns:p16="http://schemas.microsoft.com/office/powerpoint/2015/main" val="1"/>
+              </p:ext>
+            </p:extLst>
+          </p:nvPr>
+        </p:nvSpPr>
+        <p:spPr>
+          <a:xfrm>
+            <a:off x="4482568" y="-8467"/>
+            <a:ext cx="3007349" cy="6866467"/>
+          </a:xfrm>
+          <a:custGeom>
+            <a:avLst/>
+            <a:gdLst/>
+            <a:ahLst/>
+            <a:cxnLst/>
+            <a:rect l="l" t="t" r="r" b="b"/>
+            <a:pathLst>
+              <a:path w="3007349" h="6866467">
+                <a:moveTo>
+                  <a:pt x="2045532" y="0"/>
+                </a:moveTo>
+                <a:lnTo>
+                  <a:pt x="3007349" y="0"/>
+                </a:lnTo>
+                <a:lnTo>
+                  <a:pt x="3007349" y="6866467"/>
+                </a:lnTo>
+                <a:lnTo>
+                  <a:pt x="0" y="6866467"/>
+                </a:lnTo>
+                <a:lnTo>
+                  <a:pt x="2045532" y="0"/>
+                </a:lnTo>
+                <a:close/>
+              </a:path>
+            </a:pathLst>
+          </a:custGeom>
+          <a:solidFill>
+            <a:schemeClr val="accent1">
+              <a:alpha val="30000"/>
+            </a:schemeClr>
+          </a:solidFill>
+          <a:ln>
+            <a:noFill/>
+          </a:ln>
+          <a:effectLst/>
+        </p:spPr>
+        <p:style>
+          <a:lnRef idx="1">
+            <a:schemeClr val="accent1"/>
+          </a:lnRef>
+          <a:fillRef idx="3">
+            <a:schemeClr val="accent1"/>
+          </a:fillRef>
+          <a:effectRef idx="2">
+            <a:schemeClr val="accent1"/>
+          </a:effectRef>
+          <a:fontRef idx="minor">
+            <a:schemeClr val="lt1"/>
+          </a:fontRef>
+        </p:style>
+        <p:txBody>
+          <a:bodyPr/>
+          <a:lstStyle/>
+          <a:p>
+            <a:endParaRPr lang="it-IT"/>
+          </a:p>
+        </p:txBody>
+      </p:sp>
+      <p:sp>
+        <p:nvSpPr>
+          <p:cNvPr id="19" name="Rectangle 25">
+            <a:extLst>
+              <a:ext uri="{FF2B5EF4-FFF2-40B4-BE49-F238E27FC236}">
+                <a16:creationId xmlns:a16="http://schemas.microsoft.com/office/drawing/2014/main" id="{166F75A4-C475-4941-8EE2-B80A06A2C1BB}"/>
+              </a:ext>
+              <a:ext uri="{C183D7F6-B498-43B3-948B-1728B52AA6E4}">
+                <adec:decorative xmlns:adec="http://schemas.microsoft.com/office/drawing/2017/decorative" val="1"/>
+              </a:ext>
+            </a:extLst>
+          </p:cNvPr>
+          <p:cNvSpPr>
+            <a:spLocks noGrp="1" noRot="1" noChangeAspect="1" noMove="1" noResize="1" noEditPoints="1" noAdjustHandles="1" noChangeArrowheads="1" noChangeShapeType="1" noTextEdit="1"/>
+          </p:cNvSpPr>
+          <p:nvPr>
+            <p:extLst>
+              <p:ext uri="{386F3935-93C4-4BCD-93E2-E3B085C9AB24}">
+                <p16:designElem xmlns:p16="http://schemas.microsoft.com/office/powerpoint/2015/main" val="1"/>
+              </p:ext>
+            </p:extLst>
+          </p:nvPr>
+        </p:nvSpPr>
+        <p:spPr>
+          <a:xfrm>
+            <a:off x="4904534" y="-8467"/>
+            <a:ext cx="2588558" cy="6866467"/>
+          </a:xfrm>
+          <a:custGeom>
+            <a:avLst/>
+            <a:gdLst/>
+            <a:ahLst/>
+            <a:cxnLst/>
+            <a:rect l="l" t="t" r="r" b="b"/>
+            <a:pathLst>
+              <a:path w="2573311" h="6866467">
+                <a:moveTo>
+                  <a:pt x="0" y="0"/>
+                </a:moveTo>
+                <a:lnTo>
+                  <a:pt x="2573311" y="0"/>
+                </a:lnTo>
+                <a:lnTo>
+                  <a:pt x="2573311" y="6866467"/>
+                </a:lnTo>
+                <a:lnTo>
+                  <a:pt x="1202336" y="6866467"/>
+                </a:lnTo>
+                <a:lnTo>
+                  <a:pt x="0" y="0"/>
+                </a:lnTo>
+                <a:close/>
+              </a:path>
+            </a:pathLst>
+          </a:custGeom>
+          <a:solidFill>
+            <a:schemeClr val="accent1">
+              <a:alpha val="20000"/>
+            </a:schemeClr>
+          </a:solidFill>
+          <a:ln>
+            <a:noFill/>
+          </a:ln>
+          <a:effectLst/>
+        </p:spPr>
+        <p:style>
+          <a:lnRef idx="1">
+            <a:schemeClr val="accent1"/>
+          </a:lnRef>
+          <a:fillRef idx="3">
+            <a:schemeClr val="accent1"/>
+          </a:fillRef>
+          <a:effectRef idx="2">
+            <a:schemeClr val="accent1"/>
+          </a:effectRef>
+          <a:fontRef idx="minor">
+            <a:schemeClr val="lt1"/>
+          </a:fontRef>
+        </p:style>
+        <p:txBody>
+          <a:bodyPr/>
+          <a:lstStyle/>
+          <a:p>
+            <a:endParaRPr lang="it-IT"/>
+          </a:p>
+        </p:txBody>
+      </p:sp>
+      <p:sp>
+        <p:nvSpPr>
+          <p:cNvPr id="21" name="Isosceles Triangle 20">
+            <a:extLst>
+              <a:ext uri="{FF2B5EF4-FFF2-40B4-BE49-F238E27FC236}">
+                <a16:creationId xmlns:a16="http://schemas.microsoft.com/office/drawing/2014/main" id="{A032553A-72E8-4B0D-8405-FF9771C9AF05}"/>
+              </a:ext>
+              <a:ext uri="{C183D7F6-B498-43B3-948B-1728B52AA6E4}">
+                <adec:decorative xmlns:adec="http://schemas.microsoft.com/office/drawing/2017/decorative" val="1"/>
+              </a:ext>
+            </a:extLst>
+          </p:cNvPr>
+          <p:cNvSpPr>
+            <a:spLocks noGrp="1" noRot="1" noChangeAspect="1" noMove="1" noResize="1" noEditPoints="1" noAdjustHandles="1" noChangeArrowheads="1" noChangeShapeType="1" noTextEdit="1"/>
+          </p:cNvSpPr>
+          <p:nvPr>
+            <p:extLst>
+              <p:ext uri="{386F3935-93C4-4BCD-93E2-E3B085C9AB24}">
+                <p16:designElem xmlns:p16="http://schemas.microsoft.com/office/powerpoint/2015/main" val="1"/>
+              </p:ext>
+            </p:extLst>
+          </p:nvPr>
+        </p:nvSpPr>
+        <p:spPr>
+          <a:xfrm>
+            <a:off x="4233425" y="3048000"/>
+            <a:ext cx="3259667" cy="3810000"/>
+          </a:xfrm>
+          <a:prstGeom prst="triangle">
+            <a:avLst>
+              <a:gd name="adj" fmla="val 100000"/>
+            </a:avLst>
+          </a:prstGeom>
+          <a:solidFill>
+            <a:schemeClr val="accent2">
+              <a:alpha val="72000"/>
+            </a:schemeClr>
+          </a:solidFill>
+          <a:ln>
+            <a:noFill/>
+          </a:ln>
+          <a:effectLst/>
+        </p:spPr>
+        <p:style>
+          <a:lnRef idx="1">
+            <a:schemeClr val="accent1"/>
+          </a:lnRef>
+          <a:fillRef idx="3">
+            <a:schemeClr val="accent1"/>
+          </a:fillRef>
+          <a:effectRef idx="2">
+            <a:schemeClr val="accent1"/>
+          </a:effectRef>
+          <a:fontRef idx="minor">
+            <a:schemeClr val="lt1"/>
+          </a:fontRef>
+        </p:style>
+        <p:txBody>
+          <a:bodyPr/>
+          <a:lstStyle/>
+          <a:p>
+            <a:endParaRPr lang="it-IT"/>
+          </a:p>
+        </p:txBody>
+      </p:sp>
+      <p:sp>
+        <p:nvSpPr>
+          <p:cNvPr id="23" name="Rectangle 27">
+            <a:extLst>
+              <a:ext uri="{FF2B5EF4-FFF2-40B4-BE49-F238E27FC236}">
+                <a16:creationId xmlns:a16="http://schemas.microsoft.com/office/drawing/2014/main" id="{765800AC-C3B9-498E-87BC-29FAE4C76B21}"/>
+              </a:ext>
+              <a:ext uri="{C183D7F6-B498-43B3-948B-1728B52AA6E4}">
+                <adec:decorative xmlns:adec="http://schemas.microsoft.com/office/drawing/2017/decorative" val="1"/>
+              </a:ext>
+            </a:extLst>
+          </p:cNvPr>
+          <p:cNvSpPr>
+            <a:spLocks noGrp="1" noRot="1" noChangeAspect="1" noMove="1" noResize="1" noEditPoints="1" noAdjustHandles="1" noChangeArrowheads="1" noChangeShapeType="1" noTextEdit="1"/>
+          </p:cNvSpPr>
+          <p:nvPr>
+            <p:extLst>
+              <p:ext uri="{386F3935-93C4-4BCD-93E2-E3B085C9AB24}">
+                <p16:designElem xmlns:p16="http://schemas.microsoft.com/office/powerpoint/2015/main" val="1"/>
+              </p:ext>
+            </p:extLst>
+          </p:nvPr>
+        </p:nvSpPr>
+        <p:spPr>
+          <a:xfrm>
+            <a:off x="4635592" y="-8467"/>
+            <a:ext cx="2854326" cy="6866467"/>
+          </a:xfrm>
+          <a:custGeom>
+            <a:avLst/>
+            <a:gdLst/>
+            <a:ahLst/>
+            <a:cxnLst/>
+            <a:rect l="l" t="t" r="r" b="b"/>
+            <a:pathLst>
+              <a:path w="2858013" h="6866467">
+                <a:moveTo>
+                  <a:pt x="0" y="0"/>
+                </a:moveTo>
+                <a:lnTo>
+                  <a:pt x="2858013" y="0"/>
+                </a:lnTo>
+                <a:lnTo>
+                  <a:pt x="2858013" y="6866467"/>
+                </a:lnTo>
+                <a:lnTo>
+                  <a:pt x="2473942" y="6866467"/>
+                </a:lnTo>
+                <a:lnTo>
+                  <a:pt x="0" y="0"/>
+                </a:lnTo>
+                <a:close/>
+              </a:path>
+            </a:pathLst>
+          </a:custGeom>
+          <a:solidFill>
+            <a:schemeClr val="accent2">
+              <a:lumMod val="75000"/>
+              <a:alpha val="70000"/>
+            </a:schemeClr>
+          </a:solidFill>
+          <a:ln>
+            <a:noFill/>
+          </a:ln>
+          <a:effectLst/>
+        </p:spPr>
+        <p:style>
+          <a:lnRef idx="1">
+            <a:schemeClr val="accent1"/>
+          </a:lnRef>
+          <a:fillRef idx="3">
+            <a:schemeClr val="accent1"/>
+          </a:fillRef>
+          <a:effectRef idx="2">
+            <a:schemeClr val="accent1"/>
+          </a:effectRef>
+          <a:fontRef idx="minor">
+            <a:schemeClr val="lt1"/>
+          </a:fontRef>
+        </p:style>
+        <p:txBody>
+          <a:bodyPr/>
+          <a:lstStyle/>
+          <a:p>
+            <a:endParaRPr lang="it-IT"/>
+          </a:p>
+        </p:txBody>
+      </p:sp>
+      <p:sp>
+        <p:nvSpPr>
+          <p:cNvPr id="25" name="Isosceles Triangle 24">
+            <a:extLst>
+              <a:ext uri="{FF2B5EF4-FFF2-40B4-BE49-F238E27FC236}">
+                <a16:creationId xmlns:a16="http://schemas.microsoft.com/office/drawing/2014/main" id="{1F9D6ACB-2FF4-49F9-978A-E0D5327FC635}"/>
+              </a:ext>
+              <a:ext uri="{C183D7F6-B498-43B3-948B-1728B52AA6E4}">
+                <adec:decorative xmlns:adec="http://schemas.microsoft.com/office/drawing/2017/decorative" val="1"/>
+              </a:ext>
+            </a:extLst>
+          </p:cNvPr>
+          <p:cNvSpPr>
+            <a:spLocks noGrp="1" noRot="1" noChangeAspect="1" noMove="1" noResize="1" noEditPoints="1" noAdjustHandles="1" noChangeArrowheads="1" noChangeShapeType="1" noTextEdit="1"/>
+          </p:cNvSpPr>
+          <p:nvPr>
+            <p:extLst>
+              <p:ext uri="{386F3935-93C4-4BCD-93E2-E3B085C9AB24}">
+                <p16:designElem xmlns:p16="http://schemas.microsoft.com/office/powerpoint/2015/main" val="1"/>
+              </p:ext>
+            </p:extLst>
+          </p:nvPr>
+        </p:nvSpPr>
+        <p:spPr>
+          <a:xfrm>
+            <a:off x="5672758" y="3589867"/>
+            <a:ext cx="1817159" cy="3268133"/>
+          </a:xfrm>
+          <a:prstGeom prst="triangle">
+            <a:avLst>
+              <a:gd name="adj" fmla="val 100000"/>
+            </a:avLst>
+          </a:prstGeom>
+          <a:solidFill>
+            <a:schemeClr val="accent1">
+              <a:alpha val="80000"/>
+            </a:schemeClr>
+          </a:solidFill>
+          <a:ln>
+            <a:noFill/>
+          </a:ln>
+          <a:effectLst/>
+        </p:spPr>
+        <p:style>
+          <a:lnRef idx="1">
+            <a:schemeClr val="accent1"/>
+          </a:lnRef>
+          <a:fillRef idx="3">
+            <a:schemeClr val="accent1"/>
+          </a:fillRef>
+          <a:effectRef idx="2">
+            <a:schemeClr val="accent1"/>
+          </a:effectRef>
+          <a:fontRef idx="minor">
+            <a:schemeClr val="lt1"/>
+          </a:fontRef>
+        </p:style>
+        <p:txBody>
+          <a:bodyPr/>
+          <a:lstStyle/>
+          <a:p>
+            <a:endParaRPr lang="it-IT"/>
+          </a:p>
+        </p:txBody>
+      </p:sp>
+      <p:sp>
+        <p:nvSpPr>
+          <p:cNvPr id="27" name="Freeform: Shape 26">
+            <a:extLst>
+              <a:ext uri="{FF2B5EF4-FFF2-40B4-BE49-F238E27FC236}">
+                <a16:creationId xmlns:a16="http://schemas.microsoft.com/office/drawing/2014/main" id="{A5EC319D-0FEA-4B95-A3EA-01E35672C95B}"/>
+              </a:ext>
+              <a:ext uri="{C183D7F6-B498-43B3-948B-1728B52AA6E4}">
+                <adec:decorative xmlns:adec="http://schemas.microsoft.com/office/drawing/2017/decorative" val="1"/>
+              </a:ext>
+            </a:extLst>
+          </p:cNvPr>
+          <p:cNvSpPr>
+            <a:spLocks noGrp="1" noRot="1" noChangeAspect="1" noMove="1" noResize="1" noEditPoints="1" noAdjustHandles="1" noChangeArrowheads="1" noChangeShapeType="1" noTextEdit="1"/>
+          </p:cNvSpPr>
+          <p:nvPr>
+            <p:extLst>
+              <p:ext uri="{386F3935-93C4-4BCD-93E2-E3B085C9AB24}">
+                <p16:designElem xmlns:p16="http://schemas.microsoft.com/office/powerpoint/2015/main" val="1"/>
+              </p:ext>
+            </p:extLst>
+          </p:nvPr>
+        </p:nvSpPr>
+        <p:spPr>
+          <a:xfrm>
+            <a:off x="6197631" y="-8467"/>
+            <a:ext cx="5994369" cy="6866467"/>
+          </a:xfrm>
+          <a:custGeom>
+            <a:avLst/>
+            <a:gdLst>
+              <a:gd name="connsiteX0" fmla="*/ 0 w 5994369"/>
+              <a:gd name="connsiteY0" fmla="*/ 0 h 6866467"/>
+              <a:gd name="connsiteX1" fmla="*/ 1249825 w 5994369"/>
+              <a:gd name="connsiteY1" fmla="*/ 0 h 6866467"/>
+              <a:gd name="connsiteX2" fmla="*/ 1249825 w 5994369"/>
+              <a:gd name="connsiteY2" fmla="*/ 8467 h 6866467"/>
+              <a:gd name="connsiteX3" fmla="*/ 5994369 w 5994369"/>
+              <a:gd name="connsiteY3" fmla="*/ 8467 h 6866467"/>
+              <a:gd name="connsiteX4" fmla="*/ 5994369 w 5994369"/>
+              <a:gd name="connsiteY4" fmla="*/ 6866467 h 6866467"/>
+              <a:gd name="connsiteX5" fmla="*/ 1249825 w 5994369"/>
+              <a:gd name="connsiteY5" fmla="*/ 6866467 h 6866467"/>
+              <a:gd name="connsiteX6" fmla="*/ 1109382 w 5994369"/>
+              <a:gd name="connsiteY6" fmla="*/ 6866467 h 6866467"/>
+            </a:gdLst>
+            <a:ahLst/>
+            <a:cxnLst>
+              <a:cxn ang="0">
+                <a:pos x="connsiteX0" y="connsiteY0"/>
+              </a:cxn>
+              <a:cxn ang="0">
+                <a:pos x="connsiteX1" y="connsiteY1"/>
+              </a:cxn>
+              <a:cxn ang="0">
+                <a:pos x="connsiteX2" y="connsiteY2"/>
+              </a:cxn>
+              <a:cxn ang="0">
+                <a:pos x="connsiteX3" y="connsiteY3"/>
+              </a:cxn>
+              <a:cxn ang="0">
+                <a:pos x="connsiteX4" y="connsiteY4"/>
+              </a:cxn>
+              <a:cxn ang="0">
+                <a:pos x="connsiteX5" y="connsiteY5"/>
+              </a:cxn>
+              <a:cxn ang="0">
+                <a:pos x="connsiteX6" y="connsiteY6"/>
+              </a:cxn>
+            </a:cxnLst>
+            <a:rect l="l" t="t" r="r" b="b"/>
+            <a:pathLst>
+              <a:path w="5994369" h="6866467">
+                <a:moveTo>
+                  <a:pt x="0" y="0"/>
+                </a:moveTo>
+                <a:lnTo>
+                  <a:pt x="1249825" y="0"/>
+                </a:lnTo>
+                <a:lnTo>
+                  <a:pt x="1249825" y="8467"/>
+                </a:lnTo>
+                <a:lnTo>
+                  <a:pt x="5994369" y="8467"/>
+                </a:lnTo>
+                <a:lnTo>
+                  <a:pt x="5994369" y="6866467"/>
+                </a:lnTo>
+                <a:lnTo>
+                  <a:pt x="1249825" y="6866467"/>
+                </a:lnTo>
+                <a:lnTo>
+                  <a:pt x="1109382" y="6866467"/>
+                </a:lnTo>
+                <a:close/>
+              </a:path>
+            </a:pathLst>
+          </a:custGeom>
+          <a:solidFill>
+            <a:schemeClr val="accent2">
+              <a:lumMod val="75000"/>
+            </a:schemeClr>
+          </a:solidFill>
+          <a:ln>
+            <a:noFill/>
+          </a:ln>
+        </p:spPr>
+        <p:style>
+          <a:lnRef idx="2">
+            <a:schemeClr val="accent1">
+              <a:shade val="50000"/>
+            </a:schemeClr>
+          </a:lnRef>
+          <a:fillRef idx="1">
+            <a:schemeClr val="accent1"/>
+          </a:fillRef>
+          <a:effectRef idx="0">
+            <a:schemeClr val="accent1"/>
+          </a:effectRef>
+          <a:fontRef idx="minor">
+            <a:schemeClr val="lt1"/>
+          </a:fontRef>
+        </p:style>
+        <p:txBody>
+          <a:bodyPr wrap="square" rtlCol="0" anchor="ctr">
+            <a:noAutofit/>
+          </a:bodyPr>
+          <a:lstStyle/>
+          <a:p>
+            <a:pPr algn="ctr"/>
+            <a:endParaRPr lang="en-US"/>
+          </a:p>
+        </p:txBody>
+      </p:sp>
       <p:sp>
         <p:nvSpPr>
           <p:cNvPr id="2" name="Titolo 1">
@@ -11290,88 +15544,29 @@
         </p:nvSpPr>
         <p:spPr>
           <a:xfrm>
-            <a:off x="677334" y="609600"/>
-            <a:ext cx="8596668" cy="1320800"/>
+            <a:off x="7181723" y="609600"/>
+            <a:ext cx="4512989" cy="2227730"/>
           </a:xfrm>
         </p:spPr>
         <p:txBody>
-          <a:bodyPr anchor="t">
+          <a:bodyPr anchor="ctr">
             <a:normAutofit/>
           </a:bodyPr>
           <a:lstStyle/>
           <a:p>
             <a:r>
-              <a:rPr lang="en-US" dirty="0" err="1"/>
-              <a:t>Obiettivi</a:t>
-            </a:r>
-            <a:r>
-              <a:rPr lang="en-US" dirty="0"/>
-              <a:t> del </a:t>
-            </a:r>
-            <a:r>
-              <a:rPr lang="en-US" dirty="0" err="1"/>
-              <a:t>progetto</a:t>
-            </a:r>
-            <a:endParaRPr lang="it-IT" dirty="0"/>
-          </a:p>
-        </p:txBody>
-      </p:sp>
-      <p:sp>
-        <p:nvSpPr>
-          <p:cNvPr id="3" name="Segnaposto contenuto 2">
-            <a:extLst>
-              <a:ext uri="{FF2B5EF4-FFF2-40B4-BE49-F238E27FC236}">
-                <a16:creationId xmlns:a16="http://schemas.microsoft.com/office/drawing/2014/main" id="{EFF3F12C-86DF-DD0D-0981-F238A4662560}"/>
-              </a:ext>
-            </a:extLst>
-          </p:cNvPr>
-          <p:cNvSpPr>
-            <a:spLocks noGrp="1"/>
-          </p:cNvSpPr>
-          <p:nvPr>
-            <p:ph idx="1"/>
-          </p:nvPr>
-        </p:nvSpPr>
-        <p:spPr>
-          <a:xfrm>
-            <a:off x="677334" y="2160590"/>
-            <a:ext cx="5220430" cy="3701270"/>
-          </a:xfrm>
-        </p:spPr>
-        <p:txBody>
-          <a:bodyPr>
-            <a:normAutofit/>
-          </a:bodyPr>
-          <a:lstStyle/>
-          <a:p>
-            <a:r>
-              <a:rPr lang="it-IT" dirty="0"/>
-              <a:t>Creazione e gestione di esami</a:t>
-            </a:r>
-          </a:p>
-          <a:p>
-            <a:r>
-              <a:rPr lang="it-IT" dirty="0"/>
-              <a:t>Creazione e gestione di esercizi</a:t>
-            </a:r>
-          </a:p>
-          <a:p>
-            <a:r>
-              <a:rPr lang="it-IT" dirty="0"/>
-              <a:t>Salvataggio di esercizi ed esami su server</a:t>
-            </a:r>
-          </a:p>
-          <a:p>
-            <a:r>
-              <a:rPr lang="it-IT" dirty="0"/>
-              <a:t>Accesso esclusivo a esami ed esercizi personali</a:t>
-            </a:r>
-          </a:p>
-          <a:p>
-            <a:r>
-              <a:rPr lang="it-IT" dirty="0"/>
-              <a:t>Esportazione in PDF degli esami</a:t>
-            </a:r>
+              <a:rPr lang="en-US">
+                <a:solidFill>
+                  <a:srgbClr val="FFFFFF"/>
+                </a:solidFill>
+              </a:rPr>
+              <a:t>Obiettivi del progetto</a:t>
+            </a:r>
+            <a:endParaRPr lang="it-IT">
+              <a:solidFill>
+                <a:srgbClr val="FFFFFF"/>
+              </a:solidFill>
+            </a:endParaRPr>
           </a:p>
         </p:txBody>
       </p:sp>
@@ -11406,14 +15601,93 @@
         </p:blipFill>
         <p:spPr>
           <a:xfrm>
-            <a:off x="6087417" y="2159000"/>
-            <a:ext cx="3145536" cy="3145536"/>
+            <a:off x="757251" y="1545062"/>
+            <a:ext cx="3856774" cy="3856774"/>
           </a:xfrm>
           <a:prstGeom prst="rect">
             <a:avLst/>
           </a:prstGeom>
         </p:spPr>
       </p:pic>
+      <p:sp>
+        <p:nvSpPr>
+          <p:cNvPr id="3" name="Segnaposto contenuto 2">
+            <a:extLst>
+              <a:ext uri="{FF2B5EF4-FFF2-40B4-BE49-F238E27FC236}">
+                <a16:creationId xmlns:a16="http://schemas.microsoft.com/office/drawing/2014/main" id="{EFF3F12C-86DF-DD0D-0981-F238A4662560}"/>
+              </a:ext>
+            </a:extLst>
+          </p:cNvPr>
+          <p:cNvSpPr>
+            <a:spLocks noGrp="1"/>
+          </p:cNvSpPr>
+          <p:nvPr>
+            <p:ph idx="1"/>
+          </p:nvPr>
+        </p:nvSpPr>
+        <p:spPr>
+          <a:xfrm>
+            <a:off x="7181725" y="2837329"/>
+            <a:ext cx="4512988" cy="3317938"/>
+          </a:xfrm>
+        </p:spPr>
+        <p:txBody>
+          <a:bodyPr anchor="t">
+            <a:normAutofit/>
+          </a:bodyPr>
+          <a:lstStyle/>
+          <a:p>
+            <a:r>
+              <a:rPr lang="it-IT">
+                <a:solidFill>
+                  <a:srgbClr val="FFFFFF"/>
+                </a:solidFill>
+              </a:rPr>
+              <a:t>Creazione e gestione di esami</a:t>
+            </a:r>
+          </a:p>
+          <a:p>
+            <a:r>
+              <a:rPr lang="it-IT">
+                <a:solidFill>
+                  <a:srgbClr val="FFFFFF"/>
+                </a:solidFill>
+              </a:rPr>
+              <a:t>Creazione e gestione di esercizi</a:t>
+            </a:r>
+          </a:p>
+          <a:p>
+            <a:r>
+              <a:rPr lang="it-IT">
+                <a:solidFill>
+                  <a:srgbClr val="FFFFFF"/>
+                </a:solidFill>
+              </a:rPr>
+              <a:t>Salvataggio di esercizi ed esami su server</a:t>
+            </a:r>
+          </a:p>
+          <a:p>
+            <a:r>
+              <a:rPr lang="it-IT">
+                <a:solidFill>
+                  <a:srgbClr val="FFFFFF"/>
+                </a:solidFill>
+              </a:rPr>
+              <a:t>Accesso esclusivo a esami ed esercizi personali</a:t>
+            </a:r>
+          </a:p>
+          <a:p>
+            <a:r>
+              <a:rPr lang="it-IT">
+                <a:solidFill>
+                  <a:srgbClr val="FFFFFF"/>
+                </a:solidFill>
+              </a:rPr>
+              <a:t>Esportazione in PDF degli esami</a:t>
+            </a:r>
+          </a:p>
+        </p:txBody>
+      </p:sp>
     </p:spTree>
     <p:extLst>
       <p:ext uri="{BB962C8B-B14F-4D97-AF65-F5344CB8AC3E}">
@@ -11452,178 +15726,12 @@
           <a:chExt cx="0" cy="0"/>
         </a:xfrm>
       </p:grpSpPr>
-      <p:sp>
-        <p:nvSpPr>
-          <p:cNvPr id="2" name="Titolo 1">
+      <p:sp useBgFill="1">
+        <p:nvSpPr>
+          <p:cNvPr id="14" name="Rectangle 13">
             <a:extLst>
               <a:ext uri="{FF2B5EF4-FFF2-40B4-BE49-F238E27FC236}">
-                <a16:creationId xmlns:a16="http://schemas.microsoft.com/office/drawing/2014/main" id="{934ED016-FABA-C9FA-8C8D-F7C51D524762}"/>
-              </a:ext>
-            </a:extLst>
-          </p:cNvPr>
-          <p:cNvSpPr>
-            <a:spLocks noGrp="1"/>
-          </p:cNvSpPr>
-          <p:nvPr>
-            <p:ph type="title"/>
-          </p:nvPr>
-        </p:nvSpPr>
-        <p:spPr>
-          <a:xfrm>
-            <a:off x="5113867" y="609600"/>
-            <a:ext cx="4160134" cy="1320800"/>
-          </a:xfrm>
-        </p:spPr>
-        <p:txBody>
-          <a:bodyPr anchor="ctr">
-            <a:normAutofit/>
-          </a:bodyPr>
-          <a:lstStyle/>
-          <a:p>
-            <a:r>
-              <a:rPr lang="it-IT" dirty="0"/>
-              <a:t>Il progetto</a:t>
-            </a:r>
-          </a:p>
-        </p:txBody>
-      </p:sp>
-      <p:sp>
-        <p:nvSpPr>
-          <p:cNvPr id="3" name="Segnaposto contenuto 2">
-            <a:extLst>
-              <a:ext uri="{FF2B5EF4-FFF2-40B4-BE49-F238E27FC236}">
-                <a16:creationId xmlns:a16="http://schemas.microsoft.com/office/drawing/2014/main" id="{FF42A976-0097-B15E-A6A5-25E23E63DED3}"/>
-              </a:ext>
-            </a:extLst>
-          </p:cNvPr>
-          <p:cNvSpPr>
-            <a:spLocks noGrp="1"/>
-          </p:cNvSpPr>
-          <p:nvPr>
-            <p:ph idx="1"/>
-          </p:nvPr>
-        </p:nvSpPr>
-        <p:spPr>
-          <a:xfrm>
-            <a:off x="5168054" y="2160589"/>
-            <a:ext cx="4102946" cy="3880773"/>
-          </a:xfrm>
-        </p:spPr>
-        <p:txBody>
-          <a:bodyPr>
-            <a:normAutofit/>
-          </a:bodyPr>
-          <a:lstStyle/>
-          <a:p>
-            <a:r>
-              <a:rPr lang="it-IT" dirty="0"/>
-              <a:t>Sistema di login</a:t>
-            </a:r>
-          </a:p>
-          <a:p>
-            <a:pPr lvl="1"/>
-            <a:r>
-              <a:rPr lang="it-IT" dirty="0"/>
-              <a:t>Credenziali del professore</a:t>
-            </a:r>
-          </a:p>
-          <a:p>
-            <a:r>
-              <a:rPr lang="it-IT" dirty="0"/>
-              <a:t>Assenza di registrazione </a:t>
-            </a:r>
-          </a:p>
-          <a:p>
-            <a:pPr lvl="1"/>
-            <a:r>
-              <a:rPr lang="it-IT" dirty="0"/>
-              <a:t>si prevede l’uso di un database con credenziali universitarie </a:t>
-            </a:r>
-            <a:r>
-              <a:rPr lang="it-IT" dirty="0" err="1"/>
-              <a:t>pre</a:t>
-            </a:r>
-            <a:r>
-              <a:rPr lang="it-IT" dirty="0"/>
-              <a:t>-create</a:t>
-            </a:r>
-          </a:p>
-        </p:txBody>
-      </p:sp>
-      <p:pic>
-        <p:nvPicPr>
-          <p:cNvPr id="5" name="Immagine 4">
-            <a:extLst>
-              <a:ext uri="{FF2B5EF4-FFF2-40B4-BE49-F238E27FC236}">
-                <a16:creationId xmlns:a16="http://schemas.microsoft.com/office/drawing/2014/main" id="{58F9E44A-7898-455A-C752-A706778B7757}"/>
-              </a:ext>
-            </a:extLst>
-          </p:cNvPr>
-          <p:cNvPicPr>
-            <a:picLocks noChangeAspect="1"/>
-          </p:cNvPicPr>
-          <p:nvPr/>
-        </p:nvPicPr>
-        <p:blipFill>
-          <a:blip r:embed="rId2"/>
-          <a:stretch>
-            <a:fillRect/>
-          </a:stretch>
-        </p:blipFill>
-        <p:spPr>
-          <a:xfrm>
-            <a:off x="948829" y="1368212"/>
-            <a:ext cx="3752564" cy="3525993"/>
-          </a:xfrm>
-          <a:prstGeom prst="rect">
-            <a:avLst/>
-          </a:prstGeom>
-        </p:spPr>
-      </p:pic>
-    </p:spTree>
-    <p:extLst>
-      <p:ext uri="{BB962C8B-B14F-4D97-AF65-F5344CB8AC3E}">
-        <p14:creationId xmlns:p14="http://schemas.microsoft.com/office/powerpoint/2010/main" val="2793934083"/>
-      </p:ext>
-    </p:extLst>
-  </p:cSld>
-  <p:clrMapOvr>
-    <a:masterClrMapping/>
-  </p:clrMapOvr>
-</p:sld>
-</file>
-
-<file path=ppt/slides/slide8.xml><?xml version="1.0" encoding="utf-8"?>
-<p:sld xmlns:a="http://schemas.openxmlformats.org/drawingml/2006/main" xmlns:r="http://schemas.openxmlformats.org/officeDocument/2006/relationships" xmlns:p="http://schemas.openxmlformats.org/presentationml/2006/main">
-  <p:cSld>
-    <p:bg>
-      <p:bgPr>
-        <a:solidFill>
-          <a:schemeClr val="bg1"/>
-        </a:solidFill>
-        <a:effectLst/>
-      </p:bgPr>
-    </p:bg>
-    <p:spTree>
-      <p:nvGrpSpPr>
-        <p:cNvPr id="1" name=""/>
-        <p:cNvGrpSpPr/>
-        <p:nvPr/>
-      </p:nvGrpSpPr>
-      <p:grpSpPr>
-        <a:xfrm>
-          <a:off x="0" y="0"/>
-          <a:ext cx="0" cy="0"/>
-          <a:chOff x="0" y="0"/>
-          <a:chExt cx="0" cy="0"/>
-        </a:xfrm>
-      </p:grpSpPr>
-      <p:sp useBgFill="1">
-        <p:nvSpPr>
-          <p:cNvPr id="8" name="Rectangle 7">
-            <a:extLst>
-              <a:ext uri="{FF2B5EF4-FFF2-40B4-BE49-F238E27FC236}">
-                <a16:creationId xmlns:a16="http://schemas.microsoft.com/office/drawing/2014/main" id="{E80B86A7-A1EC-475B-9166-88902B033A38}"/>
+                <a16:creationId xmlns:a16="http://schemas.microsoft.com/office/drawing/2014/main" id="{9F4444CE-BC8D-4D61-B303-4C05614E62AB}"/>
               </a:ext>
               <a:ext uri="{C183D7F6-B498-43B3-948B-1728B52AA6E4}">
                 <adec:decorative xmlns:adec="http://schemas.microsoft.com/office/drawing/2017/decorative" val="1"/>
@@ -11680,45 +15788,10 @@
       </p:sp>
       <p:sp>
         <p:nvSpPr>
-          <p:cNvPr id="2" name="Titolo 1">
+          <p:cNvPr id="16" name="Rectangle 15">
             <a:extLst>
               <a:ext uri="{FF2B5EF4-FFF2-40B4-BE49-F238E27FC236}">
-                <a16:creationId xmlns:a16="http://schemas.microsoft.com/office/drawing/2014/main" id="{91944A8D-7B9B-F2D9-67A2-99911323F367}"/>
-              </a:ext>
-            </a:extLst>
-          </p:cNvPr>
-          <p:cNvSpPr>
-            <a:spLocks noGrp="1"/>
-          </p:cNvSpPr>
-          <p:nvPr>
-            <p:ph type="title"/>
-          </p:nvPr>
-        </p:nvSpPr>
-        <p:spPr>
-          <a:xfrm>
-            <a:off x="1333502" y="609600"/>
-            <a:ext cx="8596668" cy="1320800"/>
-          </a:xfrm>
-        </p:spPr>
-        <p:txBody>
-          <a:bodyPr>
-            <a:normAutofit/>
-          </a:bodyPr>
-          <a:lstStyle/>
-          <a:p>
-            <a:r>
-              <a:rPr lang="it-IT" dirty="0"/>
-              <a:t>Il progetto</a:t>
-            </a:r>
-          </a:p>
-        </p:txBody>
-      </p:sp>
-      <p:sp>
-        <p:nvSpPr>
-          <p:cNvPr id="10" name="Isosceles Triangle 9">
-            <a:extLst>
-              <a:ext uri="{FF2B5EF4-FFF2-40B4-BE49-F238E27FC236}">
-                <a16:creationId xmlns:a16="http://schemas.microsoft.com/office/drawing/2014/main" id="{C2C29CB1-9F74-4879-A6AF-AEA67B6F1F4D}"/>
+                <a16:creationId xmlns:a16="http://schemas.microsoft.com/office/drawing/2014/main" id="{62423CA5-E2E1-4789-B759-9906C1C94063}"/>
               </a:ext>
               <a:ext uri="{C183D7F6-B498-43B3-948B-1728B52AA6E4}">
                 <adec:decorative xmlns:adec="http://schemas.microsoft.com/office/drawing/2017/decorative" val="1"/>
@@ -11737,19 +15810,15 @@
           </p:nvPr>
         </p:nvSpPr>
         <p:spPr>
-          <a:xfrm rot="10800000">
-            <a:off x="0" y="0"/>
-            <a:ext cx="842596" cy="5666154"/>
+          <a:xfrm>
+            <a:off x="0" y="-3"/>
+            <a:ext cx="4660126" cy="6858000"/>
           </a:xfrm>
-          <a:prstGeom prst="triangle">
-            <a:avLst>
-              <a:gd name="adj" fmla="val 100000"/>
-            </a:avLst>
+          <a:prstGeom prst="rect">
+            <a:avLst/>
           </a:prstGeom>
           <a:solidFill>
-            <a:schemeClr val="accent1">
-              <a:alpha val="85000"/>
-            </a:schemeClr>
+            <a:schemeClr val="tx2"/>
           </a:solidFill>
           <a:ln>
             <a:noFill/>
@@ -11774,61 +15843,16 @@
           <a:bodyPr/>
           <a:lstStyle/>
           <a:p>
-            <a:endParaRPr lang="it-IT"/>
-          </a:p>
-        </p:txBody>
-      </p:sp>
-      <p:sp>
-        <p:nvSpPr>
-          <p:cNvPr id="3" name="Segnaposto contenuto 2">
+            <a:endParaRPr lang="en-US"/>
+          </a:p>
+        </p:txBody>
+      </p:sp>
+      <p:sp>
+        <p:nvSpPr>
+          <p:cNvPr id="18" name="Isosceles Triangle 17">
             <a:extLst>
               <a:ext uri="{FF2B5EF4-FFF2-40B4-BE49-F238E27FC236}">
-                <a16:creationId xmlns:a16="http://schemas.microsoft.com/office/drawing/2014/main" id="{66F99916-1B9B-325C-448D-94DFC794D6D6}"/>
-              </a:ext>
-            </a:extLst>
-          </p:cNvPr>
-          <p:cNvSpPr>
-            <a:spLocks noGrp="1"/>
-          </p:cNvSpPr>
-          <p:nvPr>
-            <p:ph idx="1"/>
-          </p:nvPr>
-        </p:nvSpPr>
-        <p:spPr>
-          <a:xfrm>
-            <a:off x="1333502" y="2627950"/>
-            <a:ext cx="4999565" cy="1436050"/>
-          </a:xfrm>
-        </p:spPr>
-        <p:txBody>
-          <a:bodyPr>
-            <a:normAutofit/>
-          </a:bodyPr>
-          <a:lstStyle/>
-          <a:p>
-            <a:r>
-              <a:rPr lang="it-IT" dirty="0"/>
-              <a:t>Pannello selezione</a:t>
-            </a:r>
-          </a:p>
-          <a:p>
-            <a:pPr lvl="1"/>
-            <a:r>
-              <a:rPr lang="it-IT" dirty="0"/>
-              <a:t>Accesso alla gestione di Esami ed Esercizi</a:t>
-            </a:r>
-          </a:p>
-          <a:p>
-            <a:endParaRPr lang="it-IT" dirty="0"/>
-          </a:p>
-        </p:txBody>
-      </p:sp>
-      <p:sp>
-        <p:nvSpPr>
-          <p:cNvPr id="12" name="Isosceles Triangle 11">
-            <a:extLst>
-              <a:ext uri="{FF2B5EF4-FFF2-40B4-BE49-F238E27FC236}">
-                <a16:creationId xmlns:a16="http://schemas.microsoft.com/office/drawing/2014/main" id="{7E2C7115-5336-410C-AD71-0F0952A2E5A7}"/>
+                <a16:creationId xmlns:a16="http://schemas.microsoft.com/office/drawing/2014/main" id="{73772B81-181F-48B7-8826-4D9686D15DF5}"/>
               </a:ext>
               <a:ext uri="{C183D7F6-B498-43B3-948B-1728B52AA6E4}">
                 <adec:decorative xmlns:adec="http://schemas.microsoft.com/office/drawing/2017/decorative" val="1"/>
@@ -11847,8 +15871,195 @@
           </p:nvPr>
         </p:nvSpPr>
         <p:spPr>
+          <a:xfrm rot="10800000">
+            <a:off x="4660127" y="-3"/>
+            <a:ext cx="1056745" cy="6858001"/>
+          </a:xfrm>
+          <a:prstGeom prst="triangle">
+            <a:avLst>
+              <a:gd name="adj" fmla="val 100000"/>
+            </a:avLst>
+          </a:prstGeom>
+          <a:solidFill>
+            <a:schemeClr val="tx2"/>
+          </a:solidFill>
+          <a:ln>
+            <a:noFill/>
+          </a:ln>
+          <a:effectLst/>
+        </p:spPr>
+        <p:style>
+          <a:lnRef idx="1">
+            <a:schemeClr val="accent1"/>
+          </a:lnRef>
+          <a:fillRef idx="3">
+            <a:schemeClr val="accent1"/>
+          </a:fillRef>
+          <a:effectRef idx="2">
+            <a:schemeClr val="accent1"/>
+          </a:effectRef>
+          <a:fontRef idx="minor">
+            <a:schemeClr val="lt1"/>
+          </a:fontRef>
+        </p:style>
+        <p:txBody>
+          <a:bodyPr/>
+          <a:lstStyle/>
+          <a:p>
+            <a:endParaRPr lang="en-US" dirty="0"/>
+          </a:p>
+        </p:txBody>
+      </p:sp>
+      <p:sp>
+        <p:nvSpPr>
+          <p:cNvPr id="2" name="Titolo 1">
+            <a:extLst>
+              <a:ext uri="{FF2B5EF4-FFF2-40B4-BE49-F238E27FC236}">
+                <a16:creationId xmlns:a16="http://schemas.microsoft.com/office/drawing/2014/main" id="{656ACF04-3009-606F-DF13-8F7BA33C752C}"/>
+              </a:ext>
+            </a:extLst>
+          </p:cNvPr>
+          <p:cNvSpPr>
+            <a:spLocks noGrp="1"/>
+          </p:cNvSpPr>
+          <p:nvPr>
+            <p:ph type="title"/>
+          </p:nvPr>
+        </p:nvSpPr>
+        <p:spPr>
+          <a:xfrm>
+            <a:off x="673754" y="643467"/>
+            <a:ext cx="4203045" cy="1375608"/>
+          </a:xfrm>
+        </p:spPr>
+        <p:txBody>
+          <a:bodyPr anchor="ctr">
+            <a:normAutofit/>
+          </a:bodyPr>
+          <a:lstStyle/>
+          <a:p>
+            <a:r>
+              <a:rPr lang="it-IT">
+                <a:solidFill>
+                  <a:schemeClr val="bg1"/>
+                </a:solidFill>
+              </a:rPr>
+              <a:t>Diagramma dei caso d’uso</a:t>
+            </a:r>
+          </a:p>
+        </p:txBody>
+      </p:sp>
+      <p:sp>
+        <p:nvSpPr>
+          <p:cNvPr id="3" name="Segnaposto contenuto 2">
+            <a:extLst>
+              <a:ext uri="{FF2B5EF4-FFF2-40B4-BE49-F238E27FC236}">
+                <a16:creationId xmlns:a16="http://schemas.microsoft.com/office/drawing/2014/main" id="{C3CEE31D-5626-6384-3C1C-D2828DB4F7C7}"/>
+              </a:ext>
+            </a:extLst>
+          </p:cNvPr>
+          <p:cNvSpPr>
+            <a:spLocks noGrp="1"/>
+          </p:cNvSpPr>
+          <p:nvPr>
+            <p:ph idx="1"/>
+          </p:nvPr>
+        </p:nvSpPr>
+        <p:spPr>
+          <a:xfrm>
+            <a:off x="673754" y="2160590"/>
+            <a:ext cx="3973943" cy="3440110"/>
+          </a:xfrm>
+        </p:spPr>
+        <p:txBody>
+          <a:bodyPr>
+            <a:normAutofit/>
+          </a:bodyPr>
+          <a:lstStyle/>
+          <a:p>
+            <a:r>
+              <a:rPr lang="it-IT" dirty="0">
+                <a:solidFill>
+                  <a:schemeClr val="bg1"/>
+                </a:solidFill>
+              </a:rPr>
+              <a:t>Ponte tra i requisiti e cosa deve fare il software</a:t>
+            </a:r>
+          </a:p>
+          <a:p>
+            <a:r>
+              <a:rPr lang="it-IT" dirty="0">
+                <a:solidFill>
+                  <a:schemeClr val="bg1"/>
+                </a:solidFill>
+              </a:rPr>
+              <a:t>Un attore (entità esterna) interagisce con un soggetto, ad esempio una parte del sistema</a:t>
+            </a:r>
+          </a:p>
+        </p:txBody>
+      </p:sp>
+      <p:pic>
+        <p:nvPicPr>
+          <p:cNvPr id="9" name="Immagine 8" descr="Immagine che contiene testo, disegno, diagramma, schizzo&#10;&#10;Il contenuto generato dall'IA potrebbe non essere corretto.">
+            <a:extLst>
+              <a:ext uri="{FF2B5EF4-FFF2-40B4-BE49-F238E27FC236}">
+                <a16:creationId xmlns:a16="http://schemas.microsoft.com/office/drawing/2014/main" id="{1A7C89FE-2331-4455-FD9A-B8B8B4B1A1F1}"/>
+              </a:ext>
+            </a:extLst>
+          </p:cNvPr>
+          <p:cNvPicPr>
+            <a:picLocks noChangeAspect="1"/>
+          </p:cNvPicPr>
+          <p:nvPr/>
+        </p:nvPicPr>
+        <p:blipFill>
+          <a:blip r:embed="rId2">
+            <a:extLst>
+              <a:ext uri="{28A0092B-C50C-407E-A947-70E740481C1C}">
+                <a14:useLocalDpi xmlns:a14="http://schemas.microsoft.com/office/drawing/2010/main" val="0"/>
+              </a:ext>
+            </a:extLst>
+          </a:blip>
+          <a:stretch>
+            <a:fillRect/>
+          </a:stretch>
+        </p:blipFill>
+        <p:spPr>
+          <a:xfrm>
+            <a:off x="5550553" y="1110827"/>
+            <a:ext cx="5916510" cy="3964061"/>
+          </a:xfrm>
+          <a:prstGeom prst="rect">
+            <a:avLst/>
+          </a:prstGeom>
+        </p:spPr>
+      </p:pic>
+      <p:sp>
+        <p:nvSpPr>
+          <p:cNvPr id="20" name="Isosceles Triangle 19">
+            <a:extLst>
+              <a:ext uri="{FF2B5EF4-FFF2-40B4-BE49-F238E27FC236}">
+                <a16:creationId xmlns:a16="http://schemas.microsoft.com/office/drawing/2014/main" id="{B2205F6E-03C6-4E92-877C-E2482F6599AA}"/>
+              </a:ext>
+              <a:ext uri="{C183D7F6-B498-43B3-948B-1728B52AA6E4}">
+                <adec:decorative xmlns:adec="http://schemas.microsoft.com/office/drawing/2017/decorative" val="1"/>
+              </a:ext>
+            </a:extLst>
+          </p:cNvPr>
+          <p:cNvSpPr>
+            <a:spLocks noGrp="1" noRot="1" noChangeAspect="1" noMove="1" noResize="1" noEditPoints="1" noAdjustHandles="1" noChangeArrowheads="1" noChangeShapeType="1" noTextEdit="1"/>
+          </p:cNvSpPr>
+          <p:nvPr>
+            <p:extLst>
+              <p:ext uri="{386F3935-93C4-4BCD-93E2-E3B085C9AB24}">
+                <p16:designElem xmlns:p16="http://schemas.microsoft.com/office/powerpoint/2015/main" val="1"/>
+              </p:ext>
+            </p:extLst>
+          </p:nvPr>
+        </p:nvSpPr>
+        <p:spPr>
           <a:xfrm flipH="1">
-            <a:off x="11743267" y="4013200"/>
+            <a:off x="11755696" y="4013200"/>
             <a:ext cx="448733" cy="2844800"/>
           </a:xfrm>
           <a:prstGeom prst="triangle">
@@ -11884,44 +16095,14 @@
           <a:bodyPr/>
           <a:lstStyle/>
           <a:p>
-            <a:endParaRPr lang="it-IT"/>
-          </a:p>
-        </p:txBody>
-      </p:sp>
-      <p:pic>
-        <p:nvPicPr>
-          <p:cNvPr id="4" name="Immagine 3">
-            <a:extLst>
-              <a:ext uri="{FF2B5EF4-FFF2-40B4-BE49-F238E27FC236}">
-                <a16:creationId xmlns:a16="http://schemas.microsoft.com/office/drawing/2014/main" id="{BB8CADC9-A576-67B3-7AD1-D0BE5A68CC01}"/>
-              </a:ext>
-            </a:extLst>
-          </p:cNvPr>
-          <p:cNvPicPr>
-            <a:picLocks noChangeAspect="1"/>
-          </p:cNvPicPr>
-          <p:nvPr/>
-        </p:nvPicPr>
-        <p:blipFill>
-          <a:blip r:embed="rId2"/>
-          <a:stretch>
-            <a:fillRect/>
-          </a:stretch>
-        </p:blipFill>
-        <p:spPr>
-          <a:xfrm>
-            <a:off x="6871700" y="1774568"/>
-            <a:ext cx="3549375" cy="3308864"/>
-          </a:xfrm>
-          <a:prstGeom prst="rect">
-            <a:avLst/>
-          </a:prstGeom>
-        </p:spPr>
-      </p:pic>
+            <a:endParaRPr lang="en-US" dirty="0"/>
+          </a:p>
+        </p:txBody>
+      </p:sp>
     </p:spTree>
     <p:extLst>
       <p:ext uri="{BB962C8B-B14F-4D97-AF65-F5344CB8AC3E}">
-        <p14:creationId xmlns:p14="http://schemas.microsoft.com/office/powerpoint/2010/main" val="3265896089"/>
+        <p14:creationId xmlns:p14="http://schemas.microsoft.com/office/powerpoint/2010/main" val="2341956124"/>
       </p:ext>
     </p:extLst>
   </p:cSld>
@@ -11931,7 +16112,7 @@
 </p:sld>
 </file>
 
-<file path=ppt/slides/slide9.xml><?xml version="1.0" encoding="utf-8"?>
+<file path=ppt/slides/slide8.xml><?xml version="1.0" encoding="utf-8"?>
 <p:sld xmlns:a="http://schemas.openxmlformats.org/drawingml/2006/main" xmlns:r="http://schemas.openxmlformats.org/officeDocument/2006/relationships" xmlns:p="http://schemas.openxmlformats.org/presentationml/2006/main">
   <p:cSld>
     <p:spTree>
@@ -11953,7 +16134,7 @@
           <p:cNvPr id="2" name="Titolo 1">
             <a:extLst>
               <a:ext uri="{FF2B5EF4-FFF2-40B4-BE49-F238E27FC236}">
-                <a16:creationId xmlns:a16="http://schemas.microsoft.com/office/drawing/2014/main" id="{E6C400F9-16B2-BEF2-EE78-563A5A4B0F7A}"/>
+                <a16:creationId xmlns:a16="http://schemas.microsoft.com/office/drawing/2014/main" id="{E33A892F-C4D8-DDC2-B90D-6824100AE0FE}"/>
               </a:ext>
             </a:extLst>
           </p:cNvPr>
@@ -11969,75 +16150,52 @@
           <a:bodyPr/>
           <a:lstStyle/>
           <a:p>
+            <a:pPr algn="ctr"/>
             <a:r>
               <a:rPr lang="it-IT" dirty="0"/>
-              <a:t>Il progetto</a:t>
-            </a:r>
-          </a:p>
-        </p:txBody>
-      </p:sp>
-      <p:sp>
-        <p:nvSpPr>
-          <p:cNvPr id="3" name="Segnaposto contenuto 2">
+              <a:t>Casi d’Uso</a:t>
+            </a:r>
+          </a:p>
+        </p:txBody>
+      </p:sp>
+      <p:pic>
+        <p:nvPicPr>
+          <p:cNvPr id="5" name="Segnaposto contenuto 4">
             <a:extLst>
               <a:ext uri="{FF2B5EF4-FFF2-40B4-BE49-F238E27FC236}">
-                <a16:creationId xmlns:a16="http://schemas.microsoft.com/office/drawing/2014/main" id="{650AD045-39E4-2451-28F5-A436CC07CC30}"/>
+                <a16:creationId xmlns:a16="http://schemas.microsoft.com/office/drawing/2014/main" id="{12D5D276-2C78-744A-D002-5C248420F882}"/>
               </a:ext>
             </a:extLst>
           </p:cNvPr>
-          <p:cNvSpPr>
-            <a:spLocks noGrp="1"/>
-          </p:cNvSpPr>
+          <p:cNvPicPr>
+            <a:picLocks noGrp="1" noChangeAspect="1"/>
+          </p:cNvPicPr>
           <p:nvPr>
             <p:ph idx="1"/>
           </p:nvPr>
-        </p:nvSpPr>
-        <p:spPr/>
-        <p:txBody>
-          <a:bodyPr/>
-          <a:lstStyle/>
-          <a:p>
-            <a:r>
-              <a:rPr lang="it-IT" dirty="0"/>
-              <a:t>Sistema di gestione degli esercizi</a:t>
-            </a:r>
-          </a:p>
-          <a:p>
-            <a:pPr lvl="1"/>
-            <a:r>
-              <a:rPr lang="it-IT" dirty="0"/>
-              <a:t>Creazione</a:t>
-            </a:r>
-          </a:p>
-          <a:p>
-            <a:pPr lvl="1"/>
-            <a:r>
-              <a:rPr lang="it-IT" dirty="0"/>
-              <a:t>Visualizzazione</a:t>
-            </a:r>
-          </a:p>
-          <a:p>
-            <a:pPr lvl="1"/>
-            <a:r>
-              <a:rPr lang="it-IT" dirty="0"/>
-              <a:t>Eliminazione</a:t>
-            </a:r>
-          </a:p>
-          <a:p>
-            <a:pPr lvl="1"/>
-            <a:r>
-              <a:rPr lang="it-IT" dirty="0"/>
-              <a:t>Modifica</a:t>
-            </a:r>
-          </a:p>
-        </p:txBody>
-      </p:sp>
+        </p:nvPicPr>
+        <p:blipFill>
+          <a:blip r:embed="rId2"/>
+          <a:stretch>
+            <a:fillRect/>
+          </a:stretch>
+        </p:blipFill>
+        <p:spPr>
+          <a:xfrm>
+            <a:off x="2488867" y="1440845"/>
+            <a:ext cx="4973602" cy="2486801"/>
+          </a:xfrm>
+          <a:prstGeom prst="rect">
+            <a:avLst/>
+          </a:prstGeom>
+        </p:spPr>
+      </p:pic>
       <p:pic>
         <p:nvPicPr>
-          <p:cNvPr id="9" name="Immagine 8">
+          <p:cNvPr id="7" name="Immagine 6">
             <a:extLst>
               <a:ext uri="{FF2B5EF4-FFF2-40B4-BE49-F238E27FC236}">
-                <a16:creationId xmlns:a16="http://schemas.microsoft.com/office/drawing/2014/main" id="{114AF750-FD9E-B198-7AEE-3882D94B3D43}"/>
+                <a16:creationId xmlns:a16="http://schemas.microsoft.com/office/drawing/2014/main" id="{21F0E894-126A-AE85-A698-4150ADF7621C}"/>
               </a:ext>
             </a:extLst>
           </p:cNvPr>
@@ -12047,15 +16205,15 @@
           <p:nvPr/>
         </p:nvPicPr>
         <p:blipFill>
-          <a:blip r:embed="rId2"/>
+          <a:blip r:embed="rId3"/>
           <a:stretch>
             <a:fillRect/>
           </a:stretch>
         </p:blipFill>
         <p:spPr>
           <a:xfrm>
-            <a:off x="3391853" y="3005305"/>
-            <a:ext cx="6039521" cy="2870563"/>
+            <a:off x="2488868" y="4142927"/>
+            <a:ext cx="4973602" cy="2165058"/>
           </a:xfrm>
           <a:prstGeom prst="rect">
             <a:avLst/>
@@ -12065,7 +16223,134 @@
     </p:spTree>
     <p:extLst>
       <p:ext uri="{BB962C8B-B14F-4D97-AF65-F5344CB8AC3E}">
-        <p14:creationId xmlns:p14="http://schemas.microsoft.com/office/powerpoint/2010/main" val="3317352212"/>
+        <p14:creationId xmlns:p14="http://schemas.microsoft.com/office/powerpoint/2010/main" val="274468949"/>
+      </p:ext>
+    </p:extLst>
+  </p:cSld>
+  <p:clrMapOvr>
+    <a:masterClrMapping/>
+  </p:clrMapOvr>
+</p:sld>
+</file>
+
+<file path=ppt/slides/slide9.xml><?xml version="1.0" encoding="utf-8"?>
+<p:sld xmlns:a="http://schemas.openxmlformats.org/drawingml/2006/main" xmlns:r="http://schemas.openxmlformats.org/officeDocument/2006/relationships" xmlns:p="http://schemas.openxmlformats.org/presentationml/2006/main">
+  <p:cSld>
+    <p:spTree>
+      <p:nvGrpSpPr>
+        <p:cNvPr id="1" name="">
+          <a:extLst>
+            <a:ext uri="{FF2B5EF4-FFF2-40B4-BE49-F238E27FC236}">
+              <a16:creationId xmlns:a16="http://schemas.microsoft.com/office/drawing/2014/main" id="{EF888B89-B43A-5E7E-629C-66D966040A5F}"/>
+            </a:ext>
+          </a:extLst>
+        </p:cNvPr>
+        <p:cNvGrpSpPr/>
+        <p:nvPr/>
+      </p:nvGrpSpPr>
+      <p:grpSpPr>
+        <a:xfrm>
+          <a:off x="0" y="0"/>
+          <a:ext cx="0" cy="0"/>
+          <a:chOff x="0" y="0"/>
+          <a:chExt cx="0" cy="0"/>
+        </a:xfrm>
+      </p:grpSpPr>
+      <p:sp>
+        <p:nvSpPr>
+          <p:cNvPr id="2" name="Titolo 1">
+            <a:extLst>
+              <a:ext uri="{FF2B5EF4-FFF2-40B4-BE49-F238E27FC236}">
+                <a16:creationId xmlns:a16="http://schemas.microsoft.com/office/drawing/2014/main" id="{50D175F2-021E-7D0F-A6C8-8E037AA920D2}"/>
+              </a:ext>
+            </a:extLst>
+          </p:cNvPr>
+          <p:cNvSpPr>
+            <a:spLocks noGrp="1"/>
+          </p:cNvSpPr>
+          <p:nvPr>
+            <p:ph type="title"/>
+          </p:nvPr>
+        </p:nvSpPr>
+        <p:spPr/>
+        <p:txBody>
+          <a:bodyPr/>
+          <a:lstStyle/>
+          <a:p>
+            <a:pPr algn="ctr"/>
+            <a:r>
+              <a:rPr lang="it-IT" dirty="0"/>
+              <a:t>Casi d’Uso</a:t>
+            </a:r>
+          </a:p>
+        </p:txBody>
+      </p:sp>
+      <p:pic>
+        <p:nvPicPr>
+          <p:cNvPr id="10" name="Segnaposto contenuto 9">
+            <a:extLst>
+              <a:ext uri="{FF2B5EF4-FFF2-40B4-BE49-F238E27FC236}">
+                <a16:creationId xmlns:a16="http://schemas.microsoft.com/office/drawing/2014/main" id="{352A9DE1-2904-981B-2BC9-1AEF3E4C144F}"/>
+              </a:ext>
+            </a:extLst>
+          </p:cNvPr>
+          <p:cNvPicPr>
+            <a:picLocks noGrp="1" noChangeAspect="1"/>
+          </p:cNvPicPr>
+          <p:nvPr>
+            <p:ph idx="1"/>
+          </p:nvPr>
+        </p:nvPicPr>
+        <p:blipFill>
+          <a:blip r:embed="rId2"/>
+          <a:stretch>
+            <a:fillRect/>
+          </a:stretch>
+        </p:blipFill>
+        <p:spPr>
+          <a:xfrm>
+            <a:off x="2028670" y="1449023"/>
+            <a:ext cx="5889357" cy="2511521"/>
+          </a:xfrm>
+          <a:prstGeom prst="rect">
+            <a:avLst/>
+          </a:prstGeom>
+        </p:spPr>
+      </p:pic>
+      <p:pic>
+        <p:nvPicPr>
+          <p:cNvPr id="12" name="Immagine 11">
+            <a:extLst>
+              <a:ext uri="{FF2B5EF4-FFF2-40B4-BE49-F238E27FC236}">
+                <a16:creationId xmlns:a16="http://schemas.microsoft.com/office/drawing/2014/main" id="{95215498-DE0D-A445-ABFF-E6C9227151A9}"/>
+              </a:ext>
+            </a:extLst>
+          </p:cNvPr>
+          <p:cNvPicPr>
+            <a:picLocks noChangeAspect="1"/>
+          </p:cNvPicPr>
+          <p:nvPr/>
+        </p:nvPicPr>
+        <p:blipFill>
+          <a:blip r:embed="rId3"/>
+          <a:stretch>
+            <a:fillRect/>
+          </a:stretch>
+        </p:blipFill>
+        <p:spPr>
+          <a:xfrm>
+            <a:off x="2028670" y="4156688"/>
+            <a:ext cx="5889357" cy="2504577"/>
+          </a:xfrm>
+          <a:prstGeom prst="rect">
+            <a:avLst/>
+          </a:prstGeom>
+        </p:spPr>
+      </p:pic>
+    </p:spTree>
+    <p:extLst>
+      <p:ext uri="{BB962C8B-B14F-4D97-AF65-F5344CB8AC3E}">
+        <p14:creationId xmlns:p14="http://schemas.microsoft.com/office/powerpoint/2010/main" val="2851093484"/>
       </p:ext>
     </p:extLst>
   </p:cSld>
